--- a/Desafio_A3Data.pptx
+++ b/Desafio_A3Data.pptx
@@ -7,16 +7,14 @@
   <p:sldIdLst>
     <p:sldId id="258" r:id="rId2"/>
     <p:sldId id="257" r:id="rId3"/>
-    <p:sldId id="259" r:id="rId4"/>
-    <p:sldId id="260" r:id="rId5"/>
-    <p:sldId id="261" r:id="rId6"/>
-    <p:sldId id="263" r:id="rId7"/>
-    <p:sldId id="262" r:id="rId8"/>
-    <p:sldId id="264" r:id="rId9"/>
-    <p:sldId id="265" r:id="rId10"/>
-    <p:sldId id="266" r:id="rId11"/>
-    <p:sldId id="267" r:id="rId12"/>
-    <p:sldId id="268" r:id="rId13"/>
+    <p:sldId id="260" r:id="rId4"/>
+    <p:sldId id="269" r:id="rId5"/>
+    <p:sldId id="262" r:id="rId6"/>
+    <p:sldId id="270" r:id="rId7"/>
+    <p:sldId id="272" r:id="rId8"/>
+    <p:sldId id="273" r:id="rId9"/>
+    <p:sldId id="261" r:id="rId10"/>
+    <p:sldId id="263" r:id="rId11"/>
   </p:sldIdLst>
   <p:sldSz cx="12192000" cy="6858000"/>
   <p:notesSz cx="6858000" cy="9144000"/>
@@ -115,6 +113,11 @@
       </a:defRPr>
     </a:lvl9pPr>
   </p:defaultTextStyle>
+  <p:extLst>
+    <p:ext uri="{EFAFB233-063F-42B5-8137-9DF3F51BA10A}">
+      <p15:sldGuideLst xmlns:p15="http://schemas.microsoft.com/office/powerpoint/2012/main"/>
+    </p:ext>
+  </p:extLst>
 </p:presentation>
 </file>
 
@@ -265,7 +268,7 @@
           <a:p>
             <a:fld id="{0C4D3F3B-8415-4F5B-9819-D948F829FB16}" type="datetimeFigureOut">
               <a:rPr lang="pt-BR" smtClean="0"/>
-              <a:t>27/07/2023</a:t>
+              <a:t>28/07/2023</a:t>
             </a:fld>
             <a:endParaRPr lang="pt-BR"/>
           </a:p>
@@ -463,7 +466,7 @@
           <a:p>
             <a:fld id="{0C4D3F3B-8415-4F5B-9819-D948F829FB16}" type="datetimeFigureOut">
               <a:rPr lang="pt-BR" smtClean="0"/>
-              <a:t>27/07/2023</a:t>
+              <a:t>28/07/2023</a:t>
             </a:fld>
             <a:endParaRPr lang="pt-BR"/>
           </a:p>
@@ -671,7 +674,7 @@
           <a:p>
             <a:fld id="{0C4D3F3B-8415-4F5B-9819-D948F829FB16}" type="datetimeFigureOut">
               <a:rPr lang="pt-BR" smtClean="0"/>
-              <a:t>27/07/2023</a:t>
+              <a:t>28/07/2023</a:t>
             </a:fld>
             <a:endParaRPr lang="pt-BR"/>
           </a:p>
@@ -869,7 +872,7 @@
           <a:p>
             <a:fld id="{0C4D3F3B-8415-4F5B-9819-D948F829FB16}" type="datetimeFigureOut">
               <a:rPr lang="pt-BR" smtClean="0"/>
-              <a:t>27/07/2023</a:t>
+              <a:t>28/07/2023</a:t>
             </a:fld>
             <a:endParaRPr lang="pt-BR"/>
           </a:p>
@@ -1144,7 +1147,7 @@
           <a:p>
             <a:fld id="{0C4D3F3B-8415-4F5B-9819-D948F829FB16}" type="datetimeFigureOut">
               <a:rPr lang="pt-BR" smtClean="0"/>
-              <a:t>27/07/2023</a:t>
+              <a:t>28/07/2023</a:t>
             </a:fld>
             <a:endParaRPr lang="pt-BR"/>
           </a:p>
@@ -1409,7 +1412,7 @@
           <a:p>
             <a:fld id="{0C4D3F3B-8415-4F5B-9819-D948F829FB16}" type="datetimeFigureOut">
               <a:rPr lang="pt-BR" smtClean="0"/>
-              <a:t>27/07/2023</a:t>
+              <a:t>28/07/2023</a:t>
             </a:fld>
             <a:endParaRPr lang="pt-BR"/>
           </a:p>
@@ -1821,7 +1824,7 @@
           <a:p>
             <a:fld id="{0C4D3F3B-8415-4F5B-9819-D948F829FB16}" type="datetimeFigureOut">
               <a:rPr lang="pt-BR" smtClean="0"/>
-              <a:t>27/07/2023</a:t>
+              <a:t>28/07/2023</a:t>
             </a:fld>
             <a:endParaRPr lang="pt-BR"/>
           </a:p>
@@ -1962,7 +1965,7 @@
           <a:p>
             <a:fld id="{0C4D3F3B-8415-4F5B-9819-D948F829FB16}" type="datetimeFigureOut">
               <a:rPr lang="pt-BR" smtClean="0"/>
-              <a:t>27/07/2023</a:t>
+              <a:t>28/07/2023</a:t>
             </a:fld>
             <a:endParaRPr lang="pt-BR"/>
           </a:p>
@@ -2075,7 +2078,7 @@
           <a:p>
             <a:fld id="{0C4D3F3B-8415-4F5B-9819-D948F829FB16}" type="datetimeFigureOut">
               <a:rPr lang="pt-BR" smtClean="0"/>
-              <a:t>27/07/2023</a:t>
+              <a:t>28/07/2023</a:t>
             </a:fld>
             <a:endParaRPr lang="pt-BR"/>
           </a:p>
@@ -2386,7 +2389,7 @@
           <a:p>
             <a:fld id="{0C4D3F3B-8415-4F5B-9819-D948F829FB16}" type="datetimeFigureOut">
               <a:rPr lang="pt-BR" smtClean="0"/>
-              <a:t>27/07/2023</a:t>
+              <a:t>28/07/2023</a:t>
             </a:fld>
             <a:endParaRPr lang="pt-BR"/>
           </a:p>
@@ -2674,7 +2677,7 @@
           <a:p>
             <a:fld id="{0C4D3F3B-8415-4F5B-9819-D948F829FB16}" type="datetimeFigureOut">
               <a:rPr lang="pt-BR" smtClean="0"/>
-              <a:t>27/07/2023</a:t>
+              <a:t>28/07/2023</a:t>
             </a:fld>
             <a:endParaRPr lang="pt-BR"/>
           </a:p>
@@ -2915,7 +2918,7 @@
           <a:p>
             <a:fld id="{0C4D3F3B-8415-4F5B-9819-D948F829FB16}" type="datetimeFigureOut">
               <a:rPr lang="pt-BR" smtClean="0"/>
-              <a:t>27/07/2023</a:t>
+              <a:t>28/07/2023</a:t>
             </a:fld>
             <a:endParaRPr lang="pt-BR"/>
           </a:p>
@@ -3348,44 +3351,131 @@
             <p:ph type="title"/>
           </p:nvPr>
         </p:nvSpPr>
-        <p:spPr/>
+        <p:spPr>
+          <a:xfrm>
+            <a:off x="1995259" y="1114107"/>
+            <a:ext cx="8871009" cy="3293615"/>
+          </a:xfrm>
+          <a:ln>
+            <a:noFill/>
+          </a:ln>
+        </p:spPr>
         <p:txBody>
-          <a:bodyPr/>
+          <a:bodyPr>
+            <a:normAutofit/>
+          </a:bodyPr>
           <a:lstStyle/>
           <a:p>
-            <a:endParaRPr lang="pt-BR" dirty="0"/>
+            <a:r>
+              <a:rPr lang="en-US" sz="8800" b="1" dirty="0"/>
+              <a:t>Data Analytics Case</a:t>
+            </a:r>
+            <a:endParaRPr lang="pt-BR" sz="8800" b="1" dirty="0"/>
           </a:p>
         </p:txBody>
       </p:sp>
+      <p:pic>
+        <p:nvPicPr>
+          <p:cNvPr id="9" name="Imagem 8">
+            <a:extLst>
+              <a:ext uri="{FF2B5EF4-FFF2-40B4-BE49-F238E27FC236}">
+                <a16:creationId xmlns:a16="http://schemas.microsoft.com/office/drawing/2014/main" id="{5F356911-8A50-6EEB-DE3F-D653E8978910}"/>
+              </a:ext>
+            </a:extLst>
+          </p:cNvPr>
+          <p:cNvPicPr>
+            <a:picLocks noChangeAspect="1"/>
+          </p:cNvPicPr>
+          <p:nvPr/>
+        </p:nvPicPr>
+        <p:blipFill>
+          <a:blip r:embed="rId2"/>
+          <a:stretch>
+            <a:fillRect/>
+          </a:stretch>
+        </p:blipFill>
+        <p:spPr>
+          <a:xfrm>
+            <a:off x="6915705" y="3971522"/>
+            <a:ext cx="5220429" cy="2886478"/>
+          </a:xfrm>
+          <a:prstGeom prst="rect">
+            <a:avLst/>
+          </a:prstGeom>
+        </p:spPr>
+      </p:pic>
       <p:sp>
         <p:nvSpPr>
-          <p:cNvPr id="3" name="Espaço Reservado para Conteúdo 2">
-            <a:extLst>
-              <a:ext uri="{FF2B5EF4-FFF2-40B4-BE49-F238E27FC236}">
-                <a16:creationId xmlns:a16="http://schemas.microsoft.com/office/drawing/2014/main" id="{D9B46AFF-027F-836E-8386-15F0FC7C8902}"/>
-              </a:ext>
-            </a:extLst>
-          </p:cNvPr>
-          <p:cNvSpPr>
-            <a:spLocks noGrp="1"/>
-          </p:cNvSpPr>
-          <p:nvPr>
-            <p:ph idx="1"/>
-          </p:nvPr>
+          <p:cNvPr id="10" name="CaixaDeTexto 9">
+            <a:extLst>
+              <a:ext uri="{FF2B5EF4-FFF2-40B4-BE49-F238E27FC236}">
+                <a16:creationId xmlns:a16="http://schemas.microsoft.com/office/drawing/2014/main" id="{0F24D5AD-2F94-B5CB-4190-E3093FC358C5}"/>
+              </a:ext>
+            </a:extLst>
+          </p:cNvPr>
+          <p:cNvSpPr txBox="1"/>
+          <p:nvPr/>
         </p:nvSpPr>
-        <p:spPr/>
+        <p:spPr>
+          <a:xfrm>
+            <a:off x="949910" y="4121459"/>
+            <a:ext cx="2574524" cy="1077218"/>
+          </a:xfrm>
+          <a:prstGeom prst="rect">
+            <a:avLst/>
+          </a:prstGeom>
+          <a:noFill/>
+        </p:spPr>
         <p:txBody>
-          <a:bodyPr/>
+          <a:bodyPr wrap="square" rtlCol="0">
+            <a:spAutoFit/>
+          </a:bodyPr>
           <a:lstStyle/>
           <a:p>
             <a:r>
-              <a:rPr lang="en-US" dirty="0"/>
-              <a:t>CAPA</a:t>
-            </a:r>
-            <a:endParaRPr lang="pt-BR" dirty="0"/>
+              <a:rPr lang="en-US" sz="3200" dirty="0"/>
+              <a:t>Felipe Petri</a:t>
+            </a:r>
+          </a:p>
+          <a:p>
+            <a:r>
+              <a:rPr lang="en-US" sz="3200" dirty="0"/>
+              <a:t>Julho de 2023</a:t>
+            </a:r>
+            <a:endParaRPr lang="pt-BR" sz="3200" dirty="0"/>
           </a:p>
         </p:txBody>
       </p:sp>
+      <p:pic>
+        <p:nvPicPr>
+          <p:cNvPr id="12" name="Imagem 11">
+            <a:extLst>
+              <a:ext uri="{FF2B5EF4-FFF2-40B4-BE49-F238E27FC236}">
+                <a16:creationId xmlns:a16="http://schemas.microsoft.com/office/drawing/2014/main" id="{A5389C4C-A553-DE92-41F6-EB36ED2A91E4}"/>
+              </a:ext>
+            </a:extLst>
+          </p:cNvPr>
+          <p:cNvPicPr>
+            <a:picLocks noChangeAspect="1"/>
+          </p:cNvPicPr>
+          <p:nvPr/>
+        </p:nvPicPr>
+        <p:blipFill>
+          <a:blip r:embed="rId3"/>
+          <a:stretch>
+            <a:fillRect/>
+          </a:stretch>
+        </p:blipFill>
+        <p:spPr>
+          <a:xfrm>
+            <a:off x="0" y="0"/>
+            <a:ext cx="2467319" cy="1400370"/>
+          </a:xfrm>
+          <a:prstGeom prst="rect">
+            <a:avLst/>
+          </a:prstGeom>
+        </p:spPr>
+      </p:pic>
     </p:spTree>
     <p:extLst>
       <p:ext uri="{BB962C8B-B14F-4D97-AF65-F5344CB8AC3E}">
@@ -3400,7 +3490,7 @@
 </file>
 
 <file path=ppt/slides/slide10.xml><?xml version="1.0" encoding="utf-8"?>
-<p:sld xmlns:a="http://schemas.openxmlformats.org/drawingml/2006/main" xmlns:r="http://schemas.openxmlformats.org/officeDocument/2006/relationships" xmlns:p="http://schemas.openxmlformats.org/presentationml/2006/main">
+<p:sld xmlns:a="http://schemas.openxmlformats.org/drawingml/2006/main" xmlns:r="http://schemas.openxmlformats.org/officeDocument/2006/relationships" xmlns:p="http://schemas.openxmlformats.org/presentationml/2006/main" show="0">
   <p:cSld>
     <p:spTree>
       <p:nvGrpSpPr>
@@ -3416,175 +3506,12 @@
           <a:chExt cx="0" cy="0"/>
         </a:xfrm>
       </p:grpSpPr>
-      <p:sp>
-        <p:nvSpPr>
-          <p:cNvPr id="2" name="Título 1">
-            <a:extLst>
-              <a:ext uri="{FF2B5EF4-FFF2-40B4-BE49-F238E27FC236}">
-                <a16:creationId xmlns:a16="http://schemas.microsoft.com/office/drawing/2014/main" id="{9FE0908B-4B6A-0719-A702-4AFC8DBB1D27}"/>
-              </a:ext>
-            </a:extLst>
-          </p:cNvPr>
-          <p:cNvSpPr>
-            <a:spLocks noGrp="1"/>
-          </p:cNvSpPr>
-          <p:nvPr>
-            <p:ph type="title"/>
-          </p:nvPr>
-        </p:nvSpPr>
-        <p:spPr/>
-        <p:txBody>
-          <a:bodyPr/>
-          <a:lstStyle/>
-          <a:p>
-            <a:r>
-              <a:rPr lang="en-US" dirty="0" err="1"/>
-              <a:t>Verificando</a:t>
-            </a:r>
-            <a:r>
-              <a:rPr lang="en-US" dirty="0"/>
-              <a:t> a </a:t>
-            </a:r>
-            <a:r>
-              <a:rPr lang="en-US" dirty="0" err="1"/>
-              <a:t>precisao</a:t>
-            </a:r>
-            <a:r>
-              <a:rPr lang="en-US" dirty="0"/>
-              <a:t> do </a:t>
-            </a:r>
-            <a:r>
-              <a:rPr lang="en-US" dirty="0" err="1"/>
-              <a:t>modelo</a:t>
-            </a:r>
-            <a:r>
-              <a:rPr lang="en-US" dirty="0"/>
-              <a:t> </a:t>
-            </a:r>
-            <a:endParaRPr lang="pt-BR" dirty="0"/>
-          </a:p>
-        </p:txBody>
-      </p:sp>
-      <p:sp>
-        <p:nvSpPr>
-          <p:cNvPr id="7" name="Espaço Reservado para Conteúdo 6">
-            <a:extLst>
-              <a:ext uri="{FF2B5EF4-FFF2-40B4-BE49-F238E27FC236}">
-                <a16:creationId xmlns:a16="http://schemas.microsoft.com/office/drawing/2014/main" id="{1064B16A-6B27-5E1B-3025-27D4BA583E0C}"/>
-              </a:ext>
-            </a:extLst>
-          </p:cNvPr>
-          <p:cNvSpPr>
-            <a:spLocks noGrp="1"/>
-          </p:cNvSpPr>
-          <p:nvPr>
-            <p:ph idx="1"/>
-          </p:nvPr>
-        </p:nvSpPr>
-        <p:spPr/>
-        <p:txBody>
-          <a:bodyPr/>
-          <a:lstStyle/>
-          <a:p>
-            <a:endParaRPr lang="pt-BR"/>
-          </a:p>
-        </p:txBody>
-      </p:sp>
-      <p:pic>
-        <p:nvPicPr>
-          <p:cNvPr id="9" name="Imagem 8">
-            <a:extLst>
-              <a:ext uri="{FF2B5EF4-FFF2-40B4-BE49-F238E27FC236}">
-                <a16:creationId xmlns:a16="http://schemas.microsoft.com/office/drawing/2014/main" id="{0EC6D6E2-A0DD-8FD7-F854-5100209EC1FA}"/>
-              </a:ext>
-            </a:extLst>
-          </p:cNvPr>
-          <p:cNvPicPr>
-            <a:picLocks noChangeAspect="1"/>
-          </p:cNvPicPr>
-          <p:nvPr/>
-        </p:nvPicPr>
-        <p:blipFill>
-          <a:blip r:embed="rId2"/>
-          <a:stretch>
-            <a:fillRect/>
-          </a:stretch>
-        </p:blipFill>
-        <p:spPr>
-          <a:xfrm>
-            <a:off x="1561467" y="2662844"/>
-            <a:ext cx="9069066" cy="2676899"/>
-          </a:xfrm>
-          <a:prstGeom prst="rect">
-            <a:avLst/>
-          </a:prstGeom>
-        </p:spPr>
-      </p:pic>
-    </p:spTree>
-    <p:extLst>
-      <p:ext uri="{BB962C8B-B14F-4D97-AF65-F5344CB8AC3E}">
-        <p14:creationId xmlns:p14="http://schemas.microsoft.com/office/powerpoint/2010/main" val="1422758442"/>
-      </p:ext>
-    </p:extLst>
-  </p:cSld>
-  <p:clrMapOvr>
-    <a:masterClrMapping/>
-  </p:clrMapOvr>
-</p:sld>
-</file>
-
-<file path=ppt/slides/slide11.xml><?xml version="1.0" encoding="utf-8"?>
-<p:sld xmlns:a="http://schemas.openxmlformats.org/drawingml/2006/main" xmlns:r="http://schemas.openxmlformats.org/officeDocument/2006/relationships" xmlns:p="http://schemas.openxmlformats.org/presentationml/2006/main">
-  <p:cSld>
-    <p:spTree>
-      <p:nvGrpSpPr>
-        <p:cNvPr id="1" name=""/>
-        <p:cNvGrpSpPr/>
-        <p:nvPr/>
-      </p:nvGrpSpPr>
-      <p:grpSpPr>
-        <a:xfrm>
-          <a:off x="0" y="0"/>
-          <a:ext cx="0" cy="0"/>
-          <a:chOff x="0" y="0"/>
-          <a:chExt cx="0" cy="0"/>
-        </a:xfrm>
-      </p:grpSpPr>
-      <p:sp>
-        <p:nvSpPr>
-          <p:cNvPr id="2" name="Título 1">
-            <a:extLst>
-              <a:ext uri="{FF2B5EF4-FFF2-40B4-BE49-F238E27FC236}">
-                <a16:creationId xmlns:a16="http://schemas.microsoft.com/office/drawing/2014/main" id="{6E30EA4A-63AD-B8BC-26CC-86942DF784A4}"/>
-              </a:ext>
-            </a:extLst>
-          </p:cNvPr>
-          <p:cNvSpPr>
-            <a:spLocks noGrp="1"/>
-          </p:cNvSpPr>
-          <p:nvPr>
-            <p:ph type="title"/>
-          </p:nvPr>
-        </p:nvSpPr>
-        <p:spPr/>
-        <p:txBody>
-          <a:bodyPr/>
-          <a:lstStyle/>
-          <a:p>
-            <a:r>
-              <a:rPr lang="pt-BR" dirty="0" err="1"/>
-              <a:t>XGBoost</a:t>
-            </a:r>
-            <a:endParaRPr lang="pt-BR" dirty="0"/>
-          </a:p>
-        </p:txBody>
-      </p:sp>
       <p:pic>
         <p:nvPicPr>
           <p:cNvPr id="5" name="Espaço Reservado para Conteúdo 4">
             <a:extLst>
               <a:ext uri="{FF2B5EF4-FFF2-40B4-BE49-F238E27FC236}">
-                <a16:creationId xmlns:a16="http://schemas.microsoft.com/office/drawing/2014/main" id="{6E12CB56-4EEA-5ACE-8282-A6CDAA59F81D}"/>
+                <a16:creationId xmlns:a16="http://schemas.microsoft.com/office/drawing/2014/main" id="{2F3E9F5D-7379-23EF-8660-125C133A4B83}"/>
               </a:ext>
             </a:extLst>
           </p:cNvPr>
@@ -3603,100 +3530,8 @@
         </p:blipFill>
         <p:spPr>
           <a:xfrm>
-            <a:off x="1547177" y="2672371"/>
-            <a:ext cx="9097645" cy="2657846"/>
-          </a:xfrm>
-        </p:spPr>
-      </p:pic>
-    </p:spTree>
-    <p:extLst>
-      <p:ext uri="{BB962C8B-B14F-4D97-AF65-F5344CB8AC3E}">
-        <p14:creationId xmlns:p14="http://schemas.microsoft.com/office/powerpoint/2010/main" val="2770328207"/>
-      </p:ext>
-    </p:extLst>
-  </p:cSld>
-  <p:clrMapOvr>
-    <a:masterClrMapping/>
-  </p:clrMapOvr>
-</p:sld>
-</file>
-
-<file path=ppt/slides/slide12.xml><?xml version="1.0" encoding="utf-8"?>
-<p:sld xmlns:a="http://schemas.openxmlformats.org/drawingml/2006/main" xmlns:r="http://schemas.openxmlformats.org/officeDocument/2006/relationships" xmlns:p="http://schemas.openxmlformats.org/presentationml/2006/main">
-  <p:cSld>
-    <p:spTree>
-      <p:nvGrpSpPr>
-        <p:cNvPr id="1" name=""/>
-        <p:cNvGrpSpPr/>
-        <p:nvPr/>
-      </p:nvGrpSpPr>
-      <p:grpSpPr>
-        <a:xfrm>
-          <a:off x="0" y="0"/>
-          <a:ext cx="0" cy="0"/>
-          <a:chOff x="0" y="0"/>
-          <a:chExt cx="0" cy="0"/>
-        </a:xfrm>
-      </p:grpSpPr>
-      <p:sp>
-        <p:nvSpPr>
-          <p:cNvPr id="2" name="Título 1">
-            <a:extLst>
-              <a:ext uri="{FF2B5EF4-FFF2-40B4-BE49-F238E27FC236}">
-                <a16:creationId xmlns:a16="http://schemas.microsoft.com/office/drawing/2014/main" id="{C64D8558-01D1-6B92-88DC-AA06F863B5EC}"/>
-              </a:ext>
-            </a:extLst>
-          </p:cNvPr>
-          <p:cNvSpPr>
-            <a:spLocks noGrp="1"/>
-          </p:cNvSpPr>
-          <p:nvPr>
-            <p:ph type="title"/>
-          </p:nvPr>
-        </p:nvSpPr>
-        <p:spPr/>
-        <p:txBody>
-          <a:bodyPr/>
-          <a:lstStyle/>
-          <a:p>
-            <a:r>
-              <a:rPr lang="en-US" dirty="0" err="1"/>
-              <a:t>Comparando</a:t>
-            </a:r>
-            <a:r>
-              <a:rPr lang="en-US" dirty="0"/>
-              <a:t> performance	</a:t>
-            </a:r>
-            <a:endParaRPr lang="pt-BR" dirty="0"/>
-          </a:p>
-        </p:txBody>
-      </p:sp>
-      <p:pic>
-        <p:nvPicPr>
-          <p:cNvPr id="5" name="Espaço Reservado para Conteúdo 4">
-            <a:extLst>
-              <a:ext uri="{FF2B5EF4-FFF2-40B4-BE49-F238E27FC236}">
-                <a16:creationId xmlns:a16="http://schemas.microsoft.com/office/drawing/2014/main" id="{62B40A39-0B57-049C-8B97-4E1288A1D81A}"/>
-              </a:ext>
-            </a:extLst>
-          </p:cNvPr>
-          <p:cNvPicPr>
-            <a:picLocks noGrp="1" noChangeAspect="1"/>
-          </p:cNvPicPr>
-          <p:nvPr>
-            <p:ph idx="1"/>
-          </p:nvPr>
-        </p:nvPicPr>
-        <p:blipFill>
-          <a:blip r:embed="rId2"/>
-          <a:stretch>
-            <a:fillRect/>
-          </a:stretch>
-        </p:blipFill>
-        <p:spPr>
-          <a:xfrm>
-            <a:off x="518030" y="1690688"/>
-            <a:ext cx="4906060" cy="2172003"/>
+            <a:off x="396950" y="207642"/>
+            <a:ext cx="4761280" cy="2994558"/>
           </a:xfrm>
         </p:spPr>
       </p:pic>
@@ -3705,7 +3540,7 @@
           <p:cNvPr id="7" name="Imagem 6">
             <a:extLst>
               <a:ext uri="{FF2B5EF4-FFF2-40B4-BE49-F238E27FC236}">
-                <a16:creationId xmlns:a16="http://schemas.microsoft.com/office/drawing/2014/main" id="{01BB8F05-20FE-B581-7600-DF7D48313C18}"/>
+                <a16:creationId xmlns:a16="http://schemas.microsoft.com/office/drawing/2014/main" id="{F8CDFB2C-C7D2-D7B4-5921-C6F97B7704F6}"/>
               </a:ext>
             </a:extLst>
           </p:cNvPr>
@@ -3722,8 +3557,188 @@
         </p:blipFill>
         <p:spPr>
           <a:xfrm>
-            <a:off x="6193660" y="1789340"/>
-            <a:ext cx="4563112" cy="2267266"/>
+            <a:off x="396950" y="3429000"/>
+            <a:ext cx="4566703" cy="3081150"/>
+          </a:xfrm>
+          <a:prstGeom prst="rect">
+            <a:avLst/>
+          </a:prstGeom>
+        </p:spPr>
+      </p:pic>
+      <p:pic>
+        <p:nvPicPr>
+          <p:cNvPr id="9" name="Imagem 8">
+            <a:extLst>
+              <a:ext uri="{FF2B5EF4-FFF2-40B4-BE49-F238E27FC236}">
+                <a16:creationId xmlns:a16="http://schemas.microsoft.com/office/drawing/2014/main" id="{DF39F100-497E-8526-4A83-C1F38BC1396B}"/>
+              </a:ext>
+            </a:extLst>
+          </p:cNvPr>
+          <p:cNvPicPr>
+            <a:picLocks noChangeAspect="1"/>
+          </p:cNvPicPr>
+          <p:nvPr/>
+        </p:nvPicPr>
+        <p:blipFill>
+          <a:blip r:embed="rId4"/>
+          <a:stretch>
+            <a:fillRect/>
+          </a:stretch>
+        </p:blipFill>
+        <p:spPr>
+          <a:xfrm>
+            <a:off x="6539481" y="207642"/>
+            <a:ext cx="4950383" cy="3081151"/>
+          </a:xfrm>
+          <a:prstGeom prst="rect">
+            <a:avLst/>
+          </a:prstGeom>
+        </p:spPr>
+      </p:pic>
+      <p:pic>
+        <p:nvPicPr>
+          <p:cNvPr id="13" name="Imagem 12">
+            <a:extLst>
+              <a:ext uri="{FF2B5EF4-FFF2-40B4-BE49-F238E27FC236}">
+                <a16:creationId xmlns:a16="http://schemas.microsoft.com/office/drawing/2014/main" id="{2519B8B7-7D79-6A29-20F1-CC14E66CED27}"/>
+              </a:ext>
+            </a:extLst>
+          </p:cNvPr>
+          <p:cNvPicPr>
+            <a:picLocks noChangeAspect="1"/>
+          </p:cNvPicPr>
+          <p:nvPr/>
+        </p:nvPicPr>
+        <p:blipFill>
+          <a:blip r:embed="rId5"/>
+          <a:stretch>
+            <a:fillRect/>
+          </a:stretch>
+        </p:blipFill>
+        <p:spPr>
+          <a:xfrm>
+            <a:off x="6683655" y="3300997"/>
+            <a:ext cx="4950384" cy="1576736"/>
+          </a:xfrm>
+          <a:prstGeom prst="rect">
+            <a:avLst/>
+          </a:prstGeom>
+        </p:spPr>
+      </p:pic>
+      <p:pic>
+        <p:nvPicPr>
+          <p:cNvPr id="17" name="Imagem 16">
+            <a:extLst>
+              <a:ext uri="{FF2B5EF4-FFF2-40B4-BE49-F238E27FC236}">
+                <a16:creationId xmlns:a16="http://schemas.microsoft.com/office/drawing/2014/main" id="{4EA3EF7F-C5D0-DA51-5DEA-8C50A0A96A6A}"/>
+              </a:ext>
+            </a:extLst>
+          </p:cNvPr>
+          <p:cNvPicPr>
+            <a:picLocks noChangeAspect="1"/>
+          </p:cNvPicPr>
+          <p:nvPr/>
+        </p:nvPicPr>
+        <p:blipFill>
+          <a:blip r:embed="rId6"/>
+          <a:stretch>
+            <a:fillRect/>
+          </a:stretch>
+        </p:blipFill>
+        <p:spPr>
+          <a:xfrm>
+            <a:off x="6825875" y="4969575"/>
+            <a:ext cx="4533980" cy="386458"/>
+          </a:xfrm>
+          <a:prstGeom prst="rect">
+            <a:avLst/>
+          </a:prstGeom>
+        </p:spPr>
+      </p:pic>
+      <p:pic>
+        <p:nvPicPr>
+          <p:cNvPr id="19" name="Imagem 18">
+            <a:extLst>
+              <a:ext uri="{FF2B5EF4-FFF2-40B4-BE49-F238E27FC236}">
+                <a16:creationId xmlns:a16="http://schemas.microsoft.com/office/drawing/2014/main" id="{E0E6BB02-6EB3-54EC-9D48-41B0018C41EB}"/>
+              </a:ext>
+            </a:extLst>
+          </p:cNvPr>
+          <p:cNvPicPr>
+            <a:picLocks noChangeAspect="1"/>
+          </p:cNvPicPr>
+          <p:nvPr/>
+        </p:nvPicPr>
+        <p:blipFill>
+          <a:blip r:embed="rId7"/>
+          <a:stretch>
+            <a:fillRect/>
+          </a:stretch>
+        </p:blipFill>
+        <p:spPr>
+          <a:xfrm>
+            <a:off x="4963653" y="5582833"/>
+            <a:ext cx="7228347" cy="745130"/>
+          </a:xfrm>
+          <a:prstGeom prst="rect">
+            <a:avLst/>
+          </a:prstGeom>
+        </p:spPr>
+      </p:pic>
+      <p:pic>
+        <p:nvPicPr>
+          <p:cNvPr id="2" name="Imagem 1">
+            <a:extLst>
+              <a:ext uri="{FF2B5EF4-FFF2-40B4-BE49-F238E27FC236}">
+                <a16:creationId xmlns:a16="http://schemas.microsoft.com/office/drawing/2014/main" id="{EECFEAE1-AB15-4A34-B9A4-F8F95B578A07}"/>
+              </a:ext>
+            </a:extLst>
+          </p:cNvPr>
+          <p:cNvPicPr>
+            <a:picLocks noChangeAspect="1"/>
+          </p:cNvPicPr>
+          <p:nvPr/>
+        </p:nvPicPr>
+        <p:blipFill>
+          <a:blip r:embed="rId8"/>
+          <a:stretch>
+            <a:fillRect/>
+          </a:stretch>
+        </p:blipFill>
+        <p:spPr>
+          <a:xfrm>
+            <a:off x="11390050" y="6414586"/>
+            <a:ext cx="801950" cy="443414"/>
+          </a:xfrm>
+          <a:prstGeom prst="rect">
+            <a:avLst/>
+          </a:prstGeom>
+        </p:spPr>
+      </p:pic>
+      <p:pic>
+        <p:nvPicPr>
+          <p:cNvPr id="3" name="Imagem 2">
+            <a:extLst>
+              <a:ext uri="{FF2B5EF4-FFF2-40B4-BE49-F238E27FC236}">
+                <a16:creationId xmlns:a16="http://schemas.microsoft.com/office/drawing/2014/main" id="{CD01E2BC-6FA0-87E1-CCCB-C325DFE07CF0}"/>
+              </a:ext>
+            </a:extLst>
+          </p:cNvPr>
+          <p:cNvPicPr>
+            <a:picLocks noChangeAspect="1"/>
+          </p:cNvPicPr>
+          <p:nvPr/>
+        </p:nvPicPr>
+        <p:blipFill>
+          <a:blip r:embed="rId9"/>
+          <a:stretch>
+            <a:fillRect/>
+          </a:stretch>
+        </p:blipFill>
+        <p:spPr>
+          <a:xfrm>
+            <a:off x="82834" y="6479108"/>
+            <a:ext cx="1000265" cy="314369"/>
           </a:xfrm>
           <a:prstGeom prst="rect">
             <a:avLst/>
@@ -3733,7 +3748,7 @@
     </p:spTree>
     <p:extLst>
       <p:ext uri="{BB962C8B-B14F-4D97-AF65-F5344CB8AC3E}">
-        <p14:creationId xmlns:p14="http://schemas.microsoft.com/office/powerpoint/2010/main" val="3006661486"/>
+        <p14:creationId xmlns:p14="http://schemas.microsoft.com/office/powerpoint/2010/main" val="2788693580"/>
       </p:ext>
     </p:extLst>
   </p:cSld>
@@ -3776,30 +3791,66 @@
             <p:ph type="title"/>
           </p:nvPr>
         </p:nvSpPr>
-        <p:spPr/>
+        <p:spPr>
+          <a:xfrm>
+            <a:off x="0" y="10019"/>
+            <a:ext cx="2343705" cy="745846"/>
+          </a:xfrm>
+          <a:ln w="57150">
+            <a:solidFill>
+              <a:srgbClr val="F7009B"/>
+            </a:solidFill>
+          </a:ln>
+        </p:spPr>
+        <p:style>
+          <a:lnRef idx="2">
+            <a:schemeClr val="accent1"/>
+          </a:lnRef>
+          <a:fillRef idx="1">
+            <a:schemeClr val="lt1"/>
+          </a:fillRef>
+          <a:effectRef idx="0">
+            <a:schemeClr val="accent1"/>
+          </a:effectRef>
+          <a:fontRef idx="minor">
+            <a:schemeClr val="dk1"/>
+          </a:fontRef>
+        </p:style>
         <p:txBody>
-          <a:bodyPr/>
+          <a:bodyPr>
+            <a:normAutofit/>
+          </a:bodyPr>
           <a:lstStyle/>
           <a:p>
-            <a:endParaRPr lang="pt-BR"/>
+            <a:r>
+              <a:rPr lang="en-US" sz="3500" b="1" dirty="0"/>
+              <a:t> O </a:t>
+            </a:r>
+            <a:r>
+              <a:rPr lang="en-US" sz="3500" b="1" dirty="0" err="1"/>
+              <a:t>Desafio</a:t>
+            </a:r>
+            <a:r>
+              <a:rPr lang="en-US" sz="3500" b="1" dirty="0"/>
+              <a:t> </a:t>
+            </a:r>
+            <a:endParaRPr lang="pt-BR" sz="3500" b="1" dirty="0"/>
           </a:p>
         </p:txBody>
       </p:sp>
       <p:pic>
         <p:nvPicPr>
-          <p:cNvPr id="5" name="Espaço Reservado para Conteúdo 4">
-            <a:extLst>
-              <a:ext uri="{FF2B5EF4-FFF2-40B4-BE49-F238E27FC236}">
-                <a16:creationId xmlns:a16="http://schemas.microsoft.com/office/drawing/2014/main" id="{D87BE835-9708-0AB7-3094-D8CAFF397A6D}"/>
+          <p:cNvPr id="6" name="Imagem 5">
+            <a:extLst>
+              <a:ext uri="{FF2B5EF4-FFF2-40B4-BE49-F238E27FC236}">
+                <a16:creationId xmlns:a16="http://schemas.microsoft.com/office/drawing/2014/main" id="{9F83DCA4-C06C-65AA-FA54-7DA7E45DD5E4}"/>
               </a:ext>
             </a:extLst>
           </p:cNvPr>
           <p:cNvPicPr>
-            <a:picLocks noGrp="1" noChangeAspect="1"/>
+            <a:picLocks noChangeAspect="1"/>
           </p:cNvPicPr>
-          <p:nvPr>
-            <p:ph idx="1"/>
-          </p:nvPr>
+          <p:nvPr/>
         </p:nvPicPr>
         <p:blipFill>
           <a:blip r:embed="rId2"/>
@@ -3809,11 +3860,378 @@
         </p:blipFill>
         <p:spPr>
           <a:xfrm>
-            <a:off x="838200" y="2338263"/>
-            <a:ext cx="10515600" cy="1159910"/>
+            <a:off x="1262105" y="3609422"/>
+            <a:ext cx="9667783" cy="1197683"/>
+          </a:xfrm>
+          <a:prstGeom prst="rect">
+            <a:avLst/>
+          </a:prstGeom>
+        </p:spPr>
+      </p:pic>
+      <p:sp>
+        <p:nvSpPr>
+          <p:cNvPr id="8" name="Espaço Reservado para Conteúdo 7">
+            <a:extLst>
+              <a:ext uri="{FF2B5EF4-FFF2-40B4-BE49-F238E27FC236}">
+                <a16:creationId xmlns:a16="http://schemas.microsoft.com/office/drawing/2014/main" id="{C9E8390C-9933-C27C-1AE4-BAADDEC46806}"/>
+              </a:ext>
+            </a:extLst>
+          </p:cNvPr>
+          <p:cNvSpPr>
+            <a:spLocks noGrp="1"/>
+          </p:cNvSpPr>
+          <p:nvPr>
+            <p:ph idx="1"/>
+          </p:nvPr>
+        </p:nvSpPr>
+        <p:spPr>
+          <a:xfrm>
+            <a:off x="740544" y="858453"/>
+            <a:ext cx="5624746" cy="3424373"/>
           </a:xfrm>
         </p:spPr>
+        <p:txBody>
+          <a:bodyPr>
+            <a:normAutofit/>
+          </a:bodyPr>
+          <a:lstStyle/>
+          <a:p>
+            <a:pPr>
+              <a:lnSpc>
+                <a:spcPct val="100000"/>
+              </a:lnSpc>
+            </a:pPr>
+            <a:r>
+              <a:rPr lang="en-US" dirty="0"/>
+              <a:t>Nos dados há 21 </a:t>
+            </a:r>
+            <a:r>
+              <a:rPr lang="en-US" dirty="0" err="1"/>
+              <a:t>colunas</a:t>
+            </a:r>
+            <a:r>
+              <a:rPr lang="en-US" dirty="0"/>
+              <a:t>, </a:t>
+            </a:r>
+            <a:r>
+              <a:rPr lang="en-US" dirty="0" err="1"/>
+              <a:t>sendo</a:t>
+            </a:r>
+            <a:r>
+              <a:rPr lang="en-US" dirty="0"/>
+              <a:t>:</a:t>
+            </a:r>
+          </a:p>
+          <a:p>
+            <a:pPr lvl="1">
+              <a:lnSpc>
+                <a:spcPct val="100000"/>
+              </a:lnSpc>
+            </a:pPr>
+            <a:r>
+              <a:rPr lang="en-US" dirty="0"/>
+              <a:t>Customer ID: ID do </a:t>
+            </a:r>
+            <a:r>
+              <a:rPr lang="en-US" dirty="0" err="1"/>
+              <a:t>cliente</a:t>
+            </a:r>
+            <a:r>
+              <a:rPr lang="en-US" dirty="0"/>
+              <a:t>;</a:t>
+            </a:r>
+          </a:p>
+          <a:p>
+            <a:pPr lvl="1">
+              <a:lnSpc>
+                <a:spcPct val="100000"/>
+              </a:lnSpc>
+            </a:pPr>
+            <a:r>
+              <a:rPr lang="en-US" dirty="0"/>
+              <a:t>Churn: </a:t>
+            </a:r>
+            <a:r>
+              <a:rPr lang="en-US" dirty="0" err="1"/>
+              <a:t>variável</a:t>
+            </a:r>
+            <a:r>
+              <a:rPr lang="en-US" dirty="0"/>
+              <a:t> </a:t>
+            </a:r>
+            <a:r>
+              <a:rPr lang="en-US" dirty="0" err="1"/>
+              <a:t>resposta</a:t>
+            </a:r>
+            <a:r>
+              <a:rPr lang="en-US" dirty="0"/>
+              <a:t>;</a:t>
+            </a:r>
+          </a:p>
+          <a:p>
+            <a:pPr lvl="1">
+              <a:lnSpc>
+                <a:spcPct val="100000"/>
+              </a:lnSpc>
+            </a:pPr>
+            <a:r>
+              <a:rPr lang="en-US" dirty="0"/>
+              <a:t>12 </a:t>
+            </a:r>
+            <a:r>
+              <a:rPr lang="en-US" dirty="0" err="1"/>
+              <a:t>binárias</a:t>
+            </a:r>
+            <a:r>
+              <a:rPr lang="en-US" dirty="0"/>
+              <a:t>: 11 sim </a:t>
+            </a:r>
+            <a:r>
+              <a:rPr lang="en-US" dirty="0" err="1"/>
+              <a:t>ou</a:t>
+            </a:r>
+            <a:r>
+              <a:rPr lang="en-US" dirty="0"/>
+              <a:t> </a:t>
+            </a:r>
+            <a:r>
+              <a:rPr lang="en-US" dirty="0" err="1"/>
+              <a:t>não</a:t>
+            </a:r>
+            <a:r>
+              <a:rPr lang="en-US" dirty="0"/>
+              <a:t> e </a:t>
+            </a:r>
+            <a:r>
+              <a:rPr lang="en-US" dirty="0" err="1"/>
+              <a:t>gênero</a:t>
+            </a:r>
+            <a:r>
+              <a:rPr lang="en-US" dirty="0"/>
+              <a:t>;</a:t>
+            </a:r>
+          </a:p>
+          <a:p>
+            <a:pPr lvl="1">
+              <a:lnSpc>
+                <a:spcPct val="100000"/>
+              </a:lnSpc>
+            </a:pPr>
+            <a:r>
+              <a:rPr lang="en-US" dirty="0"/>
+              <a:t>3 </a:t>
+            </a:r>
+            <a:r>
+              <a:rPr lang="en-US" dirty="0" err="1"/>
+              <a:t>categóricas</a:t>
+            </a:r>
+            <a:r>
+              <a:rPr lang="en-US" dirty="0"/>
+              <a:t> com </a:t>
+            </a:r>
+            <a:r>
+              <a:rPr lang="en-US" dirty="0" err="1"/>
+              <a:t>mais</a:t>
+            </a:r>
+            <a:r>
+              <a:rPr lang="en-US" dirty="0"/>
+              <a:t> de 2 </a:t>
+            </a:r>
+            <a:r>
+              <a:rPr lang="en-US" dirty="0" err="1"/>
+              <a:t>níveis</a:t>
+            </a:r>
+            <a:r>
+              <a:rPr lang="en-US" dirty="0"/>
+              <a:t>;</a:t>
+            </a:r>
+          </a:p>
+          <a:p>
+            <a:pPr lvl="1">
+              <a:lnSpc>
+                <a:spcPct val="100000"/>
+              </a:lnSpc>
+            </a:pPr>
+            <a:r>
+              <a:rPr lang="en-US" dirty="0"/>
+              <a:t>2 </a:t>
+            </a:r>
+            <a:r>
+              <a:rPr lang="en-US" dirty="0" err="1"/>
+              <a:t>numéricas</a:t>
+            </a:r>
+            <a:endParaRPr lang="en-US" dirty="0"/>
+          </a:p>
+        </p:txBody>
+      </p:sp>
+      <p:pic>
+        <p:nvPicPr>
+          <p:cNvPr id="10" name="Imagem 9">
+            <a:extLst>
+              <a:ext uri="{FF2B5EF4-FFF2-40B4-BE49-F238E27FC236}">
+                <a16:creationId xmlns:a16="http://schemas.microsoft.com/office/drawing/2014/main" id="{8CE143F3-A970-C892-9F87-BDB936665CD3}"/>
+              </a:ext>
+            </a:extLst>
+          </p:cNvPr>
+          <p:cNvPicPr>
+            <a:picLocks noChangeAspect="1"/>
+          </p:cNvPicPr>
+          <p:nvPr/>
+        </p:nvPicPr>
+        <p:blipFill>
+          <a:blip r:embed="rId3"/>
+          <a:stretch>
+            <a:fillRect/>
+          </a:stretch>
+        </p:blipFill>
+        <p:spPr>
+          <a:xfrm>
+            <a:off x="-4" y="4811665"/>
+            <a:ext cx="12192000" cy="1268023"/>
+          </a:xfrm>
+          <a:prstGeom prst="rect">
+            <a:avLst/>
+          </a:prstGeom>
+        </p:spPr>
       </p:pic>
+      <p:sp>
+        <p:nvSpPr>
+          <p:cNvPr id="13" name="CaixaDeTexto 12">
+            <a:extLst>
+              <a:ext uri="{FF2B5EF4-FFF2-40B4-BE49-F238E27FC236}">
+                <a16:creationId xmlns:a16="http://schemas.microsoft.com/office/drawing/2014/main" id="{635BD543-F5CD-7B3D-DD7E-F2B650D2212D}"/>
+              </a:ext>
+            </a:extLst>
+          </p:cNvPr>
+          <p:cNvSpPr txBox="1"/>
+          <p:nvPr/>
+        </p:nvSpPr>
+        <p:spPr>
+          <a:xfrm>
+            <a:off x="6997082" y="858453"/>
+            <a:ext cx="4243526" cy="954107"/>
+          </a:xfrm>
+          <a:prstGeom prst="rect">
+            <a:avLst/>
+          </a:prstGeom>
+          <a:noFill/>
+        </p:spPr>
+        <p:txBody>
+          <a:bodyPr wrap="square">
+            <a:spAutoFit/>
+          </a:bodyPr>
+          <a:lstStyle/>
+          <a:p>
+            <a:pPr marL="285750" indent="-285750">
+              <a:buFont typeface="Arial" panose="020B0604020202020204" pitchFamily="34" charset="0"/>
+              <a:buChar char="•"/>
+            </a:pPr>
+            <a:r>
+              <a:rPr lang="en-US" sz="2800" dirty="0" err="1"/>
+              <a:t>Pode</a:t>
+            </a:r>
+            <a:r>
+              <a:rPr lang="en-US" sz="2800" dirty="0"/>
+              <a:t>-se </a:t>
+            </a:r>
+            <a:r>
+              <a:rPr lang="en-US" sz="2800" dirty="0" err="1"/>
+              <a:t>observar</a:t>
+            </a:r>
+            <a:r>
+              <a:rPr lang="en-US" sz="2800" dirty="0"/>
+              <a:t> que há </a:t>
+            </a:r>
+            <a:r>
+              <a:rPr lang="en-US" sz="2800" u="sng" dirty="0">
+                <a:highlight>
+                  <a:srgbClr val="FFFF00"/>
+                </a:highlight>
+              </a:rPr>
+              <a:t>1.869 churns</a:t>
+            </a:r>
+            <a:r>
+              <a:rPr lang="en-US" sz="2800" dirty="0">
+                <a:highlight>
+                  <a:srgbClr val="FFFF00"/>
+                </a:highlight>
+              </a:rPr>
+              <a:t> (26.53%)</a:t>
+            </a:r>
+            <a:endParaRPr lang="pt-BR" sz="2800" dirty="0">
+              <a:highlight>
+                <a:srgbClr val="FFFF00"/>
+              </a:highlight>
+            </a:endParaRPr>
+          </a:p>
+        </p:txBody>
+      </p:sp>
+      <p:pic>
+        <p:nvPicPr>
+          <p:cNvPr id="14" name="Imagem 13">
+            <a:extLst>
+              <a:ext uri="{FF2B5EF4-FFF2-40B4-BE49-F238E27FC236}">
+                <a16:creationId xmlns:a16="http://schemas.microsoft.com/office/drawing/2014/main" id="{904F46A2-623C-B3A6-9BB9-D47C005B632F}"/>
+              </a:ext>
+            </a:extLst>
+          </p:cNvPr>
+          <p:cNvPicPr>
+            <a:picLocks noChangeAspect="1"/>
+          </p:cNvPicPr>
+          <p:nvPr/>
+        </p:nvPicPr>
+        <p:blipFill>
+          <a:blip r:embed="rId4"/>
+          <a:stretch>
+            <a:fillRect/>
+          </a:stretch>
+        </p:blipFill>
+        <p:spPr>
+          <a:xfrm>
+            <a:off x="11390050" y="6414586"/>
+            <a:ext cx="801950" cy="443414"/>
+          </a:xfrm>
+          <a:prstGeom prst="rect">
+            <a:avLst/>
+          </a:prstGeom>
+        </p:spPr>
+      </p:pic>
+      <p:sp>
+        <p:nvSpPr>
+          <p:cNvPr id="15" name="CaixaDeTexto 14">
+            <a:extLst>
+              <a:ext uri="{FF2B5EF4-FFF2-40B4-BE49-F238E27FC236}">
+                <a16:creationId xmlns:a16="http://schemas.microsoft.com/office/drawing/2014/main" id="{F020636C-8230-34C6-78F7-58D9483DB622}"/>
+              </a:ext>
+            </a:extLst>
+          </p:cNvPr>
+          <p:cNvSpPr txBox="1"/>
+          <p:nvPr/>
+        </p:nvSpPr>
+        <p:spPr>
+          <a:xfrm>
+            <a:off x="0" y="6519621"/>
+            <a:ext cx="1075675" cy="307777"/>
+          </a:xfrm>
+          <a:prstGeom prst="rect">
+            <a:avLst/>
+          </a:prstGeom>
+          <a:noFill/>
+        </p:spPr>
+        <p:txBody>
+          <a:bodyPr wrap="square" rtlCol="0">
+            <a:spAutoFit/>
+          </a:bodyPr>
+          <a:lstStyle/>
+          <a:p>
+            <a:r>
+              <a:rPr lang="en-US" sz="1400" dirty="0"/>
+              <a:t>Felipe Petri</a:t>
+            </a:r>
+            <a:endParaRPr lang="pt-BR" sz="1400" dirty="0"/>
+          </a:p>
+        </p:txBody>
+      </p:sp>
     </p:spTree>
     <p:extLst>
       <p:ext uri="{BB962C8B-B14F-4D97-AF65-F5344CB8AC3E}">
@@ -3844,46 +4262,19 @@
           <a:chExt cx="0" cy="0"/>
         </a:xfrm>
       </p:grpSpPr>
-      <p:sp>
-        <p:nvSpPr>
-          <p:cNvPr id="2" name="Título 1">
-            <a:extLst>
-              <a:ext uri="{FF2B5EF4-FFF2-40B4-BE49-F238E27FC236}">
-                <a16:creationId xmlns:a16="http://schemas.microsoft.com/office/drawing/2014/main" id="{84AA92E3-4D60-2382-7E07-004E75951301}"/>
-              </a:ext>
-            </a:extLst>
-          </p:cNvPr>
-          <p:cNvSpPr>
-            <a:spLocks noGrp="1"/>
-          </p:cNvSpPr>
-          <p:nvPr>
-            <p:ph type="title"/>
-          </p:nvPr>
-        </p:nvSpPr>
-        <p:spPr/>
-        <p:txBody>
-          <a:bodyPr/>
-          <a:lstStyle/>
-          <a:p>
-            <a:endParaRPr lang="pt-BR"/>
-          </a:p>
-        </p:txBody>
-      </p:sp>
       <p:pic>
         <p:nvPicPr>
-          <p:cNvPr id="5" name="Espaço Reservado para Conteúdo 4">
-            <a:extLst>
-              <a:ext uri="{FF2B5EF4-FFF2-40B4-BE49-F238E27FC236}">
-                <a16:creationId xmlns:a16="http://schemas.microsoft.com/office/drawing/2014/main" id="{77F0B3AD-14CE-8B65-21D0-76786DE52942}"/>
+          <p:cNvPr id="5" name="Imagem 4">
+            <a:extLst>
+              <a:ext uri="{FF2B5EF4-FFF2-40B4-BE49-F238E27FC236}">
+                <a16:creationId xmlns:a16="http://schemas.microsoft.com/office/drawing/2014/main" id="{D3F0941A-9E40-A620-5AA3-DCA2B357BA3A}"/>
               </a:ext>
             </a:extLst>
           </p:cNvPr>
           <p:cNvPicPr>
-            <a:picLocks noGrp="1" noChangeAspect="1"/>
+            <a:picLocks noChangeAspect="1"/>
           </p:cNvPicPr>
-          <p:nvPr>
-            <p:ph idx="1"/>
-          </p:nvPr>
+          <p:nvPr/>
         </p:nvPicPr>
         <p:blipFill>
           <a:blip r:embed="rId2"/>
@@ -3893,15 +4284,413 @@
         </p:blipFill>
         <p:spPr>
           <a:xfrm>
-            <a:off x="389708" y="2417818"/>
-            <a:ext cx="11412583" cy="1325563"/>
+            <a:off x="6169980" y="1992302"/>
+            <a:ext cx="5214763" cy="3658316"/>
           </a:xfrm>
+          <a:prstGeom prst="rect">
+            <a:avLst/>
+          </a:prstGeom>
+        </p:spPr>
+      </p:pic>
+      <p:sp>
+        <p:nvSpPr>
+          <p:cNvPr id="4" name="Título 1">
+            <a:extLst>
+              <a:ext uri="{FF2B5EF4-FFF2-40B4-BE49-F238E27FC236}">
+                <a16:creationId xmlns:a16="http://schemas.microsoft.com/office/drawing/2014/main" id="{A2C3390D-8148-CCFD-731A-EF7CD60C8DEC}"/>
+              </a:ext>
+            </a:extLst>
+          </p:cNvPr>
+          <p:cNvSpPr txBox="1">
+            <a:spLocks/>
+          </p:cNvSpPr>
+          <p:nvPr/>
+        </p:nvSpPr>
+        <p:spPr>
+          <a:xfrm>
+            <a:off x="0" y="10019"/>
+            <a:ext cx="3053918" cy="745846"/>
+          </a:xfrm>
+          <a:prstGeom prst="rect">
+            <a:avLst/>
+          </a:prstGeom>
+          <a:ln w="57150" cap="flat" cmpd="sng" algn="ctr">
+            <a:solidFill>
+              <a:srgbClr val="F7009B"/>
+            </a:solidFill>
+            <a:prstDash val="solid"/>
+            <a:miter lim="800000"/>
+          </a:ln>
+        </p:spPr>
+        <p:style>
+          <a:lnRef idx="2">
+            <a:schemeClr val="accent1"/>
+          </a:lnRef>
+          <a:fillRef idx="1">
+            <a:schemeClr val="lt1"/>
+          </a:fillRef>
+          <a:effectRef idx="0">
+            <a:schemeClr val="accent1"/>
+          </a:effectRef>
+          <a:fontRef idx="minor">
+            <a:schemeClr val="dk1"/>
+          </a:fontRef>
+        </p:style>
+        <p:txBody>
+          <a:bodyPr vert="horz" lIns="91440" tIns="45720" rIns="91440" bIns="45720" rtlCol="0" anchor="ctr">
+            <a:normAutofit fontScale="77500" lnSpcReduction="20000"/>
+          </a:bodyPr>
+          <a:lstStyle>
+            <a:lvl1pPr algn="l" defTabSz="914400" rtl="0" eaLnBrk="1" latinLnBrk="0" hangingPunct="1">
+              <a:lnSpc>
+                <a:spcPct val="90000"/>
+              </a:lnSpc>
+              <a:spcBef>
+                <a:spcPct val="0"/>
+              </a:spcBef>
+              <a:buNone/>
+              <a:defRPr sz="4400" kern="1200">
+                <a:solidFill>
+                  <a:schemeClr val="dk1"/>
+                </a:solidFill>
+                <a:latin typeface="+mn-lt"/>
+                <a:ea typeface="+mn-ea"/>
+                <a:cs typeface="+mn-cs"/>
+              </a:defRPr>
+            </a:lvl1pPr>
+            <a:lvl2pPr>
+              <a:defRPr>
+                <a:solidFill>
+                  <a:schemeClr val="dk1"/>
+                </a:solidFill>
+                <a:latin typeface="+mn-lt"/>
+                <a:ea typeface="+mn-ea"/>
+                <a:cs typeface="+mn-cs"/>
+              </a:defRPr>
+            </a:lvl2pPr>
+            <a:lvl3pPr>
+              <a:defRPr>
+                <a:solidFill>
+                  <a:schemeClr val="dk1"/>
+                </a:solidFill>
+                <a:latin typeface="+mn-lt"/>
+                <a:ea typeface="+mn-ea"/>
+                <a:cs typeface="+mn-cs"/>
+              </a:defRPr>
+            </a:lvl3pPr>
+            <a:lvl4pPr>
+              <a:defRPr>
+                <a:solidFill>
+                  <a:schemeClr val="dk1"/>
+                </a:solidFill>
+                <a:latin typeface="+mn-lt"/>
+                <a:ea typeface="+mn-ea"/>
+                <a:cs typeface="+mn-cs"/>
+              </a:defRPr>
+            </a:lvl4pPr>
+            <a:lvl5pPr>
+              <a:defRPr>
+                <a:solidFill>
+                  <a:schemeClr val="dk1"/>
+                </a:solidFill>
+                <a:latin typeface="+mn-lt"/>
+                <a:ea typeface="+mn-ea"/>
+                <a:cs typeface="+mn-cs"/>
+              </a:defRPr>
+            </a:lvl5pPr>
+            <a:lvl6pPr>
+              <a:defRPr>
+                <a:solidFill>
+                  <a:schemeClr val="dk1"/>
+                </a:solidFill>
+                <a:latin typeface="+mn-lt"/>
+                <a:ea typeface="+mn-ea"/>
+                <a:cs typeface="+mn-cs"/>
+              </a:defRPr>
+            </a:lvl6pPr>
+            <a:lvl7pPr>
+              <a:defRPr>
+                <a:solidFill>
+                  <a:schemeClr val="dk1"/>
+                </a:solidFill>
+                <a:latin typeface="+mn-lt"/>
+                <a:ea typeface="+mn-ea"/>
+                <a:cs typeface="+mn-cs"/>
+              </a:defRPr>
+            </a:lvl7pPr>
+            <a:lvl8pPr>
+              <a:defRPr>
+                <a:solidFill>
+                  <a:schemeClr val="dk1"/>
+                </a:solidFill>
+                <a:latin typeface="+mn-lt"/>
+                <a:ea typeface="+mn-ea"/>
+                <a:cs typeface="+mn-cs"/>
+              </a:defRPr>
+            </a:lvl8pPr>
+            <a:lvl9pPr>
+              <a:defRPr>
+                <a:solidFill>
+                  <a:schemeClr val="dk1"/>
+                </a:solidFill>
+                <a:latin typeface="+mn-lt"/>
+                <a:ea typeface="+mn-ea"/>
+                <a:cs typeface="+mn-cs"/>
+              </a:defRPr>
+            </a:lvl9pPr>
+          </a:lstStyle>
+          <a:p>
+            <a:r>
+              <a:rPr lang="en-US" sz="3500" b="1" dirty="0"/>
+              <a:t> </a:t>
+            </a:r>
+            <a:r>
+              <a:rPr lang="en-US" sz="3500" b="1" dirty="0" err="1"/>
+              <a:t>Análise</a:t>
+            </a:r>
+            <a:r>
+              <a:rPr lang="en-US" sz="3500" b="1" dirty="0"/>
+              <a:t> dos dados</a:t>
+            </a:r>
+            <a:endParaRPr lang="pt-BR" sz="3500" b="1" dirty="0"/>
+          </a:p>
+        </p:txBody>
+      </p:sp>
+      <p:sp>
+        <p:nvSpPr>
+          <p:cNvPr id="8" name="Espaço Reservado para Conteúdo 7">
+            <a:extLst>
+              <a:ext uri="{FF2B5EF4-FFF2-40B4-BE49-F238E27FC236}">
+                <a16:creationId xmlns:a16="http://schemas.microsoft.com/office/drawing/2014/main" id="{5CA999A7-4BE6-13ED-1539-A5062BA0B9DF}"/>
+              </a:ext>
+            </a:extLst>
+          </p:cNvPr>
+          <p:cNvSpPr>
+            <a:spLocks noGrp="1"/>
+          </p:cNvSpPr>
+          <p:nvPr>
+            <p:ph idx="1"/>
+          </p:nvPr>
+        </p:nvSpPr>
+        <p:spPr>
+          <a:xfrm>
+            <a:off x="287782" y="1557296"/>
+            <a:ext cx="5808218" cy="4711635"/>
+          </a:xfrm>
+        </p:spPr>
+        <p:txBody>
+          <a:bodyPr>
+            <a:normAutofit/>
+          </a:bodyPr>
+          <a:lstStyle/>
+          <a:p>
+            <a:pPr>
+              <a:lnSpc>
+                <a:spcPct val="150000"/>
+              </a:lnSpc>
+            </a:pPr>
+            <a:r>
+              <a:rPr lang="en-US" dirty="0"/>
+              <a:t>Dados </a:t>
+            </a:r>
+            <a:r>
+              <a:rPr lang="en-US" dirty="0" err="1"/>
+              <a:t>separados</a:t>
+            </a:r>
+            <a:r>
+              <a:rPr lang="en-US" dirty="0"/>
+              <a:t> </a:t>
+            </a:r>
+            <a:r>
+              <a:rPr lang="en-US" dirty="0" err="1"/>
+              <a:t>aleatoriamente</a:t>
+            </a:r>
+            <a:r>
+              <a:rPr lang="en-US" dirty="0"/>
+              <a:t> </a:t>
+            </a:r>
+            <a:r>
+              <a:rPr lang="en-US" dirty="0" err="1"/>
+              <a:t>em</a:t>
+            </a:r>
+            <a:r>
+              <a:rPr lang="en-US" dirty="0"/>
+              <a:t> 70% </a:t>
+            </a:r>
+            <a:r>
+              <a:rPr lang="en-US" dirty="0" err="1"/>
+              <a:t>treino</a:t>
+            </a:r>
+            <a:r>
+              <a:rPr lang="en-US" dirty="0"/>
+              <a:t> e 30% teste;</a:t>
+            </a:r>
+          </a:p>
+          <a:p>
+            <a:pPr>
+              <a:lnSpc>
+                <a:spcPct val="150000"/>
+              </a:lnSpc>
+            </a:pPr>
+            <a:r>
+              <a:rPr lang="en-US" dirty="0" err="1"/>
+              <a:t>Análise</a:t>
+            </a:r>
+            <a:r>
+              <a:rPr lang="en-US" dirty="0"/>
+              <a:t> </a:t>
+            </a:r>
+            <a:r>
+              <a:rPr lang="en-US" dirty="0" err="1"/>
+              <a:t>foi</a:t>
+            </a:r>
+            <a:r>
+              <a:rPr lang="en-US" dirty="0"/>
+              <a:t> </a:t>
+            </a:r>
+            <a:r>
+              <a:rPr lang="en-US" dirty="0" err="1"/>
+              <a:t>realizada</a:t>
+            </a:r>
+            <a:r>
+              <a:rPr lang="en-US" dirty="0"/>
+              <a:t> </a:t>
+            </a:r>
+            <a:r>
+              <a:rPr lang="en-US" dirty="0" err="1"/>
+              <a:t>comparando</a:t>
+            </a:r>
+            <a:r>
+              <a:rPr lang="en-US" dirty="0"/>
+              <a:t> </a:t>
+            </a:r>
+            <a:r>
+              <a:rPr lang="en-US" dirty="0" err="1"/>
+              <a:t>variáveis</a:t>
+            </a:r>
+            <a:r>
+              <a:rPr lang="en-US" dirty="0"/>
+              <a:t> com a </a:t>
+            </a:r>
+            <a:r>
+              <a:rPr lang="en-US" dirty="0" err="1"/>
+              <a:t>resposta</a:t>
+            </a:r>
+            <a:r>
+              <a:rPr lang="en-US" dirty="0"/>
+              <a:t> (Churn);</a:t>
+            </a:r>
+          </a:p>
+          <a:p>
+            <a:pPr>
+              <a:lnSpc>
+                <a:spcPct val="150000"/>
+              </a:lnSpc>
+            </a:pPr>
+            <a:r>
+              <a:rPr lang="en-US" dirty="0"/>
+              <a:t>Há </a:t>
+            </a:r>
+            <a:r>
+              <a:rPr lang="en-US" dirty="0" err="1"/>
+              <a:t>mais</a:t>
+            </a:r>
+            <a:r>
+              <a:rPr lang="en-US" dirty="0"/>
+              <a:t> </a:t>
+            </a:r>
+            <a:r>
+              <a:rPr lang="en-US" dirty="0" err="1"/>
+              <a:t>pessoas</a:t>
+            </a:r>
+            <a:r>
+              <a:rPr lang="en-US" dirty="0"/>
+              <a:t> </a:t>
+            </a:r>
+            <a:r>
+              <a:rPr lang="en-US" dirty="0" err="1"/>
+              <a:t>sem</a:t>
+            </a:r>
+            <a:r>
+              <a:rPr lang="en-US" dirty="0"/>
+              <a:t> churn do que com churn (dados </a:t>
+            </a:r>
+            <a:r>
+              <a:rPr lang="en-US" dirty="0" err="1"/>
+              <a:t>desbalanceados</a:t>
+            </a:r>
+            <a:r>
+              <a:rPr lang="en-US" dirty="0"/>
+              <a:t>);</a:t>
+            </a:r>
+            <a:endParaRPr lang="pt-BR" dirty="0"/>
+          </a:p>
+        </p:txBody>
+      </p:sp>
+      <p:pic>
+        <p:nvPicPr>
+          <p:cNvPr id="10" name="Imagem 9">
+            <a:extLst>
+              <a:ext uri="{FF2B5EF4-FFF2-40B4-BE49-F238E27FC236}">
+                <a16:creationId xmlns:a16="http://schemas.microsoft.com/office/drawing/2014/main" id="{1DCB88DD-67A9-1CF5-10E3-A1074DFEF590}"/>
+              </a:ext>
+            </a:extLst>
+          </p:cNvPr>
+          <p:cNvPicPr>
+            <a:picLocks noChangeAspect="1"/>
+          </p:cNvPicPr>
+          <p:nvPr/>
+        </p:nvPicPr>
+        <p:blipFill>
+          <a:blip r:embed="rId3"/>
+          <a:stretch>
+            <a:fillRect/>
+          </a:stretch>
+        </p:blipFill>
+        <p:spPr>
+          <a:xfrm>
+            <a:off x="11390050" y="6414586"/>
+            <a:ext cx="801950" cy="443414"/>
+          </a:xfrm>
+          <a:prstGeom prst="rect">
+            <a:avLst/>
+          </a:prstGeom>
+        </p:spPr>
+      </p:pic>
+      <p:pic>
+        <p:nvPicPr>
+          <p:cNvPr id="14" name="Imagem 13">
+            <a:extLst>
+              <a:ext uri="{FF2B5EF4-FFF2-40B4-BE49-F238E27FC236}">
+                <a16:creationId xmlns:a16="http://schemas.microsoft.com/office/drawing/2014/main" id="{74C32F48-7568-F2C5-9E3E-3650413AA34F}"/>
+              </a:ext>
+            </a:extLst>
+          </p:cNvPr>
+          <p:cNvPicPr>
+            <a:picLocks noChangeAspect="1"/>
+          </p:cNvPicPr>
+          <p:nvPr/>
+        </p:nvPicPr>
+        <p:blipFill>
+          <a:blip r:embed="rId4"/>
+          <a:stretch>
+            <a:fillRect/>
+          </a:stretch>
+        </p:blipFill>
+        <p:spPr>
+          <a:xfrm>
+            <a:off x="82834" y="6479108"/>
+            <a:ext cx="1000265" cy="314369"/>
+          </a:xfrm>
+          <a:prstGeom prst="rect">
+            <a:avLst/>
+          </a:prstGeom>
         </p:spPr>
       </p:pic>
     </p:spTree>
     <p:extLst>
       <p:ext uri="{BB962C8B-B14F-4D97-AF65-F5344CB8AC3E}">
-        <p14:creationId xmlns:p14="http://schemas.microsoft.com/office/powerpoint/2010/main" val="823911373"/>
+        <p14:creationId xmlns:p14="http://schemas.microsoft.com/office/powerpoint/2010/main" val="1037271809"/>
       </p:ext>
     </p:extLst>
   </p:cSld>
@@ -3930,51 +4719,174 @@
       </p:grpSpPr>
       <p:sp>
         <p:nvSpPr>
-          <p:cNvPr id="2" name="Título 1">
-            <a:extLst>
-              <a:ext uri="{FF2B5EF4-FFF2-40B4-BE49-F238E27FC236}">
-                <a16:creationId xmlns:a16="http://schemas.microsoft.com/office/drawing/2014/main" id="{1017B6AF-CB01-561D-F050-4C557438082B}"/>
-              </a:ext>
-            </a:extLst>
-          </p:cNvPr>
-          <p:cNvSpPr>
-            <a:spLocks noGrp="1"/>
+          <p:cNvPr id="4" name="Título 1">
+            <a:extLst>
+              <a:ext uri="{FF2B5EF4-FFF2-40B4-BE49-F238E27FC236}">
+                <a16:creationId xmlns:a16="http://schemas.microsoft.com/office/drawing/2014/main" id="{A2C3390D-8148-CCFD-731A-EF7CD60C8DEC}"/>
+              </a:ext>
+            </a:extLst>
+          </p:cNvPr>
+          <p:cNvSpPr txBox="1">
+            <a:spLocks/>
           </p:cNvSpPr>
-          <p:nvPr>
-            <p:ph type="title"/>
-          </p:nvPr>
+          <p:nvPr/>
         </p:nvSpPr>
-        <p:spPr/>
+        <p:spPr>
+          <a:xfrm>
+            <a:off x="0" y="10019"/>
+            <a:ext cx="3053918" cy="745846"/>
+          </a:xfrm>
+          <a:prstGeom prst="rect">
+            <a:avLst/>
+          </a:prstGeom>
+          <a:ln w="57150" cap="flat" cmpd="sng" algn="ctr">
+            <a:solidFill>
+              <a:srgbClr val="F7009B"/>
+            </a:solidFill>
+            <a:prstDash val="solid"/>
+            <a:miter lim="800000"/>
+          </a:ln>
+        </p:spPr>
+        <p:style>
+          <a:lnRef idx="2">
+            <a:schemeClr val="accent1"/>
+          </a:lnRef>
+          <a:fillRef idx="1">
+            <a:schemeClr val="lt1"/>
+          </a:fillRef>
+          <a:effectRef idx="0">
+            <a:schemeClr val="accent1"/>
+          </a:effectRef>
+          <a:fontRef idx="minor">
+            <a:schemeClr val="dk1"/>
+          </a:fontRef>
+        </p:style>
         <p:txBody>
-          <a:bodyPr/>
-          <a:lstStyle/>
-          <a:p>
-            <a:r>
-              <a:rPr lang="en-US" dirty="0" err="1"/>
-              <a:t>Verificando</a:t>
-            </a:r>
-            <a:r>
-              <a:rPr lang="en-US" dirty="0"/>
+          <a:bodyPr vert="horz" lIns="91440" tIns="45720" rIns="91440" bIns="45720" rtlCol="0" anchor="ctr">
+            <a:normAutofit fontScale="77500" lnSpcReduction="20000"/>
+          </a:bodyPr>
+          <a:lstStyle>
+            <a:lvl1pPr algn="l" defTabSz="914400" rtl="0" eaLnBrk="1" latinLnBrk="0" hangingPunct="1">
+              <a:lnSpc>
+                <a:spcPct val="90000"/>
+              </a:lnSpc>
+              <a:spcBef>
+                <a:spcPct val="0"/>
+              </a:spcBef>
+              <a:buNone/>
+              <a:defRPr sz="4400" kern="1200">
+                <a:solidFill>
+                  <a:schemeClr val="dk1"/>
+                </a:solidFill>
+                <a:latin typeface="+mn-lt"/>
+                <a:ea typeface="+mn-ea"/>
+                <a:cs typeface="+mn-cs"/>
+              </a:defRPr>
+            </a:lvl1pPr>
+            <a:lvl2pPr>
+              <a:defRPr>
+                <a:solidFill>
+                  <a:schemeClr val="dk1"/>
+                </a:solidFill>
+                <a:latin typeface="+mn-lt"/>
+                <a:ea typeface="+mn-ea"/>
+                <a:cs typeface="+mn-cs"/>
+              </a:defRPr>
+            </a:lvl2pPr>
+            <a:lvl3pPr>
+              <a:defRPr>
+                <a:solidFill>
+                  <a:schemeClr val="dk1"/>
+                </a:solidFill>
+                <a:latin typeface="+mn-lt"/>
+                <a:ea typeface="+mn-ea"/>
+                <a:cs typeface="+mn-cs"/>
+              </a:defRPr>
+            </a:lvl3pPr>
+            <a:lvl4pPr>
+              <a:defRPr>
+                <a:solidFill>
+                  <a:schemeClr val="dk1"/>
+                </a:solidFill>
+                <a:latin typeface="+mn-lt"/>
+                <a:ea typeface="+mn-ea"/>
+                <a:cs typeface="+mn-cs"/>
+              </a:defRPr>
+            </a:lvl4pPr>
+            <a:lvl5pPr>
+              <a:defRPr>
+                <a:solidFill>
+                  <a:schemeClr val="dk1"/>
+                </a:solidFill>
+                <a:latin typeface="+mn-lt"/>
+                <a:ea typeface="+mn-ea"/>
+                <a:cs typeface="+mn-cs"/>
+              </a:defRPr>
+            </a:lvl5pPr>
+            <a:lvl6pPr>
+              <a:defRPr>
+                <a:solidFill>
+                  <a:schemeClr val="dk1"/>
+                </a:solidFill>
+                <a:latin typeface="+mn-lt"/>
+                <a:ea typeface="+mn-ea"/>
+                <a:cs typeface="+mn-cs"/>
+              </a:defRPr>
+            </a:lvl6pPr>
+            <a:lvl7pPr>
+              <a:defRPr>
+                <a:solidFill>
+                  <a:schemeClr val="dk1"/>
+                </a:solidFill>
+                <a:latin typeface="+mn-lt"/>
+                <a:ea typeface="+mn-ea"/>
+                <a:cs typeface="+mn-cs"/>
+              </a:defRPr>
+            </a:lvl7pPr>
+            <a:lvl8pPr>
+              <a:defRPr>
+                <a:solidFill>
+                  <a:schemeClr val="dk1"/>
+                </a:solidFill>
+                <a:latin typeface="+mn-lt"/>
+                <a:ea typeface="+mn-ea"/>
+                <a:cs typeface="+mn-cs"/>
+              </a:defRPr>
+            </a:lvl8pPr>
+            <a:lvl9pPr>
+              <a:defRPr>
+                <a:solidFill>
+                  <a:schemeClr val="dk1"/>
+                </a:solidFill>
+                <a:latin typeface="+mn-lt"/>
+                <a:ea typeface="+mn-ea"/>
+                <a:cs typeface="+mn-cs"/>
+              </a:defRPr>
+            </a:lvl9pPr>
+          </a:lstStyle>
+          <a:p>
+            <a:r>
+              <a:rPr lang="en-US" sz="3500" b="1" dirty="0"/>
               <a:t> </a:t>
             </a:r>
             <a:r>
-              <a:rPr lang="en-US" dirty="0" err="1"/>
-              <a:t>balanceamento</a:t>
-            </a:r>
-            <a:r>
-              <a:rPr lang="en-US" dirty="0"/>
-              <a:t> de dados</a:t>
-            </a:r>
-            <a:endParaRPr lang="pt-BR" dirty="0"/>
+              <a:rPr lang="en-US" sz="3500" b="1" dirty="0" err="1"/>
+              <a:t>Análise</a:t>
+            </a:r>
+            <a:r>
+              <a:rPr lang="en-US" sz="3500" b="1" dirty="0"/>
+              <a:t> dos dados</a:t>
+            </a:r>
+            <a:endParaRPr lang="pt-BR" sz="3500" b="1" dirty="0"/>
           </a:p>
         </p:txBody>
       </p:sp>
       <p:sp>
         <p:nvSpPr>
-          <p:cNvPr id="3" name="Espaço Reservado para Conteúdo 2">
-            <a:extLst>
-              <a:ext uri="{FF2B5EF4-FFF2-40B4-BE49-F238E27FC236}">
-                <a16:creationId xmlns:a16="http://schemas.microsoft.com/office/drawing/2014/main" id="{5A0BF8E3-1B6F-4719-FA90-599668428454}"/>
+          <p:cNvPr id="8" name="Espaço Reservado para Conteúdo 7">
+            <a:extLst>
+              <a:ext uri="{FF2B5EF4-FFF2-40B4-BE49-F238E27FC236}">
+                <a16:creationId xmlns:a16="http://schemas.microsoft.com/office/drawing/2014/main" id="{5CA999A7-4BE6-13ED-1539-A5062BA0B9DF}"/>
               </a:ext>
             </a:extLst>
           </p:cNvPr>
@@ -3985,21 +4897,203 @@
             <p:ph idx="1"/>
           </p:nvPr>
         </p:nvSpPr>
-        <p:spPr/>
+        <p:spPr>
+          <a:xfrm>
+            <a:off x="287782" y="1041092"/>
+            <a:ext cx="6490518" cy="5297563"/>
+          </a:xfrm>
+        </p:spPr>
         <p:txBody>
-          <a:bodyPr/>
+          <a:bodyPr>
+            <a:normAutofit/>
+          </a:bodyPr>
           <a:lstStyle/>
           <a:p>
-            <a:endParaRPr lang="pt-BR"/>
+            <a:pPr>
+              <a:lnSpc>
+                <a:spcPct val="150000"/>
+              </a:lnSpc>
+            </a:pPr>
+            <a:r>
+              <a:rPr lang="en-US" dirty="0" err="1"/>
+              <a:t>Tabelas</a:t>
+            </a:r>
+            <a:r>
+              <a:rPr lang="en-US" dirty="0"/>
+              <a:t> de </a:t>
+            </a:r>
+            <a:r>
+              <a:rPr lang="en-US" dirty="0" err="1"/>
+              <a:t>distribuição</a:t>
+            </a:r>
+            <a:r>
+              <a:rPr lang="en-US" dirty="0"/>
+              <a:t> </a:t>
+            </a:r>
+            <a:r>
+              <a:rPr lang="en-US" dirty="0" err="1"/>
+              <a:t>conjunta</a:t>
+            </a:r>
+            <a:r>
+              <a:rPr lang="en-US" dirty="0"/>
+              <a:t> </a:t>
+            </a:r>
+            <a:r>
+              <a:rPr lang="en-US" dirty="0" err="1"/>
+              <a:t>foram</a:t>
+            </a:r>
+            <a:r>
+              <a:rPr lang="en-US" dirty="0"/>
+              <a:t> </a:t>
+            </a:r>
+            <a:r>
+              <a:rPr lang="en-US" dirty="0" err="1"/>
+              <a:t>criadas</a:t>
+            </a:r>
+            <a:r>
+              <a:rPr lang="en-US" dirty="0"/>
+              <a:t>, </a:t>
+            </a:r>
+            <a:r>
+              <a:rPr lang="en-US" dirty="0" err="1"/>
+              <a:t>afim</a:t>
+            </a:r>
+            <a:r>
+              <a:rPr lang="en-US" dirty="0"/>
+              <a:t> de </a:t>
+            </a:r>
+            <a:r>
+              <a:rPr lang="en-US" dirty="0" err="1"/>
+              <a:t>observar</a:t>
+            </a:r>
+            <a:r>
+              <a:rPr lang="en-US" dirty="0"/>
+              <a:t> se há </a:t>
+            </a:r>
+            <a:r>
+              <a:rPr lang="en-US" dirty="0" err="1"/>
+              <a:t>correlação</a:t>
+            </a:r>
+            <a:r>
+              <a:rPr lang="en-US" dirty="0"/>
+              <a:t> entre as </a:t>
+            </a:r>
+            <a:r>
+              <a:rPr lang="en-US" dirty="0" err="1"/>
+              <a:t>variáveis</a:t>
+            </a:r>
+            <a:r>
+              <a:rPr lang="en-US" dirty="0"/>
+              <a:t> </a:t>
+            </a:r>
+            <a:r>
+              <a:rPr lang="en-US" dirty="0" err="1"/>
+              <a:t>categóricas</a:t>
+            </a:r>
+            <a:r>
+              <a:rPr lang="en-US" dirty="0"/>
+              <a:t> e Churn;</a:t>
+            </a:r>
+          </a:p>
+          <a:p>
+            <a:pPr>
+              <a:lnSpc>
+                <a:spcPct val="150000"/>
+              </a:lnSpc>
+            </a:pPr>
+            <a:r>
+              <a:rPr lang="en-US" dirty="0" err="1"/>
+              <a:t>Pode</a:t>
+            </a:r>
+            <a:r>
+              <a:rPr lang="en-US" dirty="0"/>
+              <a:t>-se </a:t>
+            </a:r>
+            <a:r>
+              <a:rPr lang="en-US" dirty="0" err="1"/>
+              <a:t>observar</a:t>
+            </a:r>
+            <a:r>
+              <a:rPr lang="en-US" dirty="0"/>
+              <a:t> que ‘Contract’ é </a:t>
+            </a:r>
+            <a:r>
+              <a:rPr lang="en-US" dirty="0" err="1"/>
+              <a:t>mais</a:t>
+            </a:r>
+            <a:r>
+              <a:rPr lang="en-US" dirty="0"/>
+              <a:t> </a:t>
+            </a:r>
+            <a:r>
+              <a:rPr lang="en-US" dirty="0" err="1"/>
+              <a:t>relacionado</a:t>
+            </a:r>
+            <a:r>
+              <a:rPr lang="en-US" dirty="0"/>
+              <a:t> com Churn do que ‘gender’</a:t>
+            </a:r>
+          </a:p>
+          <a:p>
+            <a:pPr>
+              <a:lnSpc>
+                <a:spcPct val="150000"/>
+              </a:lnSpc>
+            </a:pPr>
+            <a:r>
+              <a:rPr lang="en-US" dirty="0" err="1"/>
+              <a:t>Foi</a:t>
+            </a:r>
+            <a:r>
+              <a:rPr lang="en-US" dirty="0"/>
+              <a:t> </a:t>
+            </a:r>
+            <a:r>
+              <a:rPr lang="en-US" dirty="0" err="1"/>
+              <a:t>conduzido</a:t>
+            </a:r>
+            <a:r>
+              <a:rPr lang="en-US" dirty="0"/>
+              <a:t> um teste </a:t>
+            </a:r>
+            <a:r>
+              <a:rPr lang="en-US" dirty="0" err="1"/>
+              <a:t>estatístico</a:t>
+            </a:r>
+            <a:r>
+              <a:rPr lang="en-US" dirty="0"/>
+              <a:t> (qui-</a:t>
+            </a:r>
+            <a:r>
+              <a:rPr lang="en-US" dirty="0" err="1"/>
+              <a:t>quadrado</a:t>
+            </a:r>
+            <a:r>
+              <a:rPr lang="en-US" dirty="0"/>
+              <a:t>) para </a:t>
+            </a:r>
+            <a:r>
+              <a:rPr lang="en-US" dirty="0" err="1"/>
+              <a:t>verificar</a:t>
+            </a:r>
+            <a:r>
+              <a:rPr lang="en-US" dirty="0"/>
+              <a:t> a </a:t>
+            </a:r>
+            <a:r>
+              <a:rPr lang="en-US" dirty="0" err="1"/>
+              <a:t>correlação</a:t>
+            </a:r>
+            <a:endParaRPr lang="pt-BR" dirty="0"/>
           </a:p>
         </p:txBody>
       </p:sp>
       <p:pic>
         <p:nvPicPr>
-          <p:cNvPr id="5" name="Imagem 4">
-            <a:extLst>
-              <a:ext uri="{FF2B5EF4-FFF2-40B4-BE49-F238E27FC236}">
-                <a16:creationId xmlns:a16="http://schemas.microsoft.com/office/drawing/2014/main" id="{D3F0941A-9E40-A620-5AA3-DCA2B357BA3A}"/>
+          <p:cNvPr id="2" name="Espaço Reservado para Conteúdo 16">
+            <a:extLst>
+              <a:ext uri="{FF2B5EF4-FFF2-40B4-BE49-F238E27FC236}">
+                <a16:creationId xmlns:a16="http://schemas.microsoft.com/office/drawing/2014/main" id="{D7141AE0-EE9F-C2BF-4E46-8702B2682F3F}"/>
               </a:ext>
             </a:extLst>
           </p:cNvPr>
@@ -4016,8 +5110,98 @@
         </p:blipFill>
         <p:spPr>
           <a:xfrm>
-            <a:off x="2689322" y="1237700"/>
-            <a:ext cx="6813356" cy="4779778"/>
+            <a:off x="7164755" y="82686"/>
+            <a:ext cx="4177473" cy="3042362"/>
+          </a:xfrm>
+          <a:prstGeom prst="rect">
+            <a:avLst/>
+          </a:prstGeom>
+        </p:spPr>
+      </p:pic>
+      <p:pic>
+        <p:nvPicPr>
+          <p:cNvPr id="3" name="Imagem 2">
+            <a:extLst>
+              <a:ext uri="{FF2B5EF4-FFF2-40B4-BE49-F238E27FC236}">
+                <a16:creationId xmlns:a16="http://schemas.microsoft.com/office/drawing/2014/main" id="{77E469A8-522D-345A-B473-15EC5849FCA9}"/>
+              </a:ext>
+            </a:extLst>
+          </p:cNvPr>
+          <p:cNvPicPr>
+            <a:picLocks noChangeAspect="1"/>
+          </p:cNvPicPr>
+          <p:nvPr/>
+        </p:nvPicPr>
+        <p:blipFill>
+          <a:blip r:embed="rId3"/>
+          <a:stretch>
+            <a:fillRect/>
+          </a:stretch>
+        </p:blipFill>
+        <p:spPr>
+          <a:xfrm>
+            <a:off x="6778299" y="3109892"/>
+            <a:ext cx="4950383" cy="3081151"/>
+          </a:xfrm>
+          <a:prstGeom prst="rect">
+            <a:avLst/>
+          </a:prstGeom>
+        </p:spPr>
+      </p:pic>
+      <p:pic>
+        <p:nvPicPr>
+          <p:cNvPr id="7" name="Imagem 6">
+            <a:extLst>
+              <a:ext uri="{FF2B5EF4-FFF2-40B4-BE49-F238E27FC236}">
+                <a16:creationId xmlns:a16="http://schemas.microsoft.com/office/drawing/2014/main" id="{EB6AD690-601B-0B7E-2307-7CDEEEA9BD15}"/>
+              </a:ext>
+            </a:extLst>
+          </p:cNvPr>
+          <p:cNvPicPr>
+            <a:picLocks noChangeAspect="1"/>
+          </p:cNvPicPr>
+          <p:nvPr/>
+        </p:nvPicPr>
+        <p:blipFill>
+          <a:blip r:embed="rId4"/>
+          <a:stretch>
+            <a:fillRect/>
+          </a:stretch>
+        </p:blipFill>
+        <p:spPr>
+          <a:xfrm>
+            <a:off x="11390050" y="6414586"/>
+            <a:ext cx="801950" cy="443414"/>
+          </a:xfrm>
+          <a:prstGeom prst="rect">
+            <a:avLst/>
+          </a:prstGeom>
+        </p:spPr>
+      </p:pic>
+      <p:pic>
+        <p:nvPicPr>
+          <p:cNvPr id="9" name="Imagem 8">
+            <a:extLst>
+              <a:ext uri="{FF2B5EF4-FFF2-40B4-BE49-F238E27FC236}">
+                <a16:creationId xmlns:a16="http://schemas.microsoft.com/office/drawing/2014/main" id="{14D69047-7C53-2C5D-F118-414A108B2CC0}"/>
+              </a:ext>
+            </a:extLst>
+          </p:cNvPr>
+          <p:cNvPicPr>
+            <a:picLocks noChangeAspect="1"/>
+          </p:cNvPicPr>
+          <p:nvPr/>
+        </p:nvPicPr>
+        <p:blipFill>
+          <a:blip r:embed="rId5"/>
+          <a:stretch>
+            <a:fillRect/>
+          </a:stretch>
+        </p:blipFill>
+        <p:spPr>
+          <a:xfrm>
+            <a:off x="82834" y="6479108"/>
+            <a:ext cx="1000265" cy="314369"/>
           </a:xfrm>
           <a:prstGeom prst="rect">
             <a:avLst/>
@@ -4027,7 +5211,7 @@
     </p:spTree>
     <p:extLst>
       <p:ext uri="{BB962C8B-B14F-4D97-AF65-F5344CB8AC3E}">
-        <p14:creationId xmlns:p14="http://schemas.microsoft.com/office/powerpoint/2010/main" val="1037271809"/>
+        <p14:creationId xmlns:p14="http://schemas.microsoft.com/office/powerpoint/2010/main" val="2904435854"/>
       </p:ext>
     </p:extLst>
   </p:cSld>
@@ -4054,12 +5238,351 @@
           <a:chExt cx="0" cy="0"/>
         </a:xfrm>
       </p:grpSpPr>
+      <p:sp>
+        <p:nvSpPr>
+          <p:cNvPr id="2" name="Título 1">
+            <a:extLst>
+              <a:ext uri="{FF2B5EF4-FFF2-40B4-BE49-F238E27FC236}">
+                <a16:creationId xmlns:a16="http://schemas.microsoft.com/office/drawing/2014/main" id="{6A123D7E-A3D0-D6CC-370D-D829BA7E6C81}"/>
+              </a:ext>
+            </a:extLst>
+          </p:cNvPr>
+          <p:cNvSpPr txBox="1">
+            <a:spLocks/>
+          </p:cNvSpPr>
+          <p:nvPr/>
+        </p:nvSpPr>
+        <p:spPr>
+          <a:xfrm>
+            <a:off x="0" y="10019"/>
+            <a:ext cx="3053918" cy="745846"/>
+          </a:xfrm>
+          <a:prstGeom prst="rect">
+            <a:avLst/>
+          </a:prstGeom>
+          <a:ln w="57150" cap="flat" cmpd="sng" algn="ctr">
+            <a:solidFill>
+              <a:srgbClr val="F7009B"/>
+            </a:solidFill>
+            <a:prstDash val="solid"/>
+            <a:miter lim="800000"/>
+          </a:ln>
+        </p:spPr>
+        <p:style>
+          <a:lnRef idx="2">
+            <a:schemeClr val="accent1"/>
+          </a:lnRef>
+          <a:fillRef idx="1">
+            <a:schemeClr val="lt1"/>
+          </a:fillRef>
+          <a:effectRef idx="0">
+            <a:schemeClr val="accent1"/>
+          </a:effectRef>
+          <a:fontRef idx="minor">
+            <a:schemeClr val="dk1"/>
+          </a:fontRef>
+        </p:style>
+        <p:txBody>
+          <a:bodyPr vert="horz" lIns="91440" tIns="45720" rIns="91440" bIns="45720" rtlCol="0" anchor="ctr">
+            <a:normAutofit fontScale="77500" lnSpcReduction="20000"/>
+          </a:bodyPr>
+          <a:lstStyle>
+            <a:lvl1pPr algn="l" defTabSz="914400" rtl="0" eaLnBrk="1" latinLnBrk="0" hangingPunct="1">
+              <a:lnSpc>
+                <a:spcPct val="90000"/>
+              </a:lnSpc>
+              <a:spcBef>
+                <a:spcPct val="0"/>
+              </a:spcBef>
+              <a:buNone/>
+              <a:defRPr sz="4400" kern="1200">
+                <a:solidFill>
+                  <a:schemeClr val="dk1"/>
+                </a:solidFill>
+                <a:latin typeface="+mn-lt"/>
+                <a:ea typeface="+mn-ea"/>
+                <a:cs typeface="+mn-cs"/>
+              </a:defRPr>
+            </a:lvl1pPr>
+            <a:lvl2pPr>
+              <a:defRPr>
+                <a:solidFill>
+                  <a:schemeClr val="dk1"/>
+                </a:solidFill>
+                <a:latin typeface="+mn-lt"/>
+                <a:ea typeface="+mn-ea"/>
+                <a:cs typeface="+mn-cs"/>
+              </a:defRPr>
+            </a:lvl2pPr>
+            <a:lvl3pPr>
+              <a:defRPr>
+                <a:solidFill>
+                  <a:schemeClr val="dk1"/>
+                </a:solidFill>
+                <a:latin typeface="+mn-lt"/>
+                <a:ea typeface="+mn-ea"/>
+                <a:cs typeface="+mn-cs"/>
+              </a:defRPr>
+            </a:lvl3pPr>
+            <a:lvl4pPr>
+              <a:defRPr>
+                <a:solidFill>
+                  <a:schemeClr val="dk1"/>
+                </a:solidFill>
+                <a:latin typeface="+mn-lt"/>
+                <a:ea typeface="+mn-ea"/>
+                <a:cs typeface="+mn-cs"/>
+              </a:defRPr>
+            </a:lvl4pPr>
+            <a:lvl5pPr>
+              <a:defRPr>
+                <a:solidFill>
+                  <a:schemeClr val="dk1"/>
+                </a:solidFill>
+                <a:latin typeface="+mn-lt"/>
+                <a:ea typeface="+mn-ea"/>
+                <a:cs typeface="+mn-cs"/>
+              </a:defRPr>
+            </a:lvl5pPr>
+            <a:lvl6pPr>
+              <a:defRPr>
+                <a:solidFill>
+                  <a:schemeClr val="dk1"/>
+                </a:solidFill>
+                <a:latin typeface="+mn-lt"/>
+                <a:ea typeface="+mn-ea"/>
+                <a:cs typeface="+mn-cs"/>
+              </a:defRPr>
+            </a:lvl6pPr>
+            <a:lvl7pPr>
+              <a:defRPr>
+                <a:solidFill>
+                  <a:schemeClr val="dk1"/>
+                </a:solidFill>
+                <a:latin typeface="+mn-lt"/>
+                <a:ea typeface="+mn-ea"/>
+                <a:cs typeface="+mn-cs"/>
+              </a:defRPr>
+            </a:lvl7pPr>
+            <a:lvl8pPr>
+              <a:defRPr>
+                <a:solidFill>
+                  <a:schemeClr val="dk1"/>
+                </a:solidFill>
+                <a:latin typeface="+mn-lt"/>
+                <a:ea typeface="+mn-ea"/>
+                <a:cs typeface="+mn-cs"/>
+              </a:defRPr>
+            </a:lvl8pPr>
+            <a:lvl9pPr>
+              <a:defRPr>
+                <a:solidFill>
+                  <a:schemeClr val="dk1"/>
+                </a:solidFill>
+                <a:latin typeface="+mn-lt"/>
+                <a:ea typeface="+mn-ea"/>
+                <a:cs typeface="+mn-cs"/>
+              </a:defRPr>
+            </a:lvl9pPr>
+          </a:lstStyle>
+          <a:p>
+            <a:r>
+              <a:rPr lang="en-US" sz="3500" b="1" dirty="0"/>
+              <a:t> </a:t>
+            </a:r>
+            <a:r>
+              <a:rPr lang="en-US" sz="3500" b="1" dirty="0" err="1"/>
+              <a:t>Análise</a:t>
+            </a:r>
+            <a:r>
+              <a:rPr lang="en-US" sz="3500" b="1" dirty="0"/>
+              <a:t> dos dados</a:t>
+            </a:r>
+            <a:endParaRPr lang="pt-BR" sz="3500" b="1" dirty="0"/>
+          </a:p>
+        </p:txBody>
+      </p:sp>
+      <p:sp>
+        <p:nvSpPr>
+          <p:cNvPr id="3" name="Espaço Reservado para Conteúdo 7">
+            <a:extLst>
+              <a:ext uri="{FF2B5EF4-FFF2-40B4-BE49-F238E27FC236}">
+                <a16:creationId xmlns:a16="http://schemas.microsoft.com/office/drawing/2014/main" id="{4F706697-0349-E9E2-CC20-3826F6A962C1}"/>
+              </a:ext>
+            </a:extLst>
+          </p:cNvPr>
+          <p:cNvSpPr>
+            <a:spLocks noGrp="1"/>
+          </p:cNvSpPr>
+          <p:nvPr>
+            <p:ph idx="1"/>
+          </p:nvPr>
+        </p:nvSpPr>
+        <p:spPr>
+          <a:xfrm>
+            <a:off x="287782" y="819151"/>
+            <a:ext cx="5704164" cy="5806889"/>
+          </a:xfrm>
+        </p:spPr>
+        <p:txBody>
+          <a:bodyPr>
+            <a:normAutofit/>
+          </a:bodyPr>
+          <a:lstStyle/>
+          <a:p>
+            <a:pPr>
+              <a:lnSpc>
+                <a:spcPct val="150000"/>
+              </a:lnSpc>
+            </a:pPr>
+            <a:r>
+              <a:rPr lang="en-US" dirty="0" err="1"/>
+              <a:t>Quanto</a:t>
+            </a:r>
+            <a:r>
+              <a:rPr lang="en-US" dirty="0"/>
+              <a:t> </a:t>
+            </a:r>
+            <a:r>
+              <a:rPr lang="en-US" dirty="0" err="1"/>
+              <a:t>maior</a:t>
+            </a:r>
+            <a:r>
+              <a:rPr lang="en-US" dirty="0"/>
+              <a:t> </a:t>
+            </a:r>
+            <a:r>
+              <a:rPr lang="en-US" dirty="0" err="1"/>
+              <a:t>estatística</a:t>
+            </a:r>
+            <a:r>
+              <a:rPr lang="en-US" dirty="0"/>
+              <a:t> do teste, </a:t>
+            </a:r>
+            <a:r>
+              <a:rPr lang="en-US" dirty="0" err="1"/>
+              <a:t>mais</a:t>
+            </a:r>
+            <a:r>
+              <a:rPr lang="en-US" dirty="0"/>
+              <a:t> forte a </a:t>
+            </a:r>
+            <a:r>
+              <a:rPr lang="en-US" dirty="0" err="1"/>
+              <a:t>correlação</a:t>
+            </a:r>
+            <a:r>
+              <a:rPr lang="en-US" dirty="0"/>
+              <a:t>;</a:t>
+            </a:r>
+          </a:p>
+          <a:p>
+            <a:pPr>
+              <a:lnSpc>
+                <a:spcPct val="150000"/>
+              </a:lnSpc>
+            </a:pPr>
+            <a:r>
+              <a:rPr lang="en-US" dirty="0"/>
+              <a:t>Para P-valor&gt;5% </a:t>
+            </a:r>
+            <a:r>
+              <a:rPr lang="en-US" dirty="0" err="1"/>
+              <a:t>não</a:t>
+            </a:r>
+            <a:r>
+              <a:rPr lang="en-US" dirty="0"/>
+              <a:t> há </a:t>
+            </a:r>
+            <a:r>
+              <a:rPr lang="en-US" dirty="0" err="1"/>
+              <a:t>correlação</a:t>
+            </a:r>
+            <a:r>
+              <a:rPr lang="en-US" dirty="0"/>
+              <a:t> </a:t>
+            </a:r>
+            <a:r>
+              <a:rPr lang="en-US" dirty="0" err="1"/>
+              <a:t>significativa</a:t>
+            </a:r>
+            <a:r>
+              <a:rPr lang="en-US" dirty="0"/>
+              <a:t> entre </a:t>
+            </a:r>
+            <a:r>
+              <a:rPr lang="en-US" dirty="0" err="1"/>
+              <a:t>variáveis</a:t>
+            </a:r>
+            <a:r>
+              <a:rPr lang="en-US" dirty="0"/>
+              <a:t> (‘gender’ e ‘</a:t>
+            </a:r>
+            <a:r>
+              <a:rPr lang="en-US" dirty="0" err="1"/>
+              <a:t>PhoneService</a:t>
+            </a:r>
+            <a:r>
+              <a:rPr lang="en-US" dirty="0"/>
+              <a:t>’);</a:t>
+            </a:r>
+          </a:p>
+          <a:p>
+            <a:pPr>
+              <a:lnSpc>
+                <a:spcPct val="150000"/>
+              </a:lnSpc>
+            </a:pPr>
+            <a:r>
+              <a:rPr lang="en-US" dirty="0" err="1"/>
+              <a:t>Todas</a:t>
+            </a:r>
+            <a:r>
+              <a:rPr lang="en-US" dirty="0"/>
+              <a:t> as </a:t>
+            </a:r>
+            <a:r>
+              <a:rPr lang="en-US" dirty="0" err="1"/>
+              <a:t>variáveis</a:t>
+            </a:r>
+            <a:r>
+              <a:rPr lang="en-US" dirty="0"/>
+              <a:t> </a:t>
+            </a:r>
+            <a:r>
+              <a:rPr lang="en-US" dirty="0" err="1"/>
+              <a:t>numéricas</a:t>
+            </a:r>
+            <a:r>
+              <a:rPr lang="en-US" dirty="0"/>
+              <a:t> </a:t>
+            </a:r>
+            <a:r>
+              <a:rPr lang="en-US" dirty="0" err="1"/>
+              <a:t>são</a:t>
+            </a:r>
+            <a:r>
+              <a:rPr lang="en-US" dirty="0"/>
+              <a:t> </a:t>
+            </a:r>
+            <a:r>
+              <a:rPr lang="en-US" dirty="0" err="1"/>
+              <a:t>correlacionadas</a:t>
+            </a:r>
+            <a:r>
+              <a:rPr lang="en-US" dirty="0"/>
+              <a:t> com Churn (Segundo teste ANOVA)</a:t>
+            </a:r>
+            <a:endParaRPr lang="pt-BR" dirty="0"/>
+          </a:p>
+        </p:txBody>
+      </p:sp>
       <p:pic>
         <p:nvPicPr>
-          <p:cNvPr id="13" name="Imagem 12">
-            <a:extLst>
-              <a:ext uri="{FF2B5EF4-FFF2-40B4-BE49-F238E27FC236}">
-                <a16:creationId xmlns:a16="http://schemas.microsoft.com/office/drawing/2014/main" id="{5780B757-C5EF-E4E5-3761-85306186884A}"/>
+          <p:cNvPr id="5" name="Imagem 4">
+            <a:extLst>
+              <a:ext uri="{FF2B5EF4-FFF2-40B4-BE49-F238E27FC236}">
+                <a16:creationId xmlns:a16="http://schemas.microsoft.com/office/drawing/2014/main" id="{2CFF8CE4-8DFD-5B87-9FFD-BBA3F76F4851}"/>
               </a:ext>
             </a:extLst>
           </p:cNvPr>
@@ -4076,8 +5599,8 @@
         </p:blipFill>
         <p:spPr>
           <a:xfrm>
-            <a:off x="1350318" y="3316450"/>
-            <a:ext cx="4369207" cy="3042362"/>
+            <a:off x="6200056" y="1342933"/>
+            <a:ext cx="5991945" cy="4570997"/>
           </a:xfrm>
           <a:prstGeom prst="rect">
             <a:avLst/>
@@ -4086,19 +5609,17 @@
       </p:pic>
       <p:pic>
         <p:nvPicPr>
-          <p:cNvPr id="17" name="Espaço Reservado para Conteúdo 16">
-            <a:extLst>
-              <a:ext uri="{FF2B5EF4-FFF2-40B4-BE49-F238E27FC236}">
-                <a16:creationId xmlns:a16="http://schemas.microsoft.com/office/drawing/2014/main" id="{B917F030-C249-8676-DE96-3559971B42A0}"/>
+          <p:cNvPr id="7" name="Imagem 6">
+            <a:extLst>
+              <a:ext uri="{FF2B5EF4-FFF2-40B4-BE49-F238E27FC236}">
+                <a16:creationId xmlns:a16="http://schemas.microsoft.com/office/drawing/2014/main" id="{56992DA9-2EFD-3D88-00A7-C6320B38D7C1}"/>
               </a:ext>
             </a:extLst>
           </p:cNvPr>
           <p:cNvPicPr>
-            <a:picLocks noGrp="1" noChangeAspect="1"/>
+            <a:picLocks noChangeAspect="1"/>
           </p:cNvPicPr>
-          <p:nvPr>
-            <p:ph idx="1"/>
-          </p:nvPr>
+          <p:nvPr/>
         </p:nvPicPr>
         <p:blipFill>
           <a:blip r:embed="rId3"/>
@@ -4108,17 +5629,20 @@
         </p:blipFill>
         <p:spPr>
           <a:xfrm>
-            <a:off x="1446186" y="386638"/>
-            <a:ext cx="4177473" cy="3042362"/>
+            <a:off x="11390050" y="6414586"/>
+            <a:ext cx="801950" cy="443414"/>
           </a:xfrm>
+          <a:prstGeom prst="rect">
+            <a:avLst/>
+          </a:prstGeom>
         </p:spPr>
       </p:pic>
       <p:pic>
         <p:nvPicPr>
-          <p:cNvPr id="18" name="Espaço Reservado para Conteúdo 4">
-            <a:extLst>
-              <a:ext uri="{FF2B5EF4-FFF2-40B4-BE49-F238E27FC236}">
-                <a16:creationId xmlns:a16="http://schemas.microsoft.com/office/drawing/2014/main" id="{384B9593-FB43-107F-4D47-3AB630E9638A}"/>
+          <p:cNvPr id="8" name="Imagem 7">
+            <a:extLst>
+              <a:ext uri="{FF2B5EF4-FFF2-40B4-BE49-F238E27FC236}">
+                <a16:creationId xmlns:a16="http://schemas.microsoft.com/office/drawing/2014/main" id="{37758074-860C-CAF3-1D44-6CBE1D3309A9}"/>
               </a:ext>
             </a:extLst>
           </p:cNvPr>
@@ -4135,38 +5659,8 @@
         </p:blipFill>
         <p:spPr>
           <a:xfrm>
-            <a:off x="6568343" y="546241"/>
-            <a:ext cx="3948877" cy="2723155"/>
-          </a:xfrm>
-          <a:prstGeom prst="rect">
-            <a:avLst/>
-          </a:prstGeom>
-        </p:spPr>
-      </p:pic>
-      <p:pic>
-        <p:nvPicPr>
-          <p:cNvPr id="19" name="Imagem 18">
-            <a:extLst>
-              <a:ext uri="{FF2B5EF4-FFF2-40B4-BE49-F238E27FC236}">
-                <a16:creationId xmlns:a16="http://schemas.microsoft.com/office/drawing/2014/main" id="{B97FDFB6-B15E-C7B9-6CEA-75001D3C5238}"/>
-              </a:ext>
-            </a:extLst>
-          </p:cNvPr>
-          <p:cNvPicPr>
-            <a:picLocks noChangeAspect="1"/>
-          </p:cNvPicPr>
-          <p:nvPr/>
-        </p:nvPicPr>
-        <p:blipFill>
-          <a:blip r:embed="rId5"/>
-          <a:stretch>
-            <a:fillRect/>
-          </a:stretch>
-        </p:blipFill>
-        <p:spPr>
-          <a:xfrm>
-            <a:off x="6720857" y="3429000"/>
-            <a:ext cx="4219966" cy="2966573"/>
+            <a:off x="82834" y="6479108"/>
+            <a:ext cx="1000265" cy="314369"/>
           </a:xfrm>
           <a:prstGeom prst="rect">
             <a:avLst/>
@@ -4176,7 +5670,7 @@
     </p:spTree>
     <p:extLst>
       <p:ext uri="{BB962C8B-B14F-4D97-AF65-F5344CB8AC3E}">
-        <p14:creationId xmlns:p14="http://schemas.microsoft.com/office/powerpoint/2010/main" val="2448338492"/>
+        <p14:creationId xmlns:p14="http://schemas.microsoft.com/office/powerpoint/2010/main" val="1367511614"/>
       </p:ext>
     </p:extLst>
   </p:cSld>
@@ -4203,21 +5697,360 @@
           <a:chExt cx="0" cy="0"/>
         </a:xfrm>
       </p:grpSpPr>
-      <p:pic>
-        <p:nvPicPr>
-          <p:cNvPr id="5" name="Espaço Reservado para Conteúdo 4">
-            <a:extLst>
-              <a:ext uri="{FF2B5EF4-FFF2-40B4-BE49-F238E27FC236}">
-                <a16:creationId xmlns:a16="http://schemas.microsoft.com/office/drawing/2014/main" id="{2F3E9F5D-7379-23EF-8660-125C133A4B83}"/>
-              </a:ext>
-            </a:extLst>
-          </p:cNvPr>
-          <p:cNvPicPr>
-            <a:picLocks noGrp="1" noChangeAspect="1"/>
-          </p:cNvPicPr>
+      <p:sp>
+        <p:nvSpPr>
+          <p:cNvPr id="2" name="Título 1">
+            <a:extLst>
+              <a:ext uri="{FF2B5EF4-FFF2-40B4-BE49-F238E27FC236}">
+                <a16:creationId xmlns:a16="http://schemas.microsoft.com/office/drawing/2014/main" id="{6A123D7E-A3D0-D6CC-370D-D829BA7E6C81}"/>
+              </a:ext>
+            </a:extLst>
+          </p:cNvPr>
+          <p:cNvSpPr txBox="1">
+            <a:spLocks/>
+          </p:cNvSpPr>
+          <p:nvPr/>
+        </p:nvSpPr>
+        <p:spPr>
+          <a:xfrm>
+            <a:off x="0" y="10019"/>
+            <a:ext cx="3435658" cy="745846"/>
+          </a:xfrm>
+          <a:prstGeom prst="rect">
+            <a:avLst/>
+          </a:prstGeom>
+          <a:ln w="57150" cap="flat" cmpd="sng" algn="ctr">
+            <a:solidFill>
+              <a:srgbClr val="F7009B"/>
+            </a:solidFill>
+            <a:prstDash val="solid"/>
+            <a:miter lim="800000"/>
+          </a:ln>
+        </p:spPr>
+        <p:style>
+          <a:lnRef idx="2">
+            <a:schemeClr val="accent1"/>
+          </a:lnRef>
+          <a:fillRef idx="1">
+            <a:schemeClr val="lt1"/>
+          </a:fillRef>
+          <a:effectRef idx="0">
+            <a:schemeClr val="accent1"/>
+          </a:effectRef>
+          <a:fontRef idx="minor">
+            <a:schemeClr val="dk1"/>
+          </a:fontRef>
+        </p:style>
+        <p:txBody>
+          <a:bodyPr vert="horz" lIns="91440" tIns="45720" rIns="91440" bIns="45720" rtlCol="0" anchor="ctr">
+            <a:normAutofit fontScale="77500" lnSpcReduction="20000"/>
+          </a:bodyPr>
+          <a:lstStyle>
+            <a:lvl1pPr algn="l" defTabSz="914400" rtl="0" eaLnBrk="1" latinLnBrk="0" hangingPunct="1">
+              <a:lnSpc>
+                <a:spcPct val="90000"/>
+              </a:lnSpc>
+              <a:spcBef>
+                <a:spcPct val="0"/>
+              </a:spcBef>
+              <a:buNone/>
+              <a:defRPr sz="4400" kern="1200">
+                <a:solidFill>
+                  <a:schemeClr val="dk1"/>
+                </a:solidFill>
+                <a:latin typeface="+mn-lt"/>
+                <a:ea typeface="+mn-ea"/>
+                <a:cs typeface="+mn-cs"/>
+              </a:defRPr>
+            </a:lvl1pPr>
+            <a:lvl2pPr>
+              <a:defRPr>
+                <a:solidFill>
+                  <a:schemeClr val="dk1"/>
+                </a:solidFill>
+                <a:latin typeface="+mn-lt"/>
+                <a:ea typeface="+mn-ea"/>
+                <a:cs typeface="+mn-cs"/>
+              </a:defRPr>
+            </a:lvl2pPr>
+            <a:lvl3pPr>
+              <a:defRPr>
+                <a:solidFill>
+                  <a:schemeClr val="dk1"/>
+                </a:solidFill>
+                <a:latin typeface="+mn-lt"/>
+                <a:ea typeface="+mn-ea"/>
+                <a:cs typeface="+mn-cs"/>
+              </a:defRPr>
+            </a:lvl3pPr>
+            <a:lvl4pPr>
+              <a:defRPr>
+                <a:solidFill>
+                  <a:schemeClr val="dk1"/>
+                </a:solidFill>
+                <a:latin typeface="+mn-lt"/>
+                <a:ea typeface="+mn-ea"/>
+                <a:cs typeface="+mn-cs"/>
+              </a:defRPr>
+            </a:lvl4pPr>
+            <a:lvl5pPr>
+              <a:defRPr>
+                <a:solidFill>
+                  <a:schemeClr val="dk1"/>
+                </a:solidFill>
+                <a:latin typeface="+mn-lt"/>
+                <a:ea typeface="+mn-ea"/>
+                <a:cs typeface="+mn-cs"/>
+              </a:defRPr>
+            </a:lvl5pPr>
+            <a:lvl6pPr>
+              <a:defRPr>
+                <a:solidFill>
+                  <a:schemeClr val="dk1"/>
+                </a:solidFill>
+                <a:latin typeface="+mn-lt"/>
+                <a:ea typeface="+mn-ea"/>
+                <a:cs typeface="+mn-cs"/>
+              </a:defRPr>
+            </a:lvl6pPr>
+            <a:lvl7pPr>
+              <a:defRPr>
+                <a:solidFill>
+                  <a:schemeClr val="dk1"/>
+                </a:solidFill>
+                <a:latin typeface="+mn-lt"/>
+                <a:ea typeface="+mn-ea"/>
+                <a:cs typeface="+mn-cs"/>
+              </a:defRPr>
+            </a:lvl7pPr>
+            <a:lvl8pPr>
+              <a:defRPr>
+                <a:solidFill>
+                  <a:schemeClr val="dk1"/>
+                </a:solidFill>
+                <a:latin typeface="+mn-lt"/>
+                <a:ea typeface="+mn-ea"/>
+                <a:cs typeface="+mn-cs"/>
+              </a:defRPr>
+            </a:lvl8pPr>
+            <a:lvl9pPr>
+              <a:defRPr>
+                <a:solidFill>
+                  <a:schemeClr val="dk1"/>
+                </a:solidFill>
+                <a:latin typeface="+mn-lt"/>
+                <a:ea typeface="+mn-ea"/>
+                <a:cs typeface="+mn-cs"/>
+              </a:defRPr>
+            </a:lvl9pPr>
+          </a:lstStyle>
+          <a:p>
+            <a:r>
+              <a:rPr lang="en-US" sz="3500" b="1" dirty="0" err="1"/>
+              <a:t>Modelagem</a:t>
+            </a:r>
+            <a:r>
+              <a:rPr lang="en-US" sz="3500" b="1" dirty="0"/>
+              <a:t> de Churn</a:t>
+            </a:r>
+            <a:endParaRPr lang="pt-BR" sz="3500" b="1" dirty="0"/>
+          </a:p>
+        </p:txBody>
+      </p:sp>
+      <p:sp>
+        <p:nvSpPr>
+          <p:cNvPr id="3" name="Espaço Reservado para Conteúdo 7">
+            <a:extLst>
+              <a:ext uri="{FF2B5EF4-FFF2-40B4-BE49-F238E27FC236}">
+                <a16:creationId xmlns:a16="http://schemas.microsoft.com/office/drawing/2014/main" id="{4F706697-0349-E9E2-CC20-3826F6A962C1}"/>
+              </a:ext>
+            </a:extLst>
+          </p:cNvPr>
+          <p:cNvSpPr>
+            <a:spLocks noGrp="1"/>
+          </p:cNvSpPr>
           <p:nvPr>
             <p:ph idx="1"/>
           </p:nvPr>
+        </p:nvSpPr>
+        <p:spPr>
+          <a:xfrm>
+            <a:off x="820073" y="816217"/>
+            <a:ext cx="10551853" cy="2385688"/>
+          </a:xfrm>
+        </p:spPr>
+        <p:txBody>
+          <a:bodyPr>
+            <a:normAutofit/>
+          </a:bodyPr>
+          <a:lstStyle/>
+          <a:p>
+            <a:pPr>
+              <a:lnSpc>
+                <a:spcPct val="150000"/>
+              </a:lnSpc>
+            </a:pPr>
+            <a:r>
+              <a:rPr lang="en-US" dirty="0" err="1"/>
+              <a:t>Ajuste</a:t>
+            </a:r>
+            <a:r>
+              <a:rPr lang="en-US" dirty="0"/>
+              <a:t> de um </a:t>
+            </a:r>
+            <a:r>
+              <a:rPr lang="en-US" dirty="0" err="1"/>
+              <a:t>modelo</a:t>
+            </a:r>
+            <a:r>
+              <a:rPr lang="en-US" dirty="0"/>
+              <a:t> de Churn </a:t>
+            </a:r>
+            <a:r>
+              <a:rPr lang="en-US" dirty="0" err="1"/>
+              <a:t>pode</a:t>
+            </a:r>
+            <a:r>
+              <a:rPr lang="en-US" dirty="0"/>
+              <a:t> </a:t>
+            </a:r>
+            <a:r>
+              <a:rPr lang="en-US" dirty="0" err="1"/>
+              <a:t>ajudar</a:t>
+            </a:r>
+            <a:r>
+              <a:rPr lang="en-US" dirty="0"/>
+              <a:t> </a:t>
+            </a:r>
+            <a:r>
+              <a:rPr lang="en-US" dirty="0" err="1"/>
+              <a:t>na</a:t>
+            </a:r>
+            <a:r>
+              <a:rPr lang="en-US" dirty="0"/>
+              <a:t> </a:t>
+            </a:r>
+            <a:r>
+              <a:rPr lang="en-US" dirty="0" err="1"/>
+              <a:t>redução</a:t>
+            </a:r>
+            <a:r>
+              <a:rPr lang="en-US" dirty="0"/>
+              <a:t> do </a:t>
+            </a:r>
+            <a:r>
+              <a:rPr lang="en-US" dirty="0" err="1"/>
+              <a:t>problema</a:t>
+            </a:r>
+            <a:endParaRPr lang="en-US" dirty="0"/>
+          </a:p>
+          <a:p>
+            <a:pPr>
+              <a:lnSpc>
+                <a:spcPct val="150000"/>
+              </a:lnSpc>
+            </a:pPr>
+            <a:r>
+              <a:rPr lang="en-US" dirty="0"/>
+              <a:t>Para o </a:t>
+            </a:r>
+            <a:r>
+              <a:rPr lang="en-US" dirty="0" err="1"/>
+              <a:t>ajuste</a:t>
+            </a:r>
+            <a:r>
+              <a:rPr lang="en-US" dirty="0"/>
+              <a:t> </a:t>
+            </a:r>
+            <a:r>
+              <a:rPr lang="en-US" dirty="0" err="1"/>
+              <a:t>foi</a:t>
+            </a:r>
+            <a:r>
+              <a:rPr lang="en-US" dirty="0"/>
+              <a:t> </a:t>
+            </a:r>
+            <a:r>
+              <a:rPr lang="en-US" dirty="0" err="1"/>
+              <a:t>realizado</a:t>
+            </a:r>
+            <a:r>
+              <a:rPr lang="en-US" dirty="0"/>
+              <a:t> o </a:t>
+            </a:r>
+            <a:r>
+              <a:rPr lang="en-US" dirty="0" err="1"/>
+              <a:t>balanceamento</a:t>
+            </a:r>
+            <a:r>
+              <a:rPr lang="en-US" dirty="0"/>
+              <a:t> do </a:t>
+            </a:r>
+            <a:r>
+              <a:rPr lang="en-US" dirty="0" err="1"/>
+              <a:t>treino</a:t>
+            </a:r>
+            <a:endParaRPr lang="en-US" dirty="0"/>
+          </a:p>
+          <a:p>
+            <a:pPr>
+              <a:lnSpc>
+                <a:spcPct val="150000"/>
+              </a:lnSpc>
+            </a:pPr>
+            <a:r>
+              <a:rPr lang="en-US" dirty="0" err="1"/>
+              <a:t>Dois</a:t>
+            </a:r>
+            <a:r>
+              <a:rPr lang="en-US" dirty="0"/>
+              <a:t> </a:t>
+            </a:r>
+            <a:r>
+              <a:rPr lang="en-US" dirty="0" err="1"/>
+              <a:t>modelos</a:t>
+            </a:r>
+            <a:r>
+              <a:rPr lang="en-US" dirty="0"/>
+              <a:t> </a:t>
+            </a:r>
+            <a:r>
+              <a:rPr lang="en-US" dirty="0" err="1"/>
+              <a:t>foram</a:t>
+            </a:r>
+            <a:r>
+              <a:rPr lang="en-US" dirty="0"/>
+              <a:t> </a:t>
+            </a:r>
+            <a:r>
+              <a:rPr lang="en-US" dirty="0" err="1"/>
+              <a:t>treinados</a:t>
+            </a:r>
+            <a:r>
+              <a:rPr lang="en-US" dirty="0"/>
+              <a:t>: Random Forest e </a:t>
+            </a:r>
+            <a:r>
+              <a:rPr lang="en-US" dirty="0" err="1"/>
+              <a:t>XGBoost</a:t>
+            </a:r>
+            <a:endParaRPr lang="pt-BR" dirty="0"/>
+          </a:p>
+        </p:txBody>
+      </p:sp>
+      <p:pic>
+        <p:nvPicPr>
+          <p:cNvPr id="4" name="Espaço Reservado para Conteúdo 4">
+            <a:extLst>
+              <a:ext uri="{FF2B5EF4-FFF2-40B4-BE49-F238E27FC236}">
+                <a16:creationId xmlns:a16="http://schemas.microsoft.com/office/drawing/2014/main" id="{E8FCB87D-98D2-046D-2183-840542FB77AD}"/>
+              </a:ext>
+            </a:extLst>
+          </p:cNvPr>
+          <p:cNvPicPr>
+            <a:picLocks noChangeAspect="1"/>
+          </p:cNvPicPr>
+          <p:nvPr/>
         </p:nvPicPr>
         <p:blipFill>
           <a:blip r:embed="rId2"/>
@@ -4227,17 +6060,242 @@
         </p:blipFill>
         <p:spPr>
           <a:xfrm>
-            <a:off x="396950" y="207642"/>
-            <a:ext cx="4761280" cy="2994558"/>
+            <a:off x="564393" y="3533169"/>
+            <a:ext cx="4399238" cy="2972123"/>
           </a:xfrm>
+          <a:prstGeom prst="rect">
+            <a:avLst/>
+          </a:prstGeom>
         </p:spPr>
       </p:pic>
+      <p:sp>
+        <p:nvSpPr>
+          <p:cNvPr id="6" name="Espaço Reservado para Conteúdo 7">
+            <a:extLst>
+              <a:ext uri="{FF2B5EF4-FFF2-40B4-BE49-F238E27FC236}">
+                <a16:creationId xmlns:a16="http://schemas.microsoft.com/office/drawing/2014/main" id="{7948C2FF-D252-C470-E9D4-975F45978848}"/>
+              </a:ext>
+            </a:extLst>
+          </p:cNvPr>
+          <p:cNvSpPr txBox="1">
+            <a:spLocks/>
+          </p:cNvSpPr>
+          <p:nvPr/>
+        </p:nvSpPr>
+        <p:spPr>
+          <a:xfrm>
+            <a:off x="1658193" y="3092615"/>
+            <a:ext cx="2389191" cy="549844"/>
+          </a:xfrm>
+          <a:prstGeom prst="rect">
+            <a:avLst/>
+          </a:prstGeom>
+        </p:spPr>
+        <p:txBody>
+          <a:bodyPr vert="horz" lIns="91440" tIns="45720" rIns="91440" bIns="45720" rtlCol="0">
+            <a:noAutofit/>
+          </a:bodyPr>
+          <a:lstStyle>
+            <a:lvl1pPr marL="228600" indent="-228600" algn="l" defTabSz="914400" rtl="0" eaLnBrk="1" latinLnBrk="0" hangingPunct="1">
+              <a:lnSpc>
+                <a:spcPct val="90000"/>
+              </a:lnSpc>
+              <a:spcBef>
+                <a:spcPts val="1000"/>
+              </a:spcBef>
+              <a:buFont typeface="Arial" panose="020B0604020202020204" pitchFamily="34" charset="0"/>
+              <a:buChar char="•"/>
+              <a:defRPr sz="2800" kern="1200">
+                <a:solidFill>
+                  <a:schemeClr val="tx1"/>
+                </a:solidFill>
+                <a:latin typeface="+mn-lt"/>
+                <a:ea typeface="+mn-ea"/>
+                <a:cs typeface="+mn-cs"/>
+              </a:defRPr>
+            </a:lvl1pPr>
+            <a:lvl2pPr marL="685800" indent="-228600" algn="l" defTabSz="914400" rtl="0" eaLnBrk="1" latinLnBrk="0" hangingPunct="1">
+              <a:lnSpc>
+                <a:spcPct val="90000"/>
+              </a:lnSpc>
+              <a:spcBef>
+                <a:spcPts val="500"/>
+              </a:spcBef>
+              <a:buFont typeface="Arial" panose="020B0604020202020204" pitchFamily="34" charset="0"/>
+              <a:buChar char="•"/>
+              <a:defRPr sz="2400" kern="1200">
+                <a:solidFill>
+                  <a:schemeClr val="tx1"/>
+                </a:solidFill>
+                <a:latin typeface="+mn-lt"/>
+                <a:ea typeface="+mn-ea"/>
+                <a:cs typeface="+mn-cs"/>
+              </a:defRPr>
+            </a:lvl2pPr>
+            <a:lvl3pPr marL="1143000" indent="-228600" algn="l" defTabSz="914400" rtl="0" eaLnBrk="1" latinLnBrk="0" hangingPunct="1">
+              <a:lnSpc>
+                <a:spcPct val="90000"/>
+              </a:lnSpc>
+              <a:spcBef>
+                <a:spcPts val="500"/>
+              </a:spcBef>
+              <a:buFont typeface="Arial" panose="020B0604020202020204" pitchFamily="34" charset="0"/>
+              <a:buChar char="•"/>
+              <a:defRPr sz="2000" kern="1200">
+                <a:solidFill>
+                  <a:schemeClr val="tx1"/>
+                </a:solidFill>
+                <a:latin typeface="+mn-lt"/>
+                <a:ea typeface="+mn-ea"/>
+                <a:cs typeface="+mn-cs"/>
+              </a:defRPr>
+            </a:lvl3pPr>
+            <a:lvl4pPr marL="1600200" indent="-228600" algn="l" defTabSz="914400" rtl="0" eaLnBrk="1" latinLnBrk="0" hangingPunct="1">
+              <a:lnSpc>
+                <a:spcPct val="90000"/>
+              </a:lnSpc>
+              <a:spcBef>
+                <a:spcPts val="500"/>
+              </a:spcBef>
+              <a:buFont typeface="Arial" panose="020B0604020202020204" pitchFamily="34" charset="0"/>
+              <a:buChar char="•"/>
+              <a:defRPr sz="1800" kern="1200">
+                <a:solidFill>
+                  <a:schemeClr val="tx1"/>
+                </a:solidFill>
+                <a:latin typeface="+mn-lt"/>
+                <a:ea typeface="+mn-ea"/>
+                <a:cs typeface="+mn-cs"/>
+              </a:defRPr>
+            </a:lvl4pPr>
+            <a:lvl5pPr marL="2057400" indent="-228600" algn="l" defTabSz="914400" rtl="0" eaLnBrk="1" latinLnBrk="0" hangingPunct="1">
+              <a:lnSpc>
+                <a:spcPct val="90000"/>
+              </a:lnSpc>
+              <a:spcBef>
+                <a:spcPts val="500"/>
+              </a:spcBef>
+              <a:buFont typeface="Arial" panose="020B0604020202020204" pitchFamily="34" charset="0"/>
+              <a:buChar char="•"/>
+              <a:defRPr sz="1800" kern="1200">
+                <a:solidFill>
+                  <a:schemeClr val="tx1"/>
+                </a:solidFill>
+                <a:latin typeface="+mn-lt"/>
+                <a:ea typeface="+mn-ea"/>
+                <a:cs typeface="+mn-cs"/>
+              </a:defRPr>
+            </a:lvl5pPr>
+            <a:lvl6pPr marL="2514600" indent="-228600" algn="l" defTabSz="914400" rtl="0" eaLnBrk="1" latinLnBrk="0" hangingPunct="1">
+              <a:lnSpc>
+                <a:spcPct val="90000"/>
+              </a:lnSpc>
+              <a:spcBef>
+                <a:spcPts val="500"/>
+              </a:spcBef>
+              <a:buFont typeface="Arial" panose="020B0604020202020204" pitchFamily="34" charset="0"/>
+              <a:buChar char="•"/>
+              <a:defRPr sz="1800" kern="1200">
+                <a:solidFill>
+                  <a:schemeClr val="tx1"/>
+                </a:solidFill>
+                <a:latin typeface="+mn-lt"/>
+                <a:ea typeface="+mn-ea"/>
+                <a:cs typeface="+mn-cs"/>
+              </a:defRPr>
+            </a:lvl6pPr>
+            <a:lvl7pPr marL="2971800" indent="-228600" algn="l" defTabSz="914400" rtl="0" eaLnBrk="1" latinLnBrk="0" hangingPunct="1">
+              <a:lnSpc>
+                <a:spcPct val="90000"/>
+              </a:lnSpc>
+              <a:spcBef>
+                <a:spcPts val="500"/>
+              </a:spcBef>
+              <a:buFont typeface="Arial" panose="020B0604020202020204" pitchFamily="34" charset="0"/>
+              <a:buChar char="•"/>
+              <a:defRPr sz="1800" kern="1200">
+                <a:solidFill>
+                  <a:schemeClr val="tx1"/>
+                </a:solidFill>
+                <a:latin typeface="+mn-lt"/>
+                <a:ea typeface="+mn-ea"/>
+                <a:cs typeface="+mn-cs"/>
+              </a:defRPr>
+            </a:lvl7pPr>
+            <a:lvl8pPr marL="3429000" indent="-228600" algn="l" defTabSz="914400" rtl="0" eaLnBrk="1" latinLnBrk="0" hangingPunct="1">
+              <a:lnSpc>
+                <a:spcPct val="90000"/>
+              </a:lnSpc>
+              <a:spcBef>
+                <a:spcPts val="500"/>
+              </a:spcBef>
+              <a:buFont typeface="Arial" panose="020B0604020202020204" pitchFamily="34" charset="0"/>
+              <a:buChar char="•"/>
+              <a:defRPr sz="1800" kern="1200">
+                <a:solidFill>
+                  <a:schemeClr val="tx1"/>
+                </a:solidFill>
+                <a:latin typeface="+mn-lt"/>
+                <a:ea typeface="+mn-ea"/>
+                <a:cs typeface="+mn-cs"/>
+              </a:defRPr>
+            </a:lvl8pPr>
+            <a:lvl9pPr marL="3886200" indent="-228600" algn="l" defTabSz="914400" rtl="0" eaLnBrk="1" latinLnBrk="0" hangingPunct="1">
+              <a:lnSpc>
+                <a:spcPct val="90000"/>
+              </a:lnSpc>
+              <a:spcBef>
+                <a:spcPts val="500"/>
+              </a:spcBef>
+              <a:buFont typeface="Arial" panose="020B0604020202020204" pitchFamily="34" charset="0"/>
+              <a:buChar char="•"/>
+              <a:defRPr sz="1800" kern="1200">
+                <a:solidFill>
+                  <a:schemeClr val="tx1"/>
+                </a:solidFill>
+                <a:latin typeface="+mn-lt"/>
+                <a:ea typeface="+mn-ea"/>
+                <a:cs typeface="+mn-cs"/>
+              </a:defRPr>
+            </a:lvl9pPr>
+          </a:lstStyle>
+          <a:p>
+            <a:pPr marL="0" indent="0" algn="ctr">
+              <a:lnSpc>
+                <a:spcPct val="100000"/>
+              </a:lnSpc>
+              <a:buNone/>
+            </a:pPr>
+            <a:r>
+              <a:rPr lang="en-US" sz="1400" b="1" dirty="0" err="1"/>
+              <a:t>Verificação</a:t>
+            </a:r>
+            <a:r>
+              <a:rPr lang="en-US" sz="1400" b="1" dirty="0"/>
+              <a:t> do </a:t>
+            </a:r>
+            <a:r>
+              <a:rPr lang="en-US" sz="1400" b="1" dirty="0" err="1"/>
+              <a:t>balanceamento</a:t>
+            </a:r>
+            <a:r>
+              <a:rPr lang="en-US" sz="1400" b="1" dirty="0"/>
+              <a:t> do </a:t>
+            </a:r>
+            <a:r>
+              <a:rPr lang="en-US" sz="1400" b="1" dirty="0" err="1"/>
+              <a:t>treino</a:t>
+            </a:r>
+            <a:endParaRPr lang="pt-BR" sz="1400" b="1" dirty="0"/>
+          </a:p>
+        </p:txBody>
+      </p:sp>
       <p:pic>
         <p:nvPicPr>
-          <p:cNvPr id="7" name="Imagem 6">
-            <a:extLst>
-              <a:ext uri="{FF2B5EF4-FFF2-40B4-BE49-F238E27FC236}">
-                <a16:creationId xmlns:a16="http://schemas.microsoft.com/office/drawing/2014/main" id="{F8CDFB2C-C7D2-D7B4-5921-C6F97B7704F6}"/>
+          <p:cNvPr id="7" name="Espaço Reservado para Conteúdo 4">
+            <a:extLst>
+              <a:ext uri="{FF2B5EF4-FFF2-40B4-BE49-F238E27FC236}">
+                <a16:creationId xmlns:a16="http://schemas.microsoft.com/office/drawing/2014/main" id="{82C636FA-E7D5-2B5C-A013-BE2AF2AE69D1}"/>
               </a:ext>
             </a:extLst>
           </p:cNvPr>
@@ -4254,20 +6312,226 @@
         </p:blipFill>
         <p:spPr>
           <a:xfrm>
-            <a:off x="396950" y="3429000"/>
-            <a:ext cx="4566703" cy="3081150"/>
+            <a:off x="6095999" y="3533168"/>
+            <a:ext cx="5178641" cy="2972123"/>
           </a:xfrm>
           <a:prstGeom prst="rect">
             <a:avLst/>
           </a:prstGeom>
         </p:spPr>
       </p:pic>
+      <p:sp>
+        <p:nvSpPr>
+          <p:cNvPr id="8" name="Espaço Reservado para Conteúdo 7">
+            <a:extLst>
+              <a:ext uri="{FF2B5EF4-FFF2-40B4-BE49-F238E27FC236}">
+                <a16:creationId xmlns:a16="http://schemas.microsoft.com/office/drawing/2014/main" id="{CD092AF7-965F-EB36-52F8-479DFD1240C2}"/>
+              </a:ext>
+            </a:extLst>
+          </p:cNvPr>
+          <p:cNvSpPr txBox="1">
+            <a:spLocks/>
+          </p:cNvSpPr>
+          <p:nvPr/>
+        </p:nvSpPr>
+        <p:spPr>
+          <a:xfrm>
+            <a:off x="7148468" y="3205519"/>
+            <a:ext cx="3073703" cy="341505"/>
+          </a:xfrm>
+          <a:prstGeom prst="rect">
+            <a:avLst/>
+          </a:prstGeom>
+        </p:spPr>
+        <p:txBody>
+          <a:bodyPr vert="horz" lIns="91440" tIns="45720" rIns="91440" bIns="45720" rtlCol="0">
+            <a:noAutofit/>
+          </a:bodyPr>
+          <a:lstStyle>
+            <a:lvl1pPr marL="228600" indent="-228600" algn="l" defTabSz="914400" rtl="0" eaLnBrk="1" latinLnBrk="0" hangingPunct="1">
+              <a:lnSpc>
+                <a:spcPct val="90000"/>
+              </a:lnSpc>
+              <a:spcBef>
+                <a:spcPts val="1000"/>
+              </a:spcBef>
+              <a:buFont typeface="Arial" panose="020B0604020202020204" pitchFamily="34" charset="0"/>
+              <a:buChar char="•"/>
+              <a:defRPr sz="2800" kern="1200">
+                <a:solidFill>
+                  <a:schemeClr val="tx1"/>
+                </a:solidFill>
+                <a:latin typeface="+mn-lt"/>
+                <a:ea typeface="+mn-ea"/>
+                <a:cs typeface="+mn-cs"/>
+              </a:defRPr>
+            </a:lvl1pPr>
+            <a:lvl2pPr marL="685800" indent="-228600" algn="l" defTabSz="914400" rtl="0" eaLnBrk="1" latinLnBrk="0" hangingPunct="1">
+              <a:lnSpc>
+                <a:spcPct val="90000"/>
+              </a:lnSpc>
+              <a:spcBef>
+                <a:spcPts val="500"/>
+              </a:spcBef>
+              <a:buFont typeface="Arial" panose="020B0604020202020204" pitchFamily="34" charset="0"/>
+              <a:buChar char="•"/>
+              <a:defRPr sz="2400" kern="1200">
+                <a:solidFill>
+                  <a:schemeClr val="tx1"/>
+                </a:solidFill>
+                <a:latin typeface="+mn-lt"/>
+                <a:ea typeface="+mn-ea"/>
+                <a:cs typeface="+mn-cs"/>
+              </a:defRPr>
+            </a:lvl2pPr>
+            <a:lvl3pPr marL="1143000" indent="-228600" algn="l" defTabSz="914400" rtl="0" eaLnBrk="1" latinLnBrk="0" hangingPunct="1">
+              <a:lnSpc>
+                <a:spcPct val="90000"/>
+              </a:lnSpc>
+              <a:spcBef>
+                <a:spcPts val="500"/>
+              </a:spcBef>
+              <a:buFont typeface="Arial" panose="020B0604020202020204" pitchFamily="34" charset="0"/>
+              <a:buChar char="•"/>
+              <a:defRPr sz="2000" kern="1200">
+                <a:solidFill>
+                  <a:schemeClr val="tx1"/>
+                </a:solidFill>
+                <a:latin typeface="+mn-lt"/>
+                <a:ea typeface="+mn-ea"/>
+                <a:cs typeface="+mn-cs"/>
+              </a:defRPr>
+            </a:lvl3pPr>
+            <a:lvl4pPr marL="1600200" indent="-228600" algn="l" defTabSz="914400" rtl="0" eaLnBrk="1" latinLnBrk="0" hangingPunct="1">
+              <a:lnSpc>
+                <a:spcPct val="90000"/>
+              </a:lnSpc>
+              <a:spcBef>
+                <a:spcPts val="500"/>
+              </a:spcBef>
+              <a:buFont typeface="Arial" panose="020B0604020202020204" pitchFamily="34" charset="0"/>
+              <a:buChar char="•"/>
+              <a:defRPr sz="1800" kern="1200">
+                <a:solidFill>
+                  <a:schemeClr val="tx1"/>
+                </a:solidFill>
+                <a:latin typeface="+mn-lt"/>
+                <a:ea typeface="+mn-ea"/>
+                <a:cs typeface="+mn-cs"/>
+              </a:defRPr>
+            </a:lvl4pPr>
+            <a:lvl5pPr marL="2057400" indent="-228600" algn="l" defTabSz="914400" rtl="0" eaLnBrk="1" latinLnBrk="0" hangingPunct="1">
+              <a:lnSpc>
+                <a:spcPct val="90000"/>
+              </a:lnSpc>
+              <a:spcBef>
+                <a:spcPts val="500"/>
+              </a:spcBef>
+              <a:buFont typeface="Arial" panose="020B0604020202020204" pitchFamily="34" charset="0"/>
+              <a:buChar char="•"/>
+              <a:defRPr sz="1800" kern="1200">
+                <a:solidFill>
+                  <a:schemeClr val="tx1"/>
+                </a:solidFill>
+                <a:latin typeface="+mn-lt"/>
+                <a:ea typeface="+mn-ea"/>
+                <a:cs typeface="+mn-cs"/>
+              </a:defRPr>
+            </a:lvl5pPr>
+            <a:lvl6pPr marL="2514600" indent="-228600" algn="l" defTabSz="914400" rtl="0" eaLnBrk="1" latinLnBrk="0" hangingPunct="1">
+              <a:lnSpc>
+                <a:spcPct val="90000"/>
+              </a:lnSpc>
+              <a:spcBef>
+                <a:spcPts val="500"/>
+              </a:spcBef>
+              <a:buFont typeface="Arial" panose="020B0604020202020204" pitchFamily="34" charset="0"/>
+              <a:buChar char="•"/>
+              <a:defRPr sz="1800" kern="1200">
+                <a:solidFill>
+                  <a:schemeClr val="tx1"/>
+                </a:solidFill>
+                <a:latin typeface="+mn-lt"/>
+                <a:ea typeface="+mn-ea"/>
+                <a:cs typeface="+mn-cs"/>
+              </a:defRPr>
+            </a:lvl6pPr>
+            <a:lvl7pPr marL="2971800" indent="-228600" algn="l" defTabSz="914400" rtl="0" eaLnBrk="1" latinLnBrk="0" hangingPunct="1">
+              <a:lnSpc>
+                <a:spcPct val="90000"/>
+              </a:lnSpc>
+              <a:spcBef>
+                <a:spcPts val="500"/>
+              </a:spcBef>
+              <a:buFont typeface="Arial" panose="020B0604020202020204" pitchFamily="34" charset="0"/>
+              <a:buChar char="•"/>
+              <a:defRPr sz="1800" kern="1200">
+                <a:solidFill>
+                  <a:schemeClr val="tx1"/>
+                </a:solidFill>
+                <a:latin typeface="+mn-lt"/>
+                <a:ea typeface="+mn-ea"/>
+                <a:cs typeface="+mn-cs"/>
+              </a:defRPr>
+            </a:lvl7pPr>
+            <a:lvl8pPr marL="3429000" indent="-228600" algn="l" defTabSz="914400" rtl="0" eaLnBrk="1" latinLnBrk="0" hangingPunct="1">
+              <a:lnSpc>
+                <a:spcPct val="90000"/>
+              </a:lnSpc>
+              <a:spcBef>
+                <a:spcPts val="500"/>
+              </a:spcBef>
+              <a:buFont typeface="Arial" panose="020B0604020202020204" pitchFamily="34" charset="0"/>
+              <a:buChar char="•"/>
+              <a:defRPr sz="1800" kern="1200">
+                <a:solidFill>
+                  <a:schemeClr val="tx1"/>
+                </a:solidFill>
+                <a:latin typeface="+mn-lt"/>
+                <a:ea typeface="+mn-ea"/>
+                <a:cs typeface="+mn-cs"/>
+              </a:defRPr>
+            </a:lvl8pPr>
+            <a:lvl9pPr marL="3886200" indent="-228600" algn="l" defTabSz="914400" rtl="0" eaLnBrk="1" latinLnBrk="0" hangingPunct="1">
+              <a:lnSpc>
+                <a:spcPct val="90000"/>
+              </a:lnSpc>
+              <a:spcBef>
+                <a:spcPts val="500"/>
+              </a:spcBef>
+              <a:buFont typeface="Arial" panose="020B0604020202020204" pitchFamily="34" charset="0"/>
+              <a:buChar char="•"/>
+              <a:defRPr sz="1800" kern="1200">
+                <a:solidFill>
+                  <a:schemeClr val="tx1"/>
+                </a:solidFill>
+                <a:latin typeface="+mn-lt"/>
+                <a:ea typeface="+mn-ea"/>
+                <a:cs typeface="+mn-cs"/>
+              </a:defRPr>
+            </a:lvl9pPr>
+          </a:lstStyle>
+          <a:p>
+            <a:pPr marL="0" indent="0" algn="ctr">
+              <a:lnSpc>
+                <a:spcPct val="100000"/>
+              </a:lnSpc>
+              <a:buNone/>
+            </a:pPr>
+            <a:r>
+              <a:rPr lang="en-US" sz="1400" b="1" dirty="0"/>
+              <a:t>Feature Importance (Random Forest)</a:t>
+            </a:r>
+            <a:endParaRPr lang="pt-BR" sz="1400" b="1" dirty="0"/>
+          </a:p>
+        </p:txBody>
+      </p:sp>
       <p:pic>
         <p:nvPicPr>
-          <p:cNvPr id="9" name="Imagem 8">
-            <a:extLst>
-              <a:ext uri="{FF2B5EF4-FFF2-40B4-BE49-F238E27FC236}">
-                <a16:creationId xmlns:a16="http://schemas.microsoft.com/office/drawing/2014/main" id="{DF39F100-497E-8526-4A83-C1F38BC1396B}"/>
+          <p:cNvPr id="10" name="Imagem 9">
+            <a:extLst>
+              <a:ext uri="{FF2B5EF4-FFF2-40B4-BE49-F238E27FC236}">
+                <a16:creationId xmlns:a16="http://schemas.microsoft.com/office/drawing/2014/main" id="{5D94024F-C1C3-CA9D-AC20-11C1C2D8D76B}"/>
               </a:ext>
             </a:extLst>
           </p:cNvPr>
@@ -4284,8 +6548,8 @@
         </p:blipFill>
         <p:spPr>
           <a:xfrm>
-            <a:off x="6539481" y="207642"/>
-            <a:ext cx="4950383" cy="3081151"/>
+            <a:off x="11390050" y="6414586"/>
+            <a:ext cx="801950" cy="443414"/>
           </a:xfrm>
           <a:prstGeom prst="rect">
             <a:avLst/>
@@ -4294,10 +6558,10 @@
       </p:pic>
       <p:pic>
         <p:nvPicPr>
-          <p:cNvPr id="13" name="Imagem 12">
-            <a:extLst>
-              <a:ext uri="{FF2B5EF4-FFF2-40B4-BE49-F238E27FC236}">
-                <a16:creationId xmlns:a16="http://schemas.microsoft.com/office/drawing/2014/main" id="{2519B8B7-7D79-6A29-20F1-CC14E66CED27}"/>
+          <p:cNvPr id="11" name="Imagem 10">
+            <a:extLst>
+              <a:ext uri="{FF2B5EF4-FFF2-40B4-BE49-F238E27FC236}">
+                <a16:creationId xmlns:a16="http://schemas.microsoft.com/office/drawing/2014/main" id="{3D99BFD9-2C41-642B-1D7C-6D51E73838DF}"/>
               </a:ext>
             </a:extLst>
           </p:cNvPr>
@@ -4314,68 +6578,8 @@
         </p:blipFill>
         <p:spPr>
           <a:xfrm>
-            <a:off x="6683655" y="3300997"/>
-            <a:ext cx="4950384" cy="1576736"/>
-          </a:xfrm>
-          <a:prstGeom prst="rect">
-            <a:avLst/>
-          </a:prstGeom>
-        </p:spPr>
-      </p:pic>
-      <p:pic>
-        <p:nvPicPr>
-          <p:cNvPr id="17" name="Imagem 16">
-            <a:extLst>
-              <a:ext uri="{FF2B5EF4-FFF2-40B4-BE49-F238E27FC236}">
-                <a16:creationId xmlns:a16="http://schemas.microsoft.com/office/drawing/2014/main" id="{4EA3EF7F-C5D0-DA51-5DEA-8C50A0A96A6A}"/>
-              </a:ext>
-            </a:extLst>
-          </p:cNvPr>
-          <p:cNvPicPr>
-            <a:picLocks noChangeAspect="1"/>
-          </p:cNvPicPr>
-          <p:nvPr/>
-        </p:nvPicPr>
-        <p:blipFill>
-          <a:blip r:embed="rId6"/>
-          <a:stretch>
-            <a:fillRect/>
-          </a:stretch>
-        </p:blipFill>
-        <p:spPr>
-          <a:xfrm>
-            <a:off x="6825875" y="4969575"/>
-            <a:ext cx="4533980" cy="386458"/>
-          </a:xfrm>
-          <a:prstGeom prst="rect">
-            <a:avLst/>
-          </a:prstGeom>
-        </p:spPr>
-      </p:pic>
-      <p:pic>
-        <p:nvPicPr>
-          <p:cNvPr id="19" name="Imagem 18">
-            <a:extLst>
-              <a:ext uri="{FF2B5EF4-FFF2-40B4-BE49-F238E27FC236}">
-                <a16:creationId xmlns:a16="http://schemas.microsoft.com/office/drawing/2014/main" id="{E0E6BB02-6EB3-54EC-9D48-41B0018C41EB}"/>
-              </a:ext>
-            </a:extLst>
-          </p:cNvPr>
-          <p:cNvPicPr>
-            <a:picLocks noChangeAspect="1"/>
-          </p:cNvPicPr>
-          <p:nvPr/>
-        </p:nvPicPr>
-        <p:blipFill>
-          <a:blip r:embed="rId7"/>
-          <a:stretch>
-            <a:fillRect/>
-          </a:stretch>
-        </p:blipFill>
-        <p:spPr>
-          <a:xfrm>
-            <a:off x="4963653" y="5582833"/>
-            <a:ext cx="7228347" cy="745130"/>
+            <a:off x="82834" y="6479108"/>
+            <a:ext cx="1000265" cy="314369"/>
           </a:xfrm>
           <a:prstGeom prst="rect">
             <a:avLst/>
@@ -4385,7 +6589,7 @@
     </p:spTree>
     <p:extLst>
       <p:ext uri="{BB962C8B-B14F-4D97-AF65-F5344CB8AC3E}">
-        <p14:creationId xmlns:p14="http://schemas.microsoft.com/office/powerpoint/2010/main" val="2788693580"/>
+        <p14:creationId xmlns:p14="http://schemas.microsoft.com/office/powerpoint/2010/main" val="758732044"/>
       </p:ext>
     </p:extLst>
   </p:cSld>
@@ -4412,12 +6616,326 @@
           <a:chExt cx="0" cy="0"/>
         </a:xfrm>
       </p:grpSpPr>
+      <p:sp>
+        <p:nvSpPr>
+          <p:cNvPr id="2" name="Título 1">
+            <a:extLst>
+              <a:ext uri="{FF2B5EF4-FFF2-40B4-BE49-F238E27FC236}">
+                <a16:creationId xmlns:a16="http://schemas.microsoft.com/office/drawing/2014/main" id="{6A123D7E-A3D0-D6CC-370D-D829BA7E6C81}"/>
+              </a:ext>
+            </a:extLst>
+          </p:cNvPr>
+          <p:cNvSpPr txBox="1">
+            <a:spLocks/>
+          </p:cNvSpPr>
+          <p:nvPr/>
+        </p:nvSpPr>
+        <p:spPr>
+          <a:xfrm>
+            <a:off x="0" y="10019"/>
+            <a:ext cx="2459115" cy="745846"/>
+          </a:xfrm>
+          <a:prstGeom prst="rect">
+            <a:avLst/>
+          </a:prstGeom>
+          <a:ln w="57150" cap="flat" cmpd="sng" algn="ctr">
+            <a:solidFill>
+              <a:srgbClr val="F7009B"/>
+            </a:solidFill>
+            <a:prstDash val="solid"/>
+            <a:miter lim="800000"/>
+          </a:ln>
+        </p:spPr>
+        <p:style>
+          <a:lnRef idx="2">
+            <a:schemeClr val="accent1"/>
+          </a:lnRef>
+          <a:fillRef idx="1">
+            <a:schemeClr val="lt1"/>
+          </a:fillRef>
+          <a:effectRef idx="0">
+            <a:schemeClr val="accent1"/>
+          </a:effectRef>
+          <a:fontRef idx="minor">
+            <a:schemeClr val="dk1"/>
+          </a:fontRef>
+        </p:style>
+        <p:txBody>
+          <a:bodyPr vert="horz" lIns="91440" tIns="45720" rIns="91440" bIns="45720" rtlCol="0" anchor="ctr">
+            <a:normAutofit/>
+          </a:bodyPr>
+          <a:lstStyle>
+            <a:lvl1pPr algn="l" defTabSz="914400" rtl="0" eaLnBrk="1" latinLnBrk="0" hangingPunct="1">
+              <a:lnSpc>
+                <a:spcPct val="90000"/>
+              </a:lnSpc>
+              <a:spcBef>
+                <a:spcPct val="0"/>
+              </a:spcBef>
+              <a:buNone/>
+              <a:defRPr sz="4400" kern="1200">
+                <a:solidFill>
+                  <a:schemeClr val="dk1"/>
+                </a:solidFill>
+                <a:latin typeface="+mn-lt"/>
+                <a:ea typeface="+mn-ea"/>
+                <a:cs typeface="+mn-cs"/>
+              </a:defRPr>
+            </a:lvl1pPr>
+            <a:lvl2pPr>
+              <a:defRPr>
+                <a:solidFill>
+                  <a:schemeClr val="dk1"/>
+                </a:solidFill>
+                <a:latin typeface="+mn-lt"/>
+                <a:ea typeface="+mn-ea"/>
+                <a:cs typeface="+mn-cs"/>
+              </a:defRPr>
+            </a:lvl2pPr>
+            <a:lvl3pPr>
+              <a:defRPr>
+                <a:solidFill>
+                  <a:schemeClr val="dk1"/>
+                </a:solidFill>
+                <a:latin typeface="+mn-lt"/>
+                <a:ea typeface="+mn-ea"/>
+                <a:cs typeface="+mn-cs"/>
+              </a:defRPr>
+            </a:lvl3pPr>
+            <a:lvl4pPr>
+              <a:defRPr>
+                <a:solidFill>
+                  <a:schemeClr val="dk1"/>
+                </a:solidFill>
+                <a:latin typeface="+mn-lt"/>
+                <a:ea typeface="+mn-ea"/>
+                <a:cs typeface="+mn-cs"/>
+              </a:defRPr>
+            </a:lvl4pPr>
+            <a:lvl5pPr>
+              <a:defRPr>
+                <a:solidFill>
+                  <a:schemeClr val="dk1"/>
+                </a:solidFill>
+                <a:latin typeface="+mn-lt"/>
+                <a:ea typeface="+mn-ea"/>
+                <a:cs typeface="+mn-cs"/>
+              </a:defRPr>
+            </a:lvl5pPr>
+            <a:lvl6pPr>
+              <a:defRPr>
+                <a:solidFill>
+                  <a:schemeClr val="dk1"/>
+                </a:solidFill>
+                <a:latin typeface="+mn-lt"/>
+                <a:ea typeface="+mn-ea"/>
+                <a:cs typeface="+mn-cs"/>
+              </a:defRPr>
+            </a:lvl6pPr>
+            <a:lvl7pPr>
+              <a:defRPr>
+                <a:solidFill>
+                  <a:schemeClr val="dk1"/>
+                </a:solidFill>
+                <a:latin typeface="+mn-lt"/>
+                <a:ea typeface="+mn-ea"/>
+                <a:cs typeface="+mn-cs"/>
+              </a:defRPr>
+            </a:lvl7pPr>
+            <a:lvl8pPr>
+              <a:defRPr>
+                <a:solidFill>
+                  <a:schemeClr val="dk1"/>
+                </a:solidFill>
+                <a:latin typeface="+mn-lt"/>
+                <a:ea typeface="+mn-ea"/>
+                <a:cs typeface="+mn-cs"/>
+              </a:defRPr>
+            </a:lvl8pPr>
+            <a:lvl9pPr>
+              <a:defRPr>
+                <a:solidFill>
+                  <a:schemeClr val="dk1"/>
+                </a:solidFill>
+                <a:latin typeface="+mn-lt"/>
+                <a:ea typeface="+mn-ea"/>
+                <a:cs typeface="+mn-cs"/>
+              </a:defRPr>
+            </a:lvl9pPr>
+          </a:lstStyle>
+          <a:p>
+            <a:r>
+              <a:rPr lang="en-US" sz="3500" b="1" dirty="0" err="1"/>
+              <a:t>Resultados</a:t>
+            </a:r>
+            <a:endParaRPr lang="pt-BR" sz="3500" b="1" dirty="0"/>
+          </a:p>
+        </p:txBody>
+      </p:sp>
+      <p:sp>
+        <p:nvSpPr>
+          <p:cNvPr id="3" name="Espaço Reservado para Conteúdo 7">
+            <a:extLst>
+              <a:ext uri="{FF2B5EF4-FFF2-40B4-BE49-F238E27FC236}">
+                <a16:creationId xmlns:a16="http://schemas.microsoft.com/office/drawing/2014/main" id="{4F706697-0349-E9E2-CC20-3826F6A962C1}"/>
+              </a:ext>
+            </a:extLst>
+          </p:cNvPr>
+          <p:cNvSpPr>
+            <a:spLocks noGrp="1"/>
+          </p:cNvSpPr>
+          <p:nvPr>
+            <p:ph idx="1"/>
+          </p:nvPr>
+        </p:nvSpPr>
+        <p:spPr>
+          <a:xfrm>
+            <a:off x="500477" y="819151"/>
+            <a:ext cx="11191046" cy="2609849"/>
+          </a:xfrm>
+        </p:spPr>
+        <p:txBody>
+          <a:bodyPr>
+            <a:normAutofit/>
+          </a:bodyPr>
+          <a:lstStyle/>
+          <a:p>
+            <a:pPr>
+              <a:lnSpc>
+                <a:spcPct val="100000"/>
+              </a:lnSpc>
+            </a:pPr>
+            <a:r>
+              <a:rPr lang="en-US" dirty="0"/>
+              <a:t>O </a:t>
+            </a:r>
+            <a:r>
+              <a:rPr lang="en-US" dirty="0" err="1"/>
+              <a:t>modelo</a:t>
+            </a:r>
+            <a:r>
+              <a:rPr lang="en-US" dirty="0"/>
+              <a:t> </a:t>
+            </a:r>
+            <a:r>
+              <a:rPr lang="en-US" dirty="0" err="1"/>
+              <a:t>XGBoost</a:t>
+            </a:r>
+            <a:r>
+              <a:rPr lang="en-US" dirty="0"/>
+              <a:t> </a:t>
+            </a:r>
+            <a:r>
+              <a:rPr lang="en-US" dirty="0" err="1"/>
+              <a:t>apresentou</a:t>
+            </a:r>
+            <a:r>
+              <a:rPr lang="en-US" dirty="0"/>
+              <a:t> </a:t>
+            </a:r>
+            <a:r>
+              <a:rPr lang="en-US" dirty="0" err="1"/>
+              <a:t>resultados</a:t>
+            </a:r>
+            <a:r>
+              <a:rPr lang="en-US" dirty="0"/>
+              <a:t> </a:t>
+            </a:r>
+            <a:r>
+              <a:rPr lang="en-US" dirty="0" err="1"/>
+              <a:t>levemente</a:t>
+            </a:r>
+            <a:r>
+              <a:rPr lang="en-US" dirty="0"/>
+              <a:t> </a:t>
+            </a:r>
+            <a:r>
+              <a:rPr lang="en-US" dirty="0" err="1"/>
+              <a:t>melhores</a:t>
+            </a:r>
+            <a:r>
+              <a:rPr lang="en-US" dirty="0"/>
+              <a:t>;</a:t>
+            </a:r>
+          </a:p>
+          <a:p>
+            <a:pPr>
+              <a:lnSpc>
+                <a:spcPct val="100000"/>
+              </a:lnSpc>
+            </a:pPr>
+            <a:r>
+              <a:rPr lang="en-US" dirty="0"/>
+              <a:t>Com a </a:t>
+            </a:r>
+            <a:r>
+              <a:rPr lang="en-US" dirty="0" err="1"/>
+              <a:t>implementação</a:t>
+            </a:r>
+            <a:r>
+              <a:rPr lang="en-US" dirty="0"/>
+              <a:t> do </a:t>
+            </a:r>
+            <a:r>
+              <a:rPr lang="en-US" dirty="0" err="1"/>
+              <a:t>mesmo</a:t>
+            </a:r>
+            <a:r>
+              <a:rPr lang="en-US" dirty="0"/>
+              <a:t>, </a:t>
+            </a:r>
+            <a:r>
+              <a:rPr lang="en-US" dirty="0" err="1"/>
+              <a:t>seria</a:t>
+            </a:r>
+            <a:r>
+              <a:rPr lang="en-US" dirty="0"/>
+              <a:t> </a:t>
+            </a:r>
+            <a:r>
+              <a:rPr lang="en-US" dirty="0" err="1"/>
+              <a:t>possível</a:t>
+            </a:r>
+            <a:r>
+              <a:rPr lang="en-US" dirty="0"/>
+              <a:t> </a:t>
+            </a:r>
+            <a:r>
+              <a:rPr lang="en-US" dirty="0" err="1"/>
+              <a:t>identificar</a:t>
+            </a:r>
+            <a:r>
+              <a:rPr lang="en-US" dirty="0"/>
+              <a:t> 51.87% dos </a:t>
+            </a:r>
+            <a:r>
+              <a:rPr lang="en-US" dirty="0" err="1"/>
+              <a:t>novos</a:t>
+            </a:r>
+            <a:r>
+              <a:rPr lang="en-US" dirty="0"/>
+              <a:t> Churns;</a:t>
+            </a:r>
+          </a:p>
+          <a:p>
+            <a:pPr>
+              <a:lnSpc>
+                <a:spcPct val="100000"/>
+              </a:lnSpc>
+            </a:pPr>
+            <a:r>
+              <a:rPr lang="pt-BR" dirty="0"/>
+              <a:t>Simulando a mesma performance do modelo para todos os dados, tem-se os seguintes impactos: </a:t>
+            </a:r>
+          </a:p>
+        </p:txBody>
+      </p:sp>
       <p:pic>
         <p:nvPicPr>
-          <p:cNvPr id="11" name="Imagem 10">
-            <a:extLst>
-              <a:ext uri="{FF2B5EF4-FFF2-40B4-BE49-F238E27FC236}">
-                <a16:creationId xmlns:a16="http://schemas.microsoft.com/office/drawing/2014/main" id="{AAF22831-220E-CF89-6471-5044342F3D2B}"/>
+          <p:cNvPr id="5" name="Imagem 4">
+            <a:extLst>
+              <a:ext uri="{FF2B5EF4-FFF2-40B4-BE49-F238E27FC236}">
+                <a16:creationId xmlns:a16="http://schemas.microsoft.com/office/drawing/2014/main" id="{0722B8BE-D7D1-2B99-04C6-B561E404919B}"/>
               </a:ext>
             </a:extLst>
           </p:cNvPr>
@@ -4434,8 +6952,522 @@
         </p:blipFill>
         <p:spPr>
           <a:xfrm>
-            <a:off x="1442388" y="280548"/>
-            <a:ext cx="9307224" cy="6296904"/>
+            <a:off x="6102586" y="3614790"/>
+            <a:ext cx="5287464" cy="3100183"/>
+          </a:xfrm>
+          <a:prstGeom prst="rect">
+            <a:avLst/>
+          </a:prstGeom>
+        </p:spPr>
+      </p:pic>
+      <p:pic>
+        <p:nvPicPr>
+          <p:cNvPr id="7" name="Imagem 6">
+            <a:extLst>
+              <a:ext uri="{FF2B5EF4-FFF2-40B4-BE49-F238E27FC236}">
+                <a16:creationId xmlns:a16="http://schemas.microsoft.com/office/drawing/2014/main" id="{7A85FEDA-508E-117C-2492-5C41419422F3}"/>
+              </a:ext>
+            </a:extLst>
+          </p:cNvPr>
+          <p:cNvPicPr>
+            <a:picLocks noChangeAspect="1"/>
+          </p:cNvPicPr>
+          <p:nvPr/>
+        </p:nvPicPr>
+        <p:blipFill>
+          <a:blip r:embed="rId3"/>
+          <a:stretch>
+            <a:fillRect/>
+          </a:stretch>
+        </p:blipFill>
+        <p:spPr>
+          <a:xfrm>
+            <a:off x="713173" y="3683511"/>
+            <a:ext cx="5287464" cy="3100183"/>
+          </a:xfrm>
+          <a:prstGeom prst="rect">
+            <a:avLst/>
+          </a:prstGeom>
+        </p:spPr>
+      </p:pic>
+      <p:sp>
+        <p:nvSpPr>
+          <p:cNvPr id="10" name="Espaço Reservado para Conteúdo 7">
+            <a:extLst>
+              <a:ext uri="{FF2B5EF4-FFF2-40B4-BE49-F238E27FC236}">
+                <a16:creationId xmlns:a16="http://schemas.microsoft.com/office/drawing/2014/main" id="{A798EFDF-A1BC-4F82-C4B1-3FD3B83923C8}"/>
+              </a:ext>
+            </a:extLst>
+          </p:cNvPr>
+          <p:cNvSpPr txBox="1">
+            <a:spLocks/>
+          </p:cNvSpPr>
+          <p:nvPr/>
+        </p:nvSpPr>
+        <p:spPr>
+          <a:xfrm>
+            <a:off x="1750930" y="3342007"/>
+            <a:ext cx="3073703" cy="341505"/>
+          </a:xfrm>
+          <a:prstGeom prst="rect">
+            <a:avLst/>
+          </a:prstGeom>
+        </p:spPr>
+        <p:txBody>
+          <a:bodyPr vert="horz" lIns="91440" tIns="45720" rIns="91440" bIns="45720" rtlCol="0">
+            <a:noAutofit/>
+          </a:bodyPr>
+          <a:lstStyle>
+            <a:lvl1pPr marL="228600" indent="-228600" algn="l" defTabSz="914400" rtl="0" eaLnBrk="1" latinLnBrk="0" hangingPunct="1">
+              <a:lnSpc>
+                <a:spcPct val="90000"/>
+              </a:lnSpc>
+              <a:spcBef>
+                <a:spcPts val="1000"/>
+              </a:spcBef>
+              <a:buFont typeface="Arial" panose="020B0604020202020204" pitchFamily="34" charset="0"/>
+              <a:buChar char="•"/>
+              <a:defRPr sz="2800" kern="1200">
+                <a:solidFill>
+                  <a:schemeClr val="tx1"/>
+                </a:solidFill>
+                <a:latin typeface="+mn-lt"/>
+                <a:ea typeface="+mn-ea"/>
+                <a:cs typeface="+mn-cs"/>
+              </a:defRPr>
+            </a:lvl1pPr>
+            <a:lvl2pPr marL="685800" indent="-228600" algn="l" defTabSz="914400" rtl="0" eaLnBrk="1" latinLnBrk="0" hangingPunct="1">
+              <a:lnSpc>
+                <a:spcPct val="90000"/>
+              </a:lnSpc>
+              <a:spcBef>
+                <a:spcPts val="500"/>
+              </a:spcBef>
+              <a:buFont typeface="Arial" panose="020B0604020202020204" pitchFamily="34" charset="0"/>
+              <a:buChar char="•"/>
+              <a:defRPr sz="2400" kern="1200">
+                <a:solidFill>
+                  <a:schemeClr val="tx1"/>
+                </a:solidFill>
+                <a:latin typeface="+mn-lt"/>
+                <a:ea typeface="+mn-ea"/>
+                <a:cs typeface="+mn-cs"/>
+              </a:defRPr>
+            </a:lvl2pPr>
+            <a:lvl3pPr marL="1143000" indent="-228600" algn="l" defTabSz="914400" rtl="0" eaLnBrk="1" latinLnBrk="0" hangingPunct="1">
+              <a:lnSpc>
+                <a:spcPct val="90000"/>
+              </a:lnSpc>
+              <a:spcBef>
+                <a:spcPts val="500"/>
+              </a:spcBef>
+              <a:buFont typeface="Arial" panose="020B0604020202020204" pitchFamily="34" charset="0"/>
+              <a:buChar char="•"/>
+              <a:defRPr sz="2000" kern="1200">
+                <a:solidFill>
+                  <a:schemeClr val="tx1"/>
+                </a:solidFill>
+                <a:latin typeface="+mn-lt"/>
+                <a:ea typeface="+mn-ea"/>
+                <a:cs typeface="+mn-cs"/>
+              </a:defRPr>
+            </a:lvl3pPr>
+            <a:lvl4pPr marL="1600200" indent="-228600" algn="l" defTabSz="914400" rtl="0" eaLnBrk="1" latinLnBrk="0" hangingPunct="1">
+              <a:lnSpc>
+                <a:spcPct val="90000"/>
+              </a:lnSpc>
+              <a:spcBef>
+                <a:spcPts val="500"/>
+              </a:spcBef>
+              <a:buFont typeface="Arial" panose="020B0604020202020204" pitchFamily="34" charset="0"/>
+              <a:buChar char="•"/>
+              <a:defRPr sz="1800" kern="1200">
+                <a:solidFill>
+                  <a:schemeClr val="tx1"/>
+                </a:solidFill>
+                <a:latin typeface="+mn-lt"/>
+                <a:ea typeface="+mn-ea"/>
+                <a:cs typeface="+mn-cs"/>
+              </a:defRPr>
+            </a:lvl4pPr>
+            <a:lvl5pPr marL="2057400" indent="-228600" algn="l" defTabSz="914400" rtl="0" eaLnBrk="1" latinLnBrk="0" hangingPunct="1">
+              <a:lnSpc>
+                <a:spcPct val="90000"/>
+              </a:lnSpc>
+              <a:spcBef>
+                <a:spcPts val="500"/>
+              </a:spcBef>
+              <a:buFont typeface="Arial" panose="020B0604020202020204" pitchFamily="34" charset="0"/>
+              <a:buChar char="•"/>
+              <a:defRPr sz="1800" kern="1200">
+                <a:solidFill>
+                  <a:schemeClr val="tx1"/>
+                </a:solidFill>
+                <a:latin typeface="+mn-lt"/>
+                <a:ea typeface="+mn-ea"/>
+                <a:cs typeface="+mn-cs"/>
+              </a:defRPr>
+            </a:lvl5pPr>
+            <a:lvl6pPr marL="2514600" indent="-228600" algn="l" defTabSz="914400" rtl="0" eaLnBrk="1" latinLnBrk="0" hangingPunct="1">
+              <a:lnSpc>
+                <a:spcPct val="90000"/>
+              </a:lnSpc>
+              <a:spcBef>
+                <a:spcPts val="500"/>
+              </a:spcBef>
+              <a:buFont typeface="Arial" panose="020B0604020202020204" pitchFamily="34" charset="0"/>
+              <a:buChar char="•"/>
+              <a:defRPr sz="1800" kern="1200">
+                <a:solidFill>
+                  <a:schemeClr val="tx1"/>
+                </a:solidFill>
+                <a:latin typeface="+mn-lt"/>
+                <a:ea typeface="+mn-ea"/>
+                <a:cs typeface="+mn-cs"/>
+              </a:defRPr>
+            </a:lvl6pPr>
+            <a:lvl7pPr marL="2971800" indent="-228600" algn="l" defTabSz="914400" rtl="0" eaLnBrk="1" latinLnBrk="0" hangingPunct="1">
+              <a:lnSpc>
+                <a:spcPct val="90000"/>
+              </a:lnSpc>
+              <a:spcBef>
+                <a:spcPts val="500"/>
+              </a:spcBef>
+              <a:buFont typeface="Arial" panose="020B0604020202020204" pitchFamily="34" charset="0"/>
+              <a:buChar char="•"/>
+              <a:defRPr sz="1800" kern="1200">
+                <a:solidFill>
+                  <a:schemeClr val="tx1"/>
+                </a:solidFill>
+                <a:latin typeface="+mn-lt"/>
+                <a:ea typeface="+mn-ea"/>
+                <a:cs typeface="+mn-cs"/>
+              </a:defRPr>
+            </a:lvl7pPr>
+            <a:lvl8pPr marL="3429000" indent="-228600" algn="l" defTabSz="914400" rtl="0" eaLnBrk="1" latinLnBrk="0" hangingPunct="1">
+              <a:lnSpc>
+                <a:spcPct val="90000"/>
+              </a:lnSpc>
+              <a:spcBef>
+                <a:spcPts val="500"/>
+              </a:spcBef>
+              <a:buFont typeface="Arial" panose="020B0604020202020204" pitchFamily="34" charset="0"/>
+              <a:buChar char="•"/>
+              <a:defRPr sz="1800" kern="1200">
+                <a:solidFill>
+                  <a:schemeClr val="tx1"/>
+                </a:solidFill>
+                <a:latin typeface="+mn-lt"/>
+                <a:ea typeface="+mn-ea"/>
+                <a:cs typeface="+mn-cs"/>
+              </a:defRPr>
+            </a:lvl8pPr>
+            <a:lvl9pPr marL="3886200" indent="-228600" algn="l" defTabSz="914400" rtl="0" eaLnBrk="1" latinLnBrk="0" hangingPunct="1">
+              <a:lnSpc>
+                <a:spcPct val="90000"/>
+              </a:lnSpc>
+              <a:spcBef>
+                <a:spcPts val="500"/>
+              </a:spcBef>
+              <a:buFont typeface="Arial" panose="020B0604020202020204" pitchFamily="34" charset="0"/>
+              <a:buChar char="•"/>
+              <a:defRPr sz="1800" kern="1200">
+                <a:solidFill>
+                  <a:schemeClr val="tx1"/>
+                </a:solidFill>
+                <a:latin typeface="+mn-lt"/>
+                <a:ea typeface="+mn-ea"/>
+                <a:cs typeface="+mn-cs"/>
+              </a:defRPr>
+            </a:lvl9pPr>
+          </a:lstStyle>
+          <a:p>
+            <a:pPr marL="0" indent="0" algn="ctr">
+              <a:lnSpc>
+                <a:spcPct val="100000"/>
+              </a:lnSpc>
+              <a:buNone/>
+            </a:pPr>
+            <a:r>
+              <a:rPr lang="en-US" sz="1800" b="1" dirty="0" err="1"/>
+              <a:t>Modelo</a:t>
+            </a:r>
+            <a:r>
+              <a:rPr lang="en-US" sz="1800" b="1" dirty="0"/>
+              <a:t> de Random Forest</a:t>
+            </a:r>
+            <a:endParaRPr lang="pt-BR" sz="1800" b="1" dirty="0"/>
+          </a:p>
+        </p:txBody>
+      </p:sp>
+      <p:sp>
+        <p:nvSpPr>
+          <p:cNvPr id="12" name="Espaço Reservado para Conteúdo 7">
+            <a:extLst>
+              <a:ext uri="{FF2B5EF4-FFF2-40B4-BE49-F238E27FC236}">
+                <a16:creationId xmlns:a16="http://schemas.microsoft.com/office/drawing/2014/main" id="{FC7DF6DB-C5AF-5909-38DC-A13D4E17408E}"/>
+              </a:ext>
+            </a:extLst>
+          </p:cNvPr>
+          <p:cNvSpPr txBox="1">
+            <a:spLocks/>
+          </p:cNvSpPr>
+          <p:nvPr/>
+        </p:nvSpPr>
+        <p:spPr>
+          <a:xfrm>
+            <a:off x="7176332" y="3342007"/>
+            <a:ext cx="3073703" cy="341505"/>
+          </a:xfrm>
+          <a:prstGeom prst="rect">
+            <a:avLst/>
+          </a:prstGeom>
+        </p:spPr>
+        <p:txBody>
+          <a:bodyPr vert="horz" lIns="91440" tIns="45720" rIns="91440" bIns="45720" rtlCol="0">
+            <a:noAutofit/>
+          </a:bodyPr>
+          <a:lstStyle>
+            <a:lvl1pPr marL="228600" indent="-228600" algn="l" defTabSz="914400" rtl="0" eaLnBrk="1" latinLnBrk="0" hangingPunct="1">
+              <a:lnSpc>
+                <a:spcPct val="90000"/>
+              </a:lnSpc>
+              <a:spcBef>
+                <a:spcPts val="1000"/>
+              </a:spcBef>
+              <a:buFont typeface="Arial" panose="020B0604020202020204" pitchFamily="34" charset="0"/>
+              <a:buChar char="•"/>
+              <a:defRPr sz="2800" kern="1200">
+                <a:solidFill>
+                  <a:schemeClr val="tx1"/>
+                </a:solidFill>
+                <a:latin typeface="+mn-lt"/>
+                <a:ea typeface="+mn-ea"/>
+                <a:cs typeface="+mn-cs"/>
+              </a:defRPr>
+            </a:lvl1pPr>
+            <a:lvl2pPr marL="685800" indent="-228600" algn="l" defTabSz="914400" rtl="0" eaLnBrk="1" latinLnBrk="0" hangingPunct="1">
+              <a:lnSpc>
+                <a:spcPct val="90000"/>
+              </a:lnSpc>
+              <a:spcBef>
+                <a:spcPts val="500"/>
+              </a:spcBef>
+              <a:buFont typeface="Arial" panose="020B0604020202020204" pitchFamily="34" charset="0"/>
+              <a:buChar char="•"/>
+              <a:defRPr sz="2400" kern="1200">
+                <a:solidFill>
+                  <a:schemeClr val="tx1"/>
+                </a:solidFill>
+                <a:latin typeface="+mn-lt"/>
+                <a:ea typeface="+mn-ea"/>
+                <a:cs typeface="+mn-cs"/>
+              </a:defRPr>
+            </a:lvl2pPr>
+            <a:lvl3pPr marL="1143000" indent="-228600" algn="l" defTabSz="914400" rtl="0" eaLnBrk="1" latinLnBrk="0" hangingPunct="1">
+              <a:lnSpc>
+                <a:spcPct val="90000"/>
+              </a:lnSpc>
+              <a:spcBef>
+                <a:spcPts val="500"/>
+              </a:spcBef>
+              <a:buFont typeface="Arial" panose="020B0604020202020204" pitchFamily="34" charset="0"/>
+              <a:buChar char="•"/>
+              <a:defRPr sz="2000" kern="1200">
+                <a:solidFill>
+                  <a:schemeClr val="tx1"/>
+                </a:solidFill>
+                <a:latin typeface="+mn-lt"/>
+                <a:ea typeface="+mn-ea"/>
+                <a:cs typeface="+mn-cs"/>
+              </a:defRPr>
+            </a:lvl3pPr>
+            <a:lvl4pPr marL="1600200" indent="-228600" algn="l" defTabSz="914400" rtl="0" eaLnBrk="1" latinLnBrk="0" hangingPunct="1">
+              <a:lnSpc>
+                <a:spcPct val="90000"/>
+              </a:lnSpc>
+              <a:spcBef>
+                <a:spcPts val="500"/>
+              </a:spcBef>
+              <a:buFont typeface="Arial" panose="020B0604020202020204" pitchFamily="34" charset="0"/>
+              <a:buChar char="•"/>
+              <a:defRPr sz="1800" kern="1200">
+                <a:solidFill>
+                  <a:schemeClr val="tx1"/>
+                </a:solidFill>
+                <a:latin typeface="+mn-lt"/>
+                <a:ea typeface="+mn-ea"/>
+                <a:cs typeface="+mn-cs"/>
+              </a:defRPr>
+            </a:lvl4pPr>
+            <a:lvl5pPr marL="2057400" indent="-228600" algn="l" defTabSz="914400" rtl="0" eaLnBrk="1" latinLnBrk="0" hangingPunct="1">
+              <a:lnSpc>
+                <a:spcPct val="90000"/>
+              </a:lnSpc>
+              <a:spcBef>
+                <a:spcPts val="500"/>
+              </a:spcBef>
+              <a:buFont typeface="Arial" panose="020B0604020202020204" pitchFamily="34" charset="0"/>
+              <a:buChar char="•"/>
+              <a:defRPr sz="1800" kern="1200">
+                <a:solidFill>
+                  <a:schemeClr val="tx1"/>
+                </a:solidFill>
+                <a:latin typeface="+mn-lt"/>
+                <a:ea typeface="+mn-ea"/>
+                <a:cs typeface="+mn-cs"/>
+              </a:defRPr>
+            </a:lvl5pPr>
+            <a:lvl6pPr marL="2514600" indent="-228600" algn="l" defTabSz="914400" rtl="0" eaLnBrk="1" latinLnBrk="0" hangingPunct="1">
+              <a:lnSpc>
+                <a:spcPct val="90000"/>
+              </a:lnSpc>
+              <a:spcBef>
+                <a:spcPts val="500"/>
+              </a:spcBef>
+              <a:buFont typeface="Arial" panose="020B0604020202020204" pitchFamily="34" charset="0"/>
+              <a:buChar char="•"/>
+              <a:defRPr sz="1800" kern="1200">
+                <a:solidFill>
+                  <a:schemeClr val="tx1"/>
+                </a:solidFill>
+                <a:latin typeface="+mn-lt"/>
+                <a:ea typeface="+mn-ea"/>
+                <a:cs typeface="+mn-cs"/>
+              </a:defRPr>
+            </a:lvl6pPr>
+            <a:lvl7pPr marL="2971800" indent="-228600" algn="l" defTabSz="914400" rtl="0" eaLnBrk="1" latinLnBrk="0" hangingPunct="1">
+              <a:lnSpc>
+                <a:spcPct val="90000"/>
+              </a:lnSpc>
+              <a:spcBef>
+                <a:spcPts val="500"/>
+              </a:spcBef>
+              <a:buFont typeface="Arial" panose="020B0604020202020204" pitchFamily="34" charset="0"/>
+              <a:buChar char="•"/>
+              <a:defRPr sz="1800" kern="1200">
+                <a:solidFill>
+                  <a:schemeClr val="tx1"/>
+                </a:solidFill>
+                <a:latin typeface="+mn-lt"/>
+                <a:ea typeface="+mn-ea"/>
+                <a:cs typeface="+mn-cs"/>
+              </a:defRPr>
+            </a:lvl7pPr>
+            <a:lvl8pPr marL="3429000" indent="-228600" algn="l" defTabSz="914400" rtl="0" eaLnBrk="1" latinLnBrk="0" hangingPunct="1">
+              <a:lnSpc>
+                <a:spcPct val="90000"/>
+              </a:lnSpc>
+              <a:spcBef>
+                <a:spcPts val="500"/>
+              </a:spcBef>
+              <a:buFont typeface="Arial" panose="020B0604020202020204" pitchFamily="34" charset="0"/>
+              <a:buChar char="•"/>
+              <a:defRPr sz="1800" kern="1200">
+                <a:solidFill>
+                  <a:schemeClr val="tx1"/>
+                </a:solidFill>
+                <a:latin typeface="+mn-lt"/>
+                <a:ea typeface="+mn-ea"/>
+                <a:cs typeface="+mn-cs"/>
+              </a:defRPr>
+            </a:lvl8pPr>
+            <a:lvl9pPr marL="3886200" indent="-228600" algn="l" defTabSz="914400" rtl="0" eaLnBrk="1" latinLnBrk="0" hangingPunct="1">
+              <a:lnSpc>
+                <a:spcPct val="90000"/>
+              </a:lnSpc>
+              <a:spcBef>
+                <a:spcPts val="500"/>
+              </a:spcBef>
+              <a:buFont typeface="Arial" panose="020B0604020202020204" pitchFamily="34" charset="0"/>
+              <a:buChar char="•"/>
+              <a:defRPr sz="1800" kern="1200">
+                <a:solidFill>
+                  <a:schemeClr val="tx1"/>
+                </a:solidFill>
+                <a:latin typeface="+mn-lt"/>
+                <a:ea typeface="+mn-ea"/>
+                <a:cs typeface="+mn-cs"/>
+              </a:defRPr>
+            </a:lvl9pPr>
+          </a:lstStyle>
+          <a:p>
+            <a:pPr marL="0" indent="0" algn="ctr">
+              <a:lnSpc>
+                <a:spcPct val="100000"/>
+              </a:lnSpc>
+              <a:buNone/>
+            </a:pPr>
+            <a:r>
+              <a:rPr lang="en-US" sz="1800" b="1" dirty="0" err="1"/>
+              <a:t>Modelo</a:t>
+            </a:r>
+            <a:r>
+              <a:rPr lang="en-US" sz="1800" b="1" dirty="0"/>
+              <a:t> </a:t>
+            </a:r>
+            <a:r>
+              <a:rPr lang="en-US" sz="1800" b="1" dirty="0" err="1"/>
+              <a:t>XGBoost</a:t>
+            </a:r>
+            <a:endParaRPr lang="pt-BR" sz="1800" b="1" dirty="0"/>
+          </a:p>
+        </p:txBody>
+      </p:sp>
+      <p:pic>
+        <p:nvPicPr>
+          <p:cNvPr id="14" name="Imagem 13">
+            <a:extLst>
+              <a:ext uri="{FF2B5EF4-FFF2-40B4-BE49-F238E27FC236}">
+                <a16:creationId xmlns:a16="http://schemas.microsoft.com/office/drawing/2014/main" id="{F5D1EB54-D449-8F18-274A-CAC131708D8C}"/>
+              </a:ext>
+            </a:extLst>
+          </p:cNvPr>
+          <p:cNvPicPr>
+            <a:picLocks noChangeAspect="1"/>
+          </p:cNvPicPr>
+          <p:nvPr/>
+        </p:nvPicPr>
+        <p:blipFill>
+          <a:blip r:embed="rId4"/>
+          <a:stretch>
+            <a:fillRect/>
+          </a:stretch>
+        </p:blipFill>
+        <p:spPr>
+          <a:xfrm>
+            <a:off x="11390050" y="6414586"/>
+            <a:ext cx="801950" cy="443414"/>
+          </a:xfrm>
+          <a:prstGeom prst="rect">
+            <a:avLst/>
+          </a:prstGeom>
+        </p:spPr>
+      </p:pic>
+      <p:pic>
+        <p:nvPicPr>
+          <p:cNvPr id="17" name="Imagem 16">
+            <a:extLst>
+              <a:ext uri="{FF2B5EF4-FFF2-40B4-BE49-F238E27FC236}">
+                <a16:creationId xmlns:a16="http://schemas.microsoft.com/office/drawing/2014/main" id="{DFA5EFF7-7176-D9DD-AEFA-DB02CF1AF725}"/>
+              </a:ext>
+            </a:extLst>
+          </p:cNvPr>
+          <p:cNvPicPr>
+            <a:picLocks noChangeAspect="1"/>
+          </p:cNvPicPr>
+          <p:nvPr/>
+        </p:nvPicPr>
+        <p:blipFill>
+          <a:blip r:embed="rId5"/>
+          <a:stretch>
+            <a:fillRect/>
+          </a:stretch>
+        </p:blipFill>
+        <p:spPr>
+          <a:xfrm>
+            <a:off x="82834" y="6479108"/>
+            <a:ext cx="1000265" cy="314369"/>
           </a:xfrm>
           <a:prstGeom prst="rect">
             <a:avLst/>
@@ -4445,7 +7477,7 @@
     </p:spTree>
     <p:extLst>
       <p:ext uri="{BB962C8B-B14F-4D97-AF65-F5344CB8AC3E}">
-        <p14:creationId xmlns:p14="http://schemas.microsoft.com/office/powerpoint/2010/main" val="1367511614"/>
+        <p14:creationId xmlns:p14="http://schemas.microsoft.com/office/powerpoint/2010/main" val="1062324053"/>
       </p:ext>
     </p:extLst>
   </p:cSld>
@@ -4477,7 +7509,171 @@
           <p:cNvPr id="2" name="Título 1">
             <a:extLst>
               <a:ext uri="{FF2B5EF4-FFF2-40B4-BE49-F238E27FC236}">
-                <a16:creationId xmlns:a16="http://schemas.microsoft.com/office/drawing/2014/main" id="{10FDC50B-D2E5-AD1E-0C30-117E3182BF84}"/>
+                <a16:creationId xmlns:a16="http://schemas.microsoft.com/office/drawing/2014/main" id="{6A123D7E-A3D0-D6CC-370D-D829BA7E6C81}"/>
+              </a:ext>
+            </a:extLst>
+          </p:cNvPr>
+          <p:cNvSpPr txBox="1">
+            <a:spLocks/>
+          </p:cNvSpPr>
+          <p:nvPr/>
+        </p:nvSpPr>
+        <p:spPr>
+          <a:xfrm>
+            <a:off x="1" y="10019"/>
+            <a:ext cx="2894120" cy="745846"/>
+          </a:xfrm>
+          <a:prstGeom prst="rect">
+            <a:avLst/>
+          </a:prstGeom>
+          <a:ln w="57150" cap="flat" cmpd="sng" algn="ctr">
+            <a:solidFill>
+              <a:srgbClr val="F7009B"/>
+            </a:solidFill>
+            <a:prstDash val="solid"/>
+            <a:miter lim="800000"/>
+          </a:ln>
+        </p:spPr>
+        <p:style>
+          <a:lnRef idx="2">
+            <a:schemeClr val="accent1"/>
+          </a:lnRef>
+          <a:fillRef idx="1">
+            <a:schemeClr val="lt1"/>
+          </a:fillRef>
+          <a:effectRef idx="0">
+            <a:schemeClr val="accent1"/>
+          </a:effectRef>
+          <a:fontRef idx="minor">
+            <a:schemeClr val="dk1"/>
+          </a:fontRef>
+        </p:style>
+        <p:txBody>
+          <a:bodyPr vert="horz" lIns="91440" tIns="45720" rIns="91440" bIns="45720" rtlCol="0" anchor="ctr">
+            <a:normAutofit fontScale="85000" lnSpcReduction="10000"/>
+          </a:bodyPr>
+          <a:lstStyle>
+            <a:lvl1pPr algn="l" defTabSz="914400" rtl="0" eaLnBrk="1" latinLnBrk="0" hangingPunct="1">
+              <a:lnSpc>
+                <a:spcPct val="90000"/>
+              </a:lnSpc>
+              <a:spcBef>
+                <a:spcPct val="0"/>
+              </a:spcBef>
+              <a:buNone/>
+              <a:defRPr sz="4400" kern="1200">
+                <a:solidFill>
+                  <a:schemeClr val="dk1"/>
+                </a:solidFill>
+                <a:latin typeface="+mn-lt"/>
+                <a:ea typeface="+mn-ea"/>
+                <a:cs typeface="+mn-cs"/>
+              </a:defRPr>
+            </a:lvl1pPr>
+            <a:lvl2pPr>
+              <a:defRPr>
+                <a:solidFill>
+                  <a:schemeClr val="dk1"/>
+                </a:solidFill>
+                <a:latin typeface="+mn-lt"/>
+                <a:ea typeface="+mn-ea"/>
+                <a:cs typeface="+mn-cs"/>
+              </a:defRPr>
+            </a:lvl2pPr>
+            <a:lvl3pPr>
+              <a:defRPr>
+                <a:solidFill>
+                  <a:schemeClr val="dk1"/>
+                </a:solidFill>
+                <a:latin typeface="+mn-lt"/>
+                <a:ea typeface="+mn-ea"/>
+                <a:cs typeface="+mn-cs"/>
+              </a:defRPr>
+            </a:lvl3pPr>
+            <a:lvl4pPr>
+              <a:defRPr>
+                <a:solidFill>
+                  <a:schemeClr val="dk1"/>
+                </a:solidFill>
+                <a:latin typeface="+mn-lt"/>
+                <a:ea typeface="+mn-ea"/>
+                <a:cs typeface="+mn-cs"/>
+              </a:defRPr>
+            </a:lvl4pPr>
+            <a:lvl5pPr>
+              <a:defRPr>
+                <a:solidFill>
+                  <a:schemeClr val="dk1"/>
+                </a:solidFill>
+                <a:latin typeface="+mn-lt"/>
+                <a:ea typeface="+mn-ea"/>
+                <a:cs typeface="+mn-cs"/>
+              </a:defRPr>
+            </a:lvl5pPr>
+            <a:lvl6pPr>
+              <a:defRPr>
+                <a:solidFill>
+                  <a:schemeClr val="dk1"/>
+                </a:solidFill>
+                <a:latin typeface="+mn-lt"/>
+                <a:ea typeface="+mn-ea"/>
+                <a:cs typeface="+mn-cs"/>
+              </a:defRPr>
+            </a:lvl6pPr>
+            <a:lvl7pPr>
+              <a:defRPr>
+                <a:solidFill>
+                  <a:schemeClr val="dk1"/>
+                </a:solidFill>
+                <a:latin typeface="+mn-lt"/>
+                <a:ea typeface="+mn-ea"/>
+                <a:cs typeface="+mn-cs"/>
+              </a:defRPr>
+            </a:lvl7pPr>
+            <a:lvl8pPr>
+              <a:defRPr>
+                <a:solidFill>
+                  <a:schemeClr val="dk1"/>
+                </a:solidFill>
+                <a:latin typeface="+mn-lt"/>
+                <a:ea typeface="+mn-ea"/>
+                <a:cs typeface="+mn-cs"/>
+              </a:defRPr>
+            </a:lvl8pPr>
+            <a:lvl9pPr>
+              <a:defRPr>
+                <a:solidFill>
+                  <a:schemeClr val="dk1"/>
+                </a:solidFill>
+                <a:latin typeface="+mn-lt"/>
+                <a:ea typeface="+mn-ea"/>
+                <a:cs typeface="+mn-cs"/>
+              </a:defRPr>
+            </a:lvl9pPr>
+          </a:lstStyle>
+          <a:p>
+            <a:r>
+              <a:rPr lang="en-US" sz="3500" b="1" dirty="0" err="1"/>
+              <a:t>Próximos</a:t>
+            </a:r>
+            <a:r>
+              <a:rPr lang="en-US" sz="3500" b="1" dirty="0"/>
+              <a:t> </a:t>
+            </a:r>
+            <a:r>
+              <a:rPr lang="en-US" sz="3500" b="1" dirty="0" err="1"/>
+              <a:t>passos</a:t>
+            </a:r>
+            <a:endParaRPr lang="pt-BR" sz="3500" b="1" dirty="0"/>
+          </a:p>
+        </p:txBody>
+      </p:sp>
+      <p:sp>
+        <p:nvSpPr>
+          <p:cNvPr id="3" name="Espaço Reservado para Conteúdo 7">
+            <a:extLst>
+              <a:ext uri="{FF2B5EF4-FFF2-40B4-BE49-F238E27FC236}">
+                <a16:creationId xmlns:a16="http://schemas.microsoft.com/office/drawing/2014/main" id="{4F706697-0349-E9E2-CC20-3826F6A962C1}"/>
               </a:ext>
             </a:extLst>
           </p:cNvPr>
@@ -4485,21 +7681,37 @@
             <a:spLocks noGrp="1"/>
           </p:cNvSpPr>
           <p:nvPr>
-            <p:ph type="title"/>
+            <p:ph idx="1"/>
           </p:nvPr>
         </p:nvSpPr>
-        <p:spPr/>
+        <p:spPr>
+          <a:xfrm>
+            <a:off x="500477" y="1232979"/>
+            <a:ext cx="11191046" cy="4392041"/>
+          </a:xfrm>
+        </p:spPr>
         <p:txBody>
-          <a:bodyPr/>
+          <a:bodyPr>
+            <a:normAutofit/>
+          </a:bodyPr>
           <a:lstStyle/>
           <a:p>
-            <a:r>
-              <a:rPr lang="en-US" dirty="0"/>
-              <a:t>Random forest </a:t>
-            </a:r>
-            <a:r>
-              <a:rPr lang="en-US" dirty="0" err="1"/>
-              <a:t>balanceando</a:t>
+            <a:pPr>
+              <a:lnSpc>
+                <a:spcPct val="150000"/>
+              </a:lnSpc>
+            </a:pPr>
+            <a:r>
+              <a:rPr lang="en-US" dirty="0" err="1"/>
+              <a:t>Coletar</a:t>
+            </a:r>
+            <a:r>
+              <a:rPr lang="en-US" dirty="0"/>
+              <a:t> dados com </a:t>
+            </a:r>
+            <a:r>
+              <a:rPr lang="en-US" dirty="0" err="1"/>
+              <a:t>maior</a:t>
             </a:r>
             <a:r>
               <a:rPr lang="en-US" dirty="0"/>
@@ -4507,31 +7719,226 @@
             </a:r>
             <a:r>
               <a:rPr lang="en-US" dirty="0" err="1"/>
-              <a:t>os</a:t>
-            </a:r>
-            <a:r>
-              <a:rPr lang="en-US" dirty="0"/>
-              <a:t> dados</a:t>
-            </a:r>
+              <a:t>granularidade</a:t>
+            </a:r>
+            <a:r>
+              <a:rPr lang="en-US" dirty="0"/>
+              <a:t>, </a:t>
+            </a:r>
+            <a:r>
+              <a:rPr lang="en-US" dirty="0" err="1"/>
+              <a:t>como</a:t>
+            </a:r>
+            <a:r>
+              <a:rPr lang="en-US" dirty="0"/>
+              <a:t> </a:t>
+            </a:r>
+            <a:r>
+              <a:rPr lang="en-US" dirty="0" err="1"/>
+              <a:t>quantidade</a:t>
+            </a:r>
+            <a:r>
+              <a:rPr lang="en-US" dirty="0"/>
+              <a:t> de </a:t>
+            </a:r>
+            <a:r>
+              <a:rPr lang="en-US" dirty="0" err="1"/>
+              <a:t>dependentes</a:t>
+            </a:r>
+            <a:r>
+              <a:rPr lang="en-US" dirty="0"/>
+              <a:t>, </a:t>
+            </a:r>
+            <a:r>
+              <a:rPr lang="en-US" dirty="0" err="1"/>
+              <a:t>idade</a:t>
+            </a:r>
+            <a:r>
+              <a:rPr lang="en-US" dirty="0"/>
+              <a:t> do </a:t>
+            </a:r>
+            <a:r>
+              <a:rPr lang="en-US" dirty="0" err="1"/>
+              <a:t>cidadão</a:t>
+            </a:r>
+            <a:r>
+              <a:rPr lang="en-US" dirty="0"/>
+              <a:t> e </a:t>
+            </a:r>
+            <a:r>
+              <a:rPr lang="en-US" dirty="0" err="1"/>
+              <a:t>etc</a:t>
+            </a:r>
+            <a:r>
+              <a:rPr lang="en-US" dirty="0"/>
+              <a:t> (se </a:t>
+            </a:r>
+            <a:r>
+              <a:rPr lang="en-US" dirty="0" err="1"/>
+              <a:t>possível</a:t>
+            </a:r>
+            <a:r>
+              <a:rPr lang="en-US" dirty="0"/>
+              <a:t>)</a:t>
+            </a:r>
+          </a:p>
+          <a:p>
+            <a:pPr>
+              <a:lnSpc>
+                <a:spcPct val="150000"/>
+              </a:lnSpc>
+            </a:pPr>
+            <a:r>
+              <a:rPr lang="en-US" dirty="0" err="1"/>
+              <a:t>Utilizar</a:t>
+            </a:r>
+            <a:r>
+              <a:rPr lang="en-US" dirty="0"/>
+              <a:t> cross validation para </a:t>
+            </a:r>
+            <a:r>
+              <a:rPr lang="en-US" dirty="0" err="1"/>
+              <a:t>melhorar</a:t>
+            </a:r>
+            <a:r>
+              <a:rPr lang="en-US" dirty="0"/>
+              <a:t> </a:t>
+            </a:r>
+            <a:r>
+              <a:rPr lang="en-US" dirty="0" err="1"/>
+              <a:t>hiperparâmetros</a:t>
+            </a:r>
+            <a:r>
+              <a:rPr lang="en-US" dirty="0"/>
+              <a:t> do </a:t>
+            </a:r>
+            <a:r>
+              <a:rPr lang="en-US" dirty="0" err="1"/>
+              <a:t>modelo</a:t>
+            </a:r>
+            <a:r>
+              <a:rPr lang="en-US" dirty="0"/>
+              <a:t> </a:t>
+            </a:r>
+            <a:r>
+              <a:rPr lang="en-US" dirty="0" err="1"/>
+              <a:t>XGBoost</a:t>
+            </a:r>
+            <a:r>
+              <a:rPr lang="en-US" dirty="0"/>
+              <a:t>;</a:t>
+            </a:r>
+          </a:p>
+          <a:p>
+            <a:pPr>
+              <a:lnSpc>
+                <a:spcPct val="150000"/>
+              </a:lnSpc>
+            </a:pPr>
+            <a:r>
+              <a:rPr lang="en-US" dirty="0" err="1"/>
+              <a:t>Colocar</a:t>
+            </a:r>
+            <a:r>
+              <a:rPr lang="en-US" dirty="0"/>
+              <a:t> o </a:t>
+            </a:r>
+            <a:r>
+              <a:rPr lang="en-US" dirty="0" err="1"/>
+              <a:t>melhor</a:t>
+            </a:r>
+            <a:r>
+              <a:rPr lang="en-US" dirty="0"/>
+              <a:t> </a:t>
+            </a:r>
+            <a:r>
+              <a:rPr lang="en-US" dirty="0" err="1"/>
+              <a:t>modelo</a:t>
+            </a:r>
+            <a:r>
+              <a:rPr lang="en-US" dirty="0"/>
+              <a:t> </a:t>
+            </a:r>
+            <a:r>
+              <a:rPr lang="en-US" dirty="0" err="1"/>
+              <a:t>em</a:t>
+            </a:r>
+            <a:r>
+              <a:rPr lang="en-US" dirty="0"/>
+              <a:t> </a:t>
+            </a:r>
+            <a:r>
+              <a:rPr lang="en-US" dirty="0" err="1"/>
+              <a:t>produção</a:t>
+            </a:r>
+            <a:r>
+              <a:rPr lang="en-US" dirty="0"/>
+              <a:t> </a:t>
+            </a:r>
+            <a:r>
+              <a:rPr lang="en-US" dirty="0" err="1"/>
+              <a:t>em</a:t>
+            </a:r>
+            <a:r>
+              <a:rPr lang="en-US" dirty="0"/>
+              <a:t> </a:t>
+            </a:r>
+            <a:r>
+              <a:rPr lang="en-US" dirty="0" err="1"/>
+              <a:t>ambiente</a:t>
+            </a:r>
+            <a:r>
+              <a:rPr lang="en-US" dirty="0"/>
+              <a:t> de teste e </a:t>
+            </a:r>
+            <a:r>
+              <a:rPr lang="en-US" dirty="0" err="1"/>
+              <a:t>compreender</a:t>
+            </a:r>
+            <a:r>
+              <a:rPr lang="en-US" dirty="0"/>
+              <a:t> performance </a:t>
+            </a:r>
+            <a:r>
+              <a:rPr lang="en-US" dirty="0" err="1"/>
+              <a:t>na</a:t>
+            </a:r>
+            <a:r>
+              <a:rPr lang="en-US" dirty="0"/>
+              <a:t> </a:t>
+            </a:r>
+            <a:r>
+              <a:rPr lang="en-US" dirty="0" err="1"/>
+              <a:t>prática</a:t>
+            </a:r>
+            <a:r>
+              <a:rPr lang="en-US" dirty="0"/>
+              <a:t>;</a:t>
+            </a:r>
+          </a:p>
+          <a:p>
+            <a:pPr>
+              <a:lnSpc>
+                <a:spcPct val="150000"/>
+              </a:lnSpc>
+            </a:pPr>
             <a:endParaRPr lang="pt-BR" dirty="0"/>
           </a:p>
         </p:txBody>
       </p:sp>
       <p:pic>
         <p:nvPicPr>
-          <p:cNvPr id="5" name="Espaço Reservado para Conteúdo 4">
-            <a:extLst>
-              <a:ext uri="{FF2B5EF4-FFF2-40B4-BE49-F238E27FC236}">
-                <a16:creationId xmlns:a16="http://schemas.microsoft.com/office/drawing/2014/main" id="{33192138-2CB5-1309-03E2-2C0B3A1A1564}"/>
+          <p:cNvPr id="4" name="Imagem 3">
+            <a:extLst>
+              <a:ext uri="{FF2B5EF4-FFF2-40B4-BE49-F238E27FC236}">
+                <a16:creationId xmlns:a16="http://schemas.microsoft.com/office/drawing/2014/main" id="{4D2C80A4-07EC-2114-F387-70EDF56F3B53}"/>
               </a:ext>
             </a:extLst>
           </p:cNvPr>
           <p:cNvPicPr>
-            <a:picLocks noGrp="1" noChangeAspect="1"/>
+            <a:picLocks noChangeAspect="1"/>
           </p:cNvPicPr>
-          <p:nvPr>
-            <p:ph idx="1"/>
-          </p:nvPr>
+          <p:nvPr/>
         </p:nvPicPr>
         <p:blipFill>
           <a:blip r:embed="rId2"/>
@@ -4541,15 +7948,48 @@
         </p:blipFill>
         <p:spPr>
           <a:xfrm>
-            <a:off x="2875646" y="1825625"/>
-            <a:ext cx="6440707" cy="4351338"/>
+            <a:off x="11390050" y="6414586"/>
+            <a:ext cx="801950" cy="443414"/>
           </a:xfrm>
+          <a:prstGeom prst="rect">
+            <a:avLst/>
+          </a:prstGeom>
+        </p:spPr>
+      </p:pic>
+      <p:pic>
+        <p:nvPicPr>
+          <p:cNvPr id="6" name="Imagem 5">
+            <a:extLst>
+              <a:ext uri="{FF2B5EF4-FFF2-40B4-BE49-F238E27FC236}">
+                <a16:creationId xmlns:a16="http://schemas.microsoft.com/office/drawing/2014/main" id="{5BD9AC5F-3AE4-D4FB-F61D-1A76CA30D718}"/>
+              </a:ext>
+            </a:extLst>
+          </p:cNvPr>
+          <p:cNvPicPr>
+            <a:picLocks noChangeAspect="1"/>
+          </p:cNvPicPr>
+          <p:nvPr/>
+        </p:nvPicPr>
+        <p:blipFill>
+          <a:blip r:embed="rId3"/>
+          <a:stretch>
+            <a:fillRect/>
+          </a:stretch>
+        </p:blipFill>
+        <p:spPr>
+          <a:xfrm>
+            <a:off x="82834" y="6479108"/>
+            <a:ext cx="1000265" cy="314369"/>
+          </a:xfrm>
+          <a:prstGeom prst="rect">
+            <a:avLst/>
+          </a:prstGeom>
         </p:spPr>
       </p:pic>
     </p:spTree>
     <p:extLst>
       <p:ext uri="{BB962C8B-B14F-4D97-AF65-F5344CB8AC3E}">
-        <p14:creationId xmlns:p14="http://schemas.microsoft.com/office/powerpoint/2010/main" val="814496931"/>
+        <p14:creationId xmlns:p14="http://schemas.microsoft.com/office/powerpoint/2010/main" val="3405696028"/>
       </p:ext>
     </p:extLst>
   </p:cSld>
@@ -4560,7 +8000,7 @@
 </file>
 
 <file path=ppt/slides/slide9.xml><?xml version="1.0" encoding="utf-8"?>
-<p:sld xmlns:a="http://schemas.openxmlformats.org/drawingml/2006/main" xmlns:r="http://schemas.openxmlformats.org/officeDocument/2006/relationships" xmlns:p="http://schemas.openxmlformats.org/presentationml/2006/main">
+<p:sld xmlns:a="http://schemas.openxmlformats.org/drawingml/2006/main" xmlns:r="http://schemas.openxmlformats.org/officeDocument/2006/relationships" xmlns:p="http://schemas.openxmlformats.org/presentationml/2006/main" show="0">
   <p:cSld>
     <p:spTree>
       <p:nvGrpSpPr>
@@ -4576,58 +8016,19 @@
           <a:chExt cx="0" cy="0"/>
         </a:xfrm>
       </p:grpSpPr>
-      <p:sp>
-        <p:nvSpPr>
-          <p:cNvPr id="2" name="Título 1">
-            <a:extLst>
-              <a:ext uri="{FF2B5EF4-FFF2-40B4-BE49-F238E27FC236}">
-                <a16:creationId xmlns:a16="http://schemas.microsoft.com/office/drawing/2014/main" id="{380F90D8-DE33-2160-24FD-B43657EAD2BE}"/>
-              </a:ext>
-            </a:extLst>
-          </p:cNvPr>
-          <p:cNvSpPr>
-            <a:spLocks noGrp="1"/>
-          </p:cNvSpPr>
-          <p:nvPr>
-            <p:ph type="title"/>
-          </p:nvPr>
-        </p:nvSpPr>
-        <p:spPr/>
-        <p:txBody>
-          <a:bodyPr/>
-          <a:lstStyle/>
-          <a:p>
-            <a:r>
-              <a:rPr lang="en-US" dirty="0" err="1"/>
-              <a:t>Ajuste</a:t>
-            </a:r>
-            <a:r>
-              <a:rPr lang="en-US" dirty="0"/>
-              <a:t> do </a:t>
-            </a:r>
-            <a:r>
-              <a:rPr lang="en-US" dirty="0" err="1"/>
-              <a:t>modelo</a:t>
-            </a:r>
-            <a:endParaRPr lang="pt-BR" dirty="0"/>
-          </a:p>
-        </p:txBody>
-      </p:sp>
       <p:pic>
         <p:nvPicPr>
-          <p:cNvPr id="5" name="Espaço Reservado para Conteúdo 4">
-            <a:extLst>
-              <a:ext uri="{FF2B5EF4-FFF2-40B4-BE49-F238E27FC236}">
-                <a16:creationId xmlns:a16="http://schemas.microsoft.com/office/drawing/2014/main" id="{25D11C0E-777B-27C0-E923-667216908FFE}"/>
+          <p:cNvPr id="13" name="Imagem 12">
+            <a:extLst>
+              <a:ext uri="{FF2B5EF4-FFF2-40B4-BE49-F238E27FC236}">
+                <a16:creationId xmlns:a16="http://schemas.microsoft.com/office/drawing/2014/main" id="{5780B757-C5EF-E4E5-3761-85306186884A}"/>
               </a:ext>
             </a:extLst>
           </p:cNvPr>
           <p:cNvPicPr>
-            <a:picLocks noGrp="1" noChangeAspect="1"/>
+            <a:picLocks noChangeAspect="1"/>
           </p:cNvPicPr>
-          <p:nvPr>
-            <p:ph idx="1"/>
-          </p:nvPr>
+          <p:nvPr/>
         </p:nvPicPr>
         <p:blipFill>
           <a:blip r:embed="rId2"/>
@@ -4637,15 +8038,167 @@
         </p:blipFill>
         <p:spPr>
           <a:xfrm>
-            <a:off x="2766548" y="1843580"/>
-            <a:ext cx="6658904" cy="4315427"/>
+            <a:off x="1350318" y="3316450"/>
+            <a:ext cx="4369207" cy="3042362"/>
           </a:xfrm>
+          <a:prstGeom prst="rect">
+            <a:avLst/>
+          </a:prstGeom>
+        </p:spPr>
+      </p:pic>
+      <p:pic>
+        <p:nvPicPr>
+          <p:cNvPr id="17" name="Espaço Reservado para Conteúdo 16">
+            <a:extLst>
+              <a:ext uri="{FF2B5EF4-FFF2-40B4-BE49-F238E27FC236}">
+                <a16:creationId xmlns:a16="http://schemas.microsoft.com/office/drawing/2014/main" id="{B917F030-C249-8676-DE96-3559971B42A0}"/>
+              </a:ext>
+            </a:extLst>
+          </p:cNvPr>
+          <p:cNvPicPr>
+            <a:picLocks noGrp="1" noChangeAspect="1"/>
+          </p:cNvPicPr>
+          <p:nvPr>
+            <p:ph idx="1"/>
+          </p:nvPr>
+        </p:nvPicPr>
+        <p:blipFill>
+          <a:blip r:embed="rId3"/>
+          <a:stretch>
+            <a:fillRect/>
+          </a:stretch>
+        </p:blipFill>
+        <p:spPr>
+          <a:xfrm>
+            <a:off x="1446186" y="386638"/>
+            <a:ext cx="4177473" cy="3042362"/>
+          </a:xfrm>
+        </p:spPr>
+      </p:pic>
+      <p:pic>
+        <p:nvPicPr>
+          <p:cNvPr id="18" name="Espaço Reservado para Conteúdo 4">
+            <a:extLst>
+              <a:ext uri="{FF2B5EF4-FFF2-40B4-BE49-F238E27FC236}">
+                <a16:creationId xmlns:a16="http://schemas.microsoft.com/office/drawing/2014/main" id="{384B9593-FB43-107F-4D47-3AB630E9638A}"/>
+              </a:ext>
+            </a:extLst>
+          </p:cNvPr>
+          <p:cNvPicPr>
+            <a:picLocks noChangeAspect="1"/>
+          </p:cNvPicPr>
+          <p:nvPr/>
+        </p:nvPicPr>
+        <p:blipFill>
+          <a:blip r:embed="rId4"/>
+          <a:stretch>
+            <a:fillRect/>
+          </a:stretch>
+        </p:blipFill>
+        <p:spPr>
+          <a:xfrm>
+            <a:off x="6568343" y="546241"/>
+            <a:ext cx="3948877" cy="2723155"/>
+          </a:xfrm>
+          <a:prstGeom prst="rect">
+            <a:avLst/>
+          </a:prstGeom>
+        </p:spPr>
+      </p:pic>
+      <p:pic>
+        <p:nvPicPr>
+          <p:cNvPr id="19" name="Imagem 18">
+            <a:extLst>
+              <a:ext uri="{FF2B5EF4-FFF2-40B4-BE49-F238E27FC236}">
+                <a16:creationId xmlns:a16="http://schemas.microsoft.com/office/drawing/2014/main" id="{B97FDFB6-B15E-C7B9-6CEA-75001D3C5238}"/>
+              </a:ext>
+            </a:extLst>
+          </p:cNvPr>
+          <p:cNvPicPr>
+            <a:picLocks noChangeAspect="1"/>
+          </p:cNvPicPr>
+          <p:nvPr/>
+        </p:nvPicPr>
+        <p:blipFill>
+          <a:blip r:embed="rId5"/>
+          <a:stretch>
+            <a:fillRect/>
+          </a:stretch>
+        </p:blipFill>
+        <p:spPr>
+          <a:xfrm>
+            <a:off x="6720857" y="3429000"/>
+            <a:ext cx="4219966" cy="2966573"/>
+          </a:xfrm>
+          <a:prstGeom prst="rect">
+            <a:avLst/>
+          </a:prstGeom>
+        </p:spPr>
+      </p:pic>
+      <p:pic>
+        <p:nvPicPr>
+          <p:cNvPr id="2" name="Imagem 1">
+            <a:extLst>
+              <a:ext uri="{FF2B5EF4-FFF2-40B4-BE49-F238E27FC236}">
+                <a16:creationId xmlns:a16="http://schemas.microsoft.com/office/drawing/2014/main" id="{DD23AD54-9081-3712-9232-FC9991EE3432}"/>
+              </a:ext>
+            </a:extLst>
+          </p:cNvPr>
+          <p:cNvPicPr>
+            <a:picLocks noChangeAspect="1"/>
+          </p:cNvPicPr>
+          <p:nvPr/>
+        </p:nvPicPr>
+        <p:blipFill>
+          <a:blip r:embed="rId6"/>
+          <a:stretch>
+            <a:fillRect/>
+          </a:stretch>
+        </p:blipFill>
+        <p:spPr>
+          <a:xfrm>
+            <a:off x="11390050" y="6414586"/>
+            <a:ext cx="801950" cy="443414"/>
+          </a:xfrm>
+          <a:prstGeom prst="rect">
+            <a:avLst/>
+          </a:prstGeom>
+        </p:spPr>
+      </p:pic>
+      <p:pic>
+        <p:nvPicPr>
+          <p:cNvPr id="3" name="Imagem 2">
+            <a:extLst>
+              <a:ext uri="{FF2B5EF4-FFF2-40B4-BE49-F238E27FC236}">
+                <a16:creationId xmlns:a16="http://schemas.microsoft.com/office/drawing/2014/main" id="{A8631763-F0F5-7D4B-FAAB-DD85A1B72F3B}"/>
+              </a:ext>
+            </a:extLst>
+          </p:cNvPr>
+          <p:cNvPicPr>
+            <a:picLocks noChangeAspect="1"/>
+          </p:cNvPicPr>
+          <p:nvPr/>
+        </p:nvPicPr>
+        <p:blipFill>
+          <a:blip r:embed="rId7"/>
+          <a:stretch>
+            <a:fillRect/>
+          </a:stretch>
+        </p:blipFill>
+        <p:spPr>
+          <a:xfrm>
+            <a:off x="82834" y="6479108"/>
+            <a:ext cx="1000265" cy="314369"/>
+          </a:xfrm>
+          <a:prstGeom prst="rect">
+            <a:avLst/>
+          </a:prstGeom>
         </p:spPr>
       </p:pic>
     </p:spTree>
     <p:extLst>
       <p:ext uri="{BB962C8B-B14F-4D97-AF65-F5344CB8AC3E}">
-        <p14:creationId xmlns:p14="http://schemas.microsoft.com/office/powerpoint/2010/main" val="3610585406"/>
+        <p14:creationId xmlns:p14="http://schemas.microsoft.com/office/powerpoint/2010/main" val="2448338492"/>
       </p:ext>
     </p:extLst>
   </p:cSld>
